--- a/PyCitySchools/School_District_Report.pptx
+++ b/PyCitySchools/School_District_Report.pptx
@@ -7,8 +7,10 @@
   <p:sldIdLst>
     <p:sldId id="257" r:id="rId2"/>
     <p:sldId id="258" r:id="rId3"/>
-    <p:sldId id="259" r:id="rId4"/>
-    <p:sldId id="260" r:id="rId5"/>
+    <p:sldId id="261" r:id="rId4"/>
+    <p:sldId id="262" r:id="rId5"/>
+    <p:sldId id="259" r:id="rId6"/>
+    <p:sldId id="260" r:id="rId7"/>
   </p:sldIdLst>
   <p:sldSz cx="12192000" cy="6858000"/>
   <p:notesSz cx="6858000" cy="9144000"/>
@@ -4141,13 +4143,26 @@
           <a:p>
             <a:pPr lvl="0"/>
             <a:r>
-              <a:rPr lang="en-US" sz="4800" i="1" dirty="0">
+              <a:rPr lang="en-US" sz="4400" b="0" i="0" dirty="0">
                 <a:solidFill>
-                  <a:srgbClr val="FFFFFF"/>
+                  <a:schemeClr val="bg2">
+                    <a:lumMod val="50000"/>
+                  </a:schemeClr>
                 </a:solidFill>
+                <a:effectLst/>
+                <a:latin typeface="Times New Roman" panose="02020603050405020304" pitchFamily="18" charset="0"/>
+                <a:cs typeface="Times New Roman" panose="02020603050405020304" pitchFamily="18" charset="0"/>
               </a:rPr>
-              <a:t>Your best quote that reflects your approach… “It’s one small step for man, one giant leap for mankind.”</a:t>
-            </a:r>
+              <a:t>“If you can measure it, you can manage it.”</a:t>
+            </a:r>
+            <a:br>
+              <a:rPr lang="en-US" sz="1050" dirty="0"/>
+            </a:br>
+            <a:endParaRPr lang="en-US" sz="4800" i="1" dirty="0">
+              <a:solidFill>
+                <a:srgbClr val="FFFFFF"/>
+              </a:solidFill>
+            </a:endParaRPr>
           </a:p>
         </p:txBody>
       </p:sp>
@@ -4235,13 +4250,44 @@
           <a:lstStyle/>
           <a:p>
             <a:r>
-              <a:rPr lang="en-US">
+              <a:rPr lang="en-US" dirty="0">
                 <a:solidFill>
                   <a:srgbClr val="FFFFFF"/>
                 </a:solidFill>
               </a:rPr>
-              <a:t>- Neil Armstrong</a:t>
-            </a:r>
+              <a:t> </a:t>
+            </a:r>
+            <a:r>
+              <a:rPr lang="en-US" sz="2400" b="0" i="0" dirty="0">
+                <a:solidFill>
+                  <a:schemeClr val="bg2">
+                    <a:lumMod val="50000"/>
+                  </a:schemeClr>
+                </a:solidFill>
+                <a:effectLst/>
+                <a:latin typeface="Merriweather"/>
+              </a:rPr>
+              <a:t>― </a:t>
+            </a:r>
+            <a:r>
+              <a:rPr lang="en-US" sz="2400" b="1" i="0" dirty="0">
+                <a:solidFill>
+                  <a:schemeClr val="bg2">
+                    <a:lumMod val="50000"/>
+                  </a:schemeClr>
+                </a:solidFill>
+                <a:effectLst/>
+                <a:latin typeface="Lato"/>
+              </a:rPr>
+              <a:t>Robert S. Kaplan.</a:t>
+            </a:r>
+            <a:endParaRPr lang="en-US" dirty="0">
+              <a:solidFill>
+                <a:schemeClr val="bg2">
+                  <a:lumMod val="50000"/>
+                </a:schemeClr>
+              </a:solidFill>
+            </a:endParaRPr>
           </a:p>
         </p:txBody>
       </p:sp>
@@ -4280,6 +4326,174 @@
           <p:cNvPr id="2" name="Title 1">
             <a:extLst>
               <a:ext uri="{FF2B5EF4-FFF2-40B4-BE49-F238E27FC236}">
+                <a16:creationId xmlns:a16="http://schemas.microsoft.com/office/drawing/2014/main" id="{76C88792-BA02-46DF-BC43-7269FF5BAEDD}"/>
+              </a:ext>
+            </a:extLst>
+          </p:cNvPr>
+          <p:cNvSpPr>
+            <a:spLocks noGrp="1"/>
+          </p:cNvSpPr>
+          <p:nvPr>
+            <p:ph type="title"/>
+          </p:nvPr>
+        </p:nvSpPr>
+        <p:spPr/>
+        <p:txBody>
+          <a:bodyPr anchor="ctr"/>
+          <a:lstStyle/>
+          <a:p>
+            <a:pPr algn="ctr"/>
+            <a:r>
+              <a:rPr lang="en-US" dirty="0"/>
+              <a:t>District Summary</a:t>
+            </a:r>
+          </a:p>
+        </p:txBody>
+      </p:sp>
+      <p:sp>
+        <p:nvSpPr>
+          <p:cNvPr id="3" name="Content Placeholder 2">
+            <a:extLst>
+              <a:ext uri="{FF2B5EF4-FFF2-40B4-BE49-F238E27FC236}">
+                <a16:creationId xmlns:a16="http://schemas.microsoft.com/office/drawing/2014/main" id="{34F94A74-874B-463D-955A-CB53E2FDAC1B}"/>
+              </a:ext>
+            </a:extLst>
+          </p:cNvPr>
+          <p:cNvSpPr>
+            <a:spLocks noGrp="1"/>
+          </p:cNvSpPr>
+          <p:nvPr>
+            <p:ph idx="1"/>
+          </p:nvPr>
+        </p:nvSpPr>
+        <p:spPr/>
+        <p:txBody>
+          <a:bodyPr/>
+          <a:lstStyle/>
+          <a:p>
+            <a:endParaRPr lang="en-US" dirty="0"/>
+          </a:p>
+        </p:txBody>
+      </p:sp>
+    </p:spTree>
+    <p:extLst>
+      <p:ext uri="{BB962C8B-B14F-4D97-AF65-F5344CB8AC3E}">
+        <p14:creationId xmlns:p14="http://schemas.microsoft.com/office/powerpoint/2010/main" val="3825829057"/>
+      </p:ext>
+    </p:extLst>
+  </p:cSld>
+  <p:clrMapOvr>
+    <a:masterClrMapping/>
+  </p:clrMapOvr>
+</p:sld>
+</file>
+
+<file path=ppt/slides/slide4.xml><?xml version="1.0" encoding="utf-8"?>
+<p:sld xmlns:a="http://schemas.openxmlformats.org/drawingml/2006/main" xmlns:r="http://schemas.openxmlformats.org/officeDocument/2006/relationships" xmlns:p="http://schemas.openxmlformats.org/presentationml/2006/main">
+  <p:cSld>
+    <p:spTree>
+      <p:nvGrpSpPr>
+        <p:cNvPr id="1" name=""/>
+        <p:cNvGrpSpPr/>
+        <p:nvPr/>
+      </p:nvGrpSpPr>
+      <p:grpSpPr>
+        <a:xfrm>
+          <a:off x="0" y="0"/>
+          <a:ext cx="0" cy="0"/>
+          <a:chOff x="0" y="0"/>
+          <a:chExt cx="0" cy="0"/>
+        </a:xfrm>
+      </p:grpSpPr>
+      <p:sp>
+        <p:nvSpPr>
+          <p:cNvPr id="2" name="Title 1">
+            <a:extLst>
+              <a:ext uri="{FF2B5EF4-FFF2-40B4-BE49-F238E27FC236}">
+                <a16:creationId xmlns:a16="http://schemas.microsoft.com/office/drawing/2014/main" id="{720F15BD-D40D-4203-B97A-3BA2B4E28815}"/>
+              </a:ext>
+            </a:extLst>
+          </p:cNvPr>
+          <p:cNvSpPr>
+            <a:spLocks noGrp="1"/>
+          </p:cNvSpPr>
+          <p:nvPr>
+            <p:ph type="title"/>
+          </p:nvPr>
+        </p:nvSpPr>
+        <p:spPr/>
+        <p:txBody>
+          <a:bodyPr anchor="ctr"/>
+          <a:lstStyle/>
+          <a:p>
+            <a:pPr algn="ctr"/>
+            <a:r>
+              <a:rPr lang="en-US" dirty="0"/>
+              <a:t>Schools Summary</a:t>
+            </a:r>
+          </a:p>
+        </p:txBody>
+      </p:sp>
+      <p:sp>
+        <p:nvSpPr>
+          <p:cNvPr id="3" name="Content Placeholder 2">
+            <a:extLst>
+              <a:ext uri="{FF2B5EF4-FFF2-40B4-BE49-F238E27FC236}">
+                <a16:creationId xmlns:a16="http://schemas.microsoft.com/office/drawing/2014/main" id="{5AAF7FA6-F0FB-440A-95F8-348AAD152A9B}"/>
+              </a:ext>
+            </a:extLst>
+          </p:cNvPr>
+          <p:cNvSpPr>
+            <a:spLocks noGrp="1"/>
+          </p:cNvSpPr>
+          <p:nvPr>
+            <p:ph idx="1"/>
+          </p:nvPr>
+        </p:nvSpPr>
+        <p:spPr/>
+        <p:txBody>
+          <a:bodyPr/>
+          <a:lstStyle/>
+          <a:p>
+            <a:endParaRPr lang="en-US" dirty="0"/>
+          </a:p>
+        </p:txBody>
+      </p:sp>
+    </p:spTree>
+    <p:extLst>
+      <p:ext uri="{BB962C8B-B14F-4D97-AF65-F5344CB8AC3E}">
+        <p14:creationId xmlns:p14="http://schemas.microsoft.com/office/powerpoint/2010/main" val="1268003651"/>
+      </p:ext>
+    </p:extLst>
+  </p:cSld>
+  <p:clrMapOvr>
+    <a:masterClrMapping/>
+  </p:clrMapOvr>
+</p:sld>
+</file>
+
+<file path=ppt/slides/slide5.xml><?xml version="1.0" encoding="utf-8"?>
+<p:sld xmlns:a="http://schemas.openxmlformats.org/drawingml/2006/main" xmlns:r="http://schemas.openxmlformats.org/officeDocument/2006/relationships" xmlns:p="http://schemas.openxmlformats.org/presentationml/2006/main">
+  <p:cSld>
+    <p:spTree>
+      <p:nvGrpSpPr>
+        <p:cNvPr id="1" name=""/>
+        <p:cNvGrpSpPr/>
+        <p:nvPr/>
+      </p:nvGrpSpPr>
+      <p:grpSpPr>
+        <a:xfrm>
+          <a:off x="0" y="0"/>
+          <a:ext cx="0" cy="0"/>
+          <a:chOff x="0" y="0"/>
+          <a:chExt cx="0" cy="0"/>
+        </a:xfrm>
+      </p:grpSpPr>
+      <p:sp>
+        <p:nvSpPr>
+          <p:cNvPr id="2" name="Title 1">
+            <a:extLst>
+              <a:ext uri="{FF2B5EF4-FFF2-40B4-BE49-F238E27FC236}">
                 <a16:creationId xmlns:a16="http://schemas.microsoft.com/office/drawing/2014/main" id="{EB75A117-3690-4CFD-9432-4B454EBD3A1A}"/>
               </a:ext>
             </a:extLst>
@@ -4413,7 +4627,7 @@
 </p:sld>
 </file>
 
-<file path=ppt/slides/slide4.xml><?xml version="1.0" encoding="utf-8"?>
+<file path=ppt/slides/slide6.xml><?xml version="1.0" encoding="utf-8"?>
 <p:sld xmlns:a="http://schemas.openxmlformats.org/drawingml/2006/main" xmlns:r="http://schemas.openxmlformats.org/officeDocument/2006/relationships" xmlns:p="http://schemas.openxmlformats.org/presentationml/2006/main">
   <p:cSld>
     <p:spTree>

--- a/PyCitySchools/School_District_Report.pptx
+++ b/PyCitySchools/School_District_Report.pptx
@@ -10,7 +10,6 @@
     <p:sldId id="261" r:id="rId4"/>
     <p:sldId id="262" r:id="rId5"/>
     <p:sldId id="259" r:id="rId6"/>
-    <p:sldId id="260" r:id="rId7"/>
   </p:sldIdLst>
   <p:sldSz cx="12192000" cy="6858000"/>
   <p:notesSz cx="6858000" cy="9144000"/>
@@ -361,7 +360,7 @@
           <a:p>
             <a:fld id="{9184DA70-C731-4C70-880D-CCD4705E623C}" type="datetime1">
               <a:rPr lang="en-US" smtClean="0"/>
-              <a:t>11/30/2020</a:t>
+              <a:t>12/2/2020</a:t>
             </a:fld>
             <a:endParaRPr lang="en-US" dirty="0"/>
           </a:p>
@@ -549,7 +548,7 @@
           <a:p>
             <a:fld id="{B612A279-0833-481D-8C56-F67FD0AC6C50}" type="datetime1">
               <a:rPr lang="en-US" smtClean="0"/>
-              <a:t>11/30/2020</a:t>
+              <a:t>12/2/2020</a:t>
             </a:fld>
             <a:endParaRPr lang="en-US" dirty="0"/>
           </a:p>
@@ -791,7 +790,7 @@
           <a:p>
             <a:fld id="{6587DA83-5663-4C9C-B9AA-0B40A3DAFF81}" type="datetime1">
               <a:rPr lang="en-US" smtClean="0"/>
-              <a:t>11/30/2020</a:t>
+              <a:t>12/2/2020</a:t>
             </a:fld>
             <a:endParaRPr lang="en-US" dirty="0"/>
           </a:p>
@@ -979,7 +978,7 @@
           <a:p>
             <a:fld id="{4BE1D723-8F53-4F53-90B0-1982A396982E}" type="datetime1">
               <a:rPr lang="en-US" smtClean="0"/>
-              <a:t>11/30/2020</a:t>
+              <a:t>12/2/2020</a:t>
             </a:fld>
             <a:endParaRPr lang="en-US" dirty="0"/>
           </a:p>
@@ -1352,7 +1351,7 @@
           <a:p>
             <a:fld id="{97669AF7-7BEB-44E4-9852-375E34362B5B}" type="datetime1">
               <a:rPr lang="en-US" smtClean="0"/>
-              <a:t>11/30/2020</a:t>
+              <a:t>12/2/2020</a:t>
             </a:fld>
             <a:endParaRPr lang="en-US" dirty="0"/>
           </a:p>
@@ -1607,7 +1606,7 @@
           <a:p>
             <a:fld id="{BAAAC38D-0552-4C82-B593-E6124DFADBE2}" type="datetime1">
               <a:rPr lang="en-US" smtClean="0"/>
-              <a:t>11/30/2020</a:t>
+              <a:t>12/2/2020</a:t>
             </a:fld>
             <a:endParaRPr lang="en-US" dirty="0"/>
           </a:p>
@@ -2004,7 +2003,7 @@
           <a:p>
             <a:fld id="{D9DF0F1C-5577-4ACB-BB62-DF8F3C494C7E}" type="datetime1">
               <a:rPr lang="en-US" smtClean="0"/>
-              <a:t>11/30/2020</a:t>
+              <a:t>12/2/2020</a:t>
             </a:fld>
             <a:endParaRPr lang="en-US" dirty="0"/>
           </a:p>
@@ -2140,7 +2139,7 @@
           <a:p>
             <a:fld id="{1775B394-D9F9-4F0C-B15D-605F45CB9E9F}" type="datetime1">
               <a:rPr lang="en-US" smtClean="0"/>
-              <a:t>11/30/2020</a:t>
+              <a:t>12/2/2020</a:t>
             </a:fld>
             <a:endParaRPr lang="en-US" dirty="0"/>
           </a:p>
@@ -2297,7 +2296,7 @@
           <a:p>
             <a:fld id="{39667345-2558-425A-8533-9BFDBCE15005}" type="datetime1">
               <a:rPr lang="en-US" smtClean="0"/>
-              <a:t>11/30/2020</a:t>
+              <a:t>12/2/2020</a:t>
             </a:fld>
             <a:endParaRPr lang="en-US" dirty="0"/>
           </a:p>
@@ -2626,7 +2625,7 @@
           <a:p>
             <a:fld id="{92BEA474-078D-4E9B-9B14-09A87B19DC46}" type="datetime1">
               <a:rPr lang="en-US" smtClean="0"/>
-              <a:t>11/30/2020</a:t>
+              <a:t>12/2/2020</a:t>
             </a:fld>
             <a:endParaRPr lang="en-US" dirty="0"/>
           </a:p>
@@ -2976,7 +2975,7 @@
           <a:p>
             <a:fld id="{4907D986-8816-4272-A432-0437A28A9828}" type="datetime1">
               <a:rPr lang="en-US" smtClean="0"/>
-              <a:t>11/30/2020</a:t>
+              <a:t>12/2/2020</a:t>
             </a:fld>
             <a:endParaRPr lang="en-US" dirty="0"/>
           </a:p>
@@ -3237,7 +3236,7 @@
           <a:p>
             <a:fld id="{62D6E202-B606-4609-B914-27C9371A1F6D}" type="datetime1">
               <a:rPr lang="en-US" smtClean="0"/>
-              <a:t>11/30/2020</a:t>
+              <a:t>12/2/2020</a:t>
             </a:fld>
             <a:endParaRPr lang="en-US" dirty="0"/>
           </a:p>
@@ -4350,31 +4349,449 @@
           </a:p>
         </p:txBody>
       </p:sp>
-      <p:sp>
-        <p:nvSpPr>
-          <p:cNvPr id="3" name="Content Placeholder 2">
+      <p:graphicFrame>
+        <p:nvGraphicFramePr>
+          <p:cNvPr id="4" name="Table 4">
             <a:extLst>
               <a:ext uri="{FF2B5EF4-FFF2-40B4-BE49-F238E27FC236}">
-                <a16:creationId xmlns:a16="http://schemas.microsoft.com/office/drawing/2014/main" id="{34F94A74-874B-463D-955A-CB53E2FDAC1B}"/>
+                <a16:creationId xmlns:a16="http://schemas.microsoft.com/office/drawing/2014/main" id="{024E7C20-F427-4402-B838-AA189C8DF029}"/>
               </a:ext>
             </a:extLst>
           </p:cNvPr>
-          <p:cNvSpPr>
-            <a:spLocks noGrp="1"/>
-          </p:cNvSpPr>
+          <p:cNvGraphicFramePr>
+            <a:graphicFrameLocks noGrp="1"/>
+          </p:cNvGraphicFramePr>
           <p:nvPr>
             <p:ph idx="1"/>
+            <p:extLst>
+              <p:ext uri="{D42A27DB-BD31-4B8C-83A1-F6EECF244321}">
+                <p14:modId xmlns:p14="http://schemas.microsoft.com/office/powerpoint/2010/main" val="323093848"/>
+              </p:ext>
+            </p:extLst>
           </p:nvPr>
-        </p:nvSpPr>
-        <p:spPr/>
-        <p:txBody>
-          <a:bodyPr/>
-          <a:lstStyle/>
-          <a:p>
-            <a:endParaRPr lang="en-US" dirty="0"/>
-          </a:p>
-        </p:txBody>
-      </p:sp>
+        </p:nvGraphicFramePr>
+        <p:xfrm>
+          <a:off x="585925" y="2108200"/>
+          <a:ext cx="11168112" cy="2281501"/>
+        </p:xfrm>
+        <a:graphic>
+          <a:graphicData uri="http://schemas.openxmlformats.org/drawingml/2006/table">
+            <a:tbl>
+              <a:tblPr firstRow="1" bandRow="1">
+                <a:tableStyleId>{5C22544A-7EE6-4342-B048-85BDC9FD1C3A}</a:tableStyleId>
+              </a:tblPr>
+              <a:tblGrid>
+                <a:gridCol w="932157">
+                  <a:extLst>
+                    <a:ext uri="{9D8B030D-6E8A-4147-A177-3AD203B41FA5}">
+                      <a16:colId xmlns:a16="http://schemas.microsoft.com/office/drawing/2014/main" val="1703825290"/>
+                    </a:ext>
+                  </a:extLst>
+                </a:gridCol>
+                <a:gridCol w="1411549">
+                  <a:extLst>
+                    <a:ext uri="{9D8B030D-6E8A-4147-A177-3AD203B41FA5}">
+                      <a16:colId xmlns:a16="http://schemas.microsoft.com/office/drawing/2014/main" val="2746040040"/>
+                    </a:ext>
+                  </a:extLst>
+                </a:gridCol>
+                <a:gridCol w="1844336">
+                  <a:extLst>
+                    <a:ext uri="{9D8B030D-6E8A-4147-A177-3AD203B41FA5}">
+                      <a16:colId xmlns:a16="http://schemas.microsoft.com/office/drawing/2014/main" val="2063767714"/>
+                    </a:ext>
+                  </a:extLst>
+                </a:gridCol>
+                <a:gridCol w="1396014">
+                  <a:extLst>
+                    <a:ext uri="{9D8B030D-6E8A-4147-A177-3AD203B41FA5}">
+                      <a16:colId xmlns:a16="http://schemas.microsoft.com/office/drawing/2014/main" val="1878895423"/>
+                    </a:ext>
+                  </a:extLst>
+                </a:gridCol>
+                <a:gridCol w="1704512">
+                  <a:extLst>
+                    <a:ext uri="{9D8B030D-6E8A-4147-A177-3AD203B41FA5}">
+                      <a16:colId xmlns:a16="http://schemas.microsoft.com/office/drawing/2014/main" val="891071988"/>
+                    </a:ext>
+                  </a:extLst>
+                </a:gridCol>
+                <a:gridCol w="1251752">
+                  <a:extLst>
+                    <a:ext uri="{9D8B030D-6E8A-4147-A177-3AD203B41FA5}">
+                      <a16:colId xmlns:a16="http://schemas.microsoft.com/office/drawing/2014/main" val="1580169837"/>
+                    </a:ext>
+                  </a:extLst>
+                </a:gridCol>
+                <a:gridCol w="1384916">
+                  <a:extLst>
+                    <a:ext uri="{9D8B030D-6E8A-4147-A177-3AD203B41FA5}">
+                      <a16:colId xmlns:a16="http://schemas.microsoft.com/office/drawing/2014/main" val="726066243"/>
+                    </a:ext>
+                  </a:extLst>
+                </a:gridCol>
+                <a:gridCol w="1242876">
+                  <a:extLst>
+                    <a:ext uri="{9D8B030D-6E8A-4147-A177-3AD203B41FA5}">
+                      <a16:colId xmlns:a16="http://schemas.microsoft.com/office/drawing/2014/main" val="4255941395"/>
+                    </a:ext>
+                  </a:extLst>
+                </a:gridCol>
+              </a:tblGrid>
+              <a:tr h="1141027">
+                <a:tc>
+                  <a:txBody>
+                    <a:bodyPr/>
+                    <a:lstStyle/>
+                    <a:p>
+                      <a:pPr algn="l" fontAlgn="b"/>
+                      <a:r>
+                        <a:rPr lang="en-US" sz="2000" b="0" i="0" u="none" strike="noStrike" dirty="0">
+                          <a:solidFill>
+                            <a:srgbClr val="000000"/>
+                          </a:solidFill>
+                          <a:effectLst/>
+                          <a:latin typeface="Times New Roman" panose="02020603050405020304" pitchFamily="18" charset="0"/>
+                          <a:cs typeface="Times New Roman" panose="02020603050405020304" pitchFamily="18" charset="0"/>
+                        </a:rPr>
+                        <a:t>Total Schools</a:t>
+                      </a:r>
+                    </a:p>
+                  </a:txBody>
+                  <a:tcPr marL="7620" marR="7620" marT="7620" marB="0" anchor="b"/>
+                </a:tc>
+                <a:tc>
+                  <a:txBody>
+                    <a:bodyPr/>
+                    <a:lstStyle/>
+                    <a:p>
+                      <a:pPr algn="l" fontAlgn="b"/>
+                      <a:r>
+                        <a:rPr lang="en-US" sz="2000" b="0" i="0" u="none" strike="noStrike">
+                          <a:solidFill>
+                            <a:srgbClr val="000000"/>
+                          </a:solidFill>
+                          <a:effectLst/>
+                          <a:latin typeface="Times New Roman" panose="02020603050405020304" pitchFamily="18" charset="0"/>
+                          <a:cs typeface="Times New Roman" panose="02020603050405020304" pitchFamily="18" charset="0"/>
+                        </a:rPr>
+                        <a:t>Total Students</a:t>
+                      </a:r>
+                    </a:p>
+                  </a:txBody>
+                  <a:tcPr marL="7620" marR="7620" marT="7620" marB="0" anchor="b"/>
+                </a:tc>
+                <a:tc>
+                  <a:txBody>
+                    <a:bodyPr/>
+                    <a:lstStyle/>
+                    <a:p>
+                      <a:pPr algn="l" fontAlgn="b"/>
+                      <a:r>
+                        <a:rPr lang="en-US" sz="2000" b="0" i="0" u="none" strike="noStrike">
+                          <a:solidFill>
+                            <a:srgbClr val="000000"/>
+                          </a:solidFill>
+                          <a:effectLst/>
+                          <a:latin typeface="Times New Roman" panose="02020603050405020304" pitchFamily="18" charset="0"/>
+                          <a:cs typeface="Times New Roman" panose="02020603050405020304" pitchFamily="18" charset="0"/>
+                        </a:rPr>
+                        <a:t>Total Budget</a:t>
+                      </a:r>
+                    </a:p>
+                  </a:txBody>
+                  <a:tcPr marL="7620" marR="7620" marT="7620" marB="0" anchor="b"/>
+                </a:tc>
+                <a:tc>
+                  <a:txBody>
+                    <a:bodyPr/>
+                    <a:lstStyle/>
+                    <a:p>
+                      <a:pPr algn="l" fontAlgn="b"/>
+                      <a:r>
+                        <a:rPr lang="en-US" sz="2000" b="0" i="0" u="none" strike="noStrike">
+                          <a:solidFill>
+                            <a:srgbClr val="000000"/>
+                          </a:solidFill>
+                          <a:effectLst/>
+                          <a:latin typeface="Times New Roman" panose="02020603050405020304" pitchFamily="18" charset="0"/>
+                          <a:cs typeface="Times New Roman" panose="02020603050405020304" pitchFamily="18" charset="0"/>
+                        </a:rPr>
+                        <a:t>Average Math Score</a:t>
+                      </a:r>
+                    </a:p>
+                  </a:txBody>
+                  <a:tcPr marL="7620" marR="7620" marT="7620" marB="0" anchor="b"/>
+                </a:tc>
+                <a:tc>
+                  <a:txBody>
+                    <a:bodyPr/>
+                    <a:lstStyle/>
+                    <a:p>
+                      <a:pPr algn="l" fontAlgn="b"/>
+                      <a:r>
+                        <a:rPr lang="en-US" sz="2000" b="0" i="0" u="none" strike="noStrike">
+                          <a:solidFill>
+                            <a:srgbClr val="000000"/>
+                          </a:solidFill>
+                          <a:effectLst/>
+                          <a:latin typeface="Times New Roman" panose="02020603050405020304" pitchFamily="18" charset="0"/>
+                          <a:cs typeface="Times New Roman" panose="02020603050405020304" pitchFamily="18" charset="0"/>
+                        </a:rPr>
+                        <a:t>Average Reading Score</a:t>
+                      </a:r>
+                    </a:p>
+                  </a:txBody>
+                  <a:tcPr marL="7620" marR="7620" marT="7620" marB="0" anchor="b"/>
+                </a:tc>
+                <a:tc>
+                  <a:txBody>
+                    <a:bodyPr/>
+                    <a:lstStyle/>
+                    <a:p>
+                      <a:pPr algn="l" fontAlgn="b"/>
+                      <a:r>
+                        <a:rPr lang="en-US" sz="2000" b="0" i="0" u="none" strike="noStrike">
+                          <a:solidFill>
+                            <a:srgbClr val="000000"/>
+                          </a:solidFill>
+                          <a:effectLst/>
+                          <a:latin typeface="Times New Roman" panose="02020603050405020304" pitchFamily="18" charset="0"/>
+                          <a:cs typeface="Times New Roman" panose="02020603050405020304" pitchFamily="18" charset="0"/>
+                        </a:rPr>
+                        <a:t>% Passing Math</a:t>
+                      </a:r>
+                    </a:p>
+                  </a:txBody>
+                  <a:tcPr marL="7620" marR="7620" marT="7620" marB="0" anchor="b"/>
+                </a:tc>
+                <a:tc>
+                  <a:txBody>
+                    <a:bodyPr/>
+                    <a:lstStyle/>
+                    <a:p>
+                      <a:pPr algn="l" fontAlgn="b"/>
+                      <a:r>
+                        <a:rPr lang="en-US" sz="2000" b="0" i="0" u="none" strike="noStrike">
+                          <a:solidFill>
+                            <a:srgbClr val="000000"/>
+                          </a:solidFill>
+                          <a:effectLst/>
+                          <a:latin typeface="Times New Roman" panose="02020603050405020304" pitchFamily="18" charset="0"/>
+                          <a:cs typeface="Times New Roman" panose="02020603050405020304" pitchFamily="18" charset="0"/>
+                        </a:rPr>
+                        <a:t>% Passing Reading</a:t>
+                      </a:r>
+                    </a:p>
+                  </a:txBody>
+                  <a:tcPr marL="7620" marR="7620" marT="7620" marB="0" anchor="b"/>
+                </a:tc>
+                <a:tc>
+                  <a:txBody>
+                    <a:bodyPr/>
+                    <a:lstStyle/>
+                    <a:p>
+                      <a:pPr algn="l" fontAlgn="b"/>
+                      <a:r>
+                        <a:rPr lang="en-US" sz="2000" b="0" i="0" u="none" strike="noStrike">
+                          <a:solidFill>
+                            <a:srgbClr val="000000"/>
+                          </a:solidFill>
+                          <a:effectLst/>
+                          <a:latin typeface="Times New Roman" panose="02020603050405020304" pitchFamily="18" charset="0"/>
+                          <a:cs typeface="Times New Roman" panose="02020603050405020304" pitchFamily="18" charset="0"/>
+                        </a:rPr>
+                        <a:t>% Overall Passing</a:t>
+                      </a:r>
+                    </a:p>
+                  </a:txBody>
+                  <a:tcPr marL="7620" marR="7620" marT="7620" marB="0" anchor="b"/>
+                </a:tc>
+                <a:extLst>
+                  <a:ext uri="{0D108BD9-81ED-4DB2-BD59-A6C34878D82A}">
+                    <a16:rowId xmlns:a16="http://schemas.microsoft.com/office/drawing/2014/main" val="1872317663"/>
+                  </a:ext>
+                </a:extLst>
+              </a:tr>
+              <a:tr h="1140474">
+                <a:tc>
+                  <a:txBody>
+                    <a:bodyPr/>
+                    <a:lstStyle/>
+                    <a:p>
+                      <a:pPr algn="r" fontAlgn="b"/>
+                      <a:r>
+                        <a:rPr lang="en-US" sz="2000" b="0" i="0" u="none" strike="noStrike">
+                          <a:solidFill>
+                            <a:srgbClr val="000000"/>
+                          </a:solidFill>
+                          <a:effectLst/>
+                          <a:latin typeface="Times New Roman" panose="02020603050405020304" pitchFamily="18" charset="0"/>
+                          <a:cs typeface="Times New Roman" panose="02020603050405020304" pitchFamily="18" charset="0"/>
+                        </a:rPr>
+                        <a:t>15</a:t>
+                      </a:r>
+                    </a:p>
+                  </a:txBody>
+                  <a:tcPr marL="7620" marR="7620" marT="7620" marB="0" anchor="b"/>
+                </a:tc>
+                <a:tc>
+                  <a:txBody>
+                    <a:bodyPr/>
+                    <a:lstStyle/>
+                    <a:p>
+                      <a:pPr algn="r" fontAlgn="b"/>
+                      <a:r>
+                        <a:rPr lang="en-US" sz="2000" b="0" i="0" u="none" strike="noStrike">
+                          <a:solidFill>
+                            <a:srgbClr val="000000"/>
+                          </a:solidFill>
+                          <a:effectLst/>
+                          <a:latin typeface="Times New Roman" panose="02020603050405020304" pitchFamily="18" charset="0"/>
+                          <a:cs typeface="Times New Roman" panose="02020603050405020304" pitchFamily="18" charset="0"/>
+                        </a:rPr>
+                        <a:t>39,170</a:t>
+                      </a:r>
+                    </a:p>
+                  </a:txBody>
+                  <a:tcPr marL="7620" marR="7620" marT="7620" marB="0" anchor="b"/>
+                </a:tc>
+                <a:tc>
+                  <a:txBody>
+                    <a:bodyPr/>
+                    <a:lstStyle/>
+                    <a:p>
+                      <a:pPr algn="r" fontAlgn="b"/>
+                      <a:r>
+                        <a:rPr lang="en-US" sz="2000" b="0" i="0" u="none" strike="noStrike">
+                          <a:solidFill>
+                            <a:srgbClr val="000000"/>
+                          </a:solidFill>
+                          <a:effectLst/>
+                          <a:latin typeface="Times New Roman" panose="02020603050405020304" pitchFamily="18" charset="0"/>
+                          <a:cs typeface="Times New Roman" panose="02020603050405020304" pitchFamily="18" charset="0"/>
+                        </a:rPr>
+                        <a:t>$24,649,428.00 </a:t>
+                      </a:r>
+                    </a:p>
+                  </a:txBody>
+                  <a:tcPr marL="7620" marR="7620" marT="7620" marB="0" anchor="b"/>
+                </a:tc>
+                <a:tc>
+                  <a:txBody>
+                    <a:bodyPr/>
+                    <a:lstStyle/>
+                    <a:p>
+                      <a:pPr algn="r" fontAlgn="b"/>
+                      <a:r>
+                        <a:rPr lang="en-US" sz="2000" b="0" i="0" u="none" strike="noStrike">
+                          <a:solidFill>
+                            <a:srgbClr val="000000"/>
+                          </a:solidFill>
+                          <a:effectLst/>
+                          <a:latin typeface="Times New Roman" panose="02020603050405020304" pitchFamily="18" charset="0"/>
+                          <a:cs typeface="Times New Roman" panose="02020603050405020304" pitchFamily="18" charset="0"/>
+                        </a:rPr>
+                        <a:t>78.99</a:t>
+                      </a:r>
+                    </a:p>
+                  </a:txBody>
+                  <a:tcPr marL="7620" marR="7620" marT="7620" marB="0" anchor="b"/>
+                </a:tc>
+                <a:tc>
+                  <a:txBody>
+                    <a:bodyPr/>
+                    <a:lstStyle/>
+                    <a:p>
+                      <a:pPr algn="r" fontAlgn="b"/>
+                      <a:r>
+                        <a:rPr lang="en-US" sz="2000" b="0" i="0" u="none" strike="noStrike">
+                          <a:solidFill>
+                            <a:srgbClr val="000000"/>
+                          </a:solidFill>
+                          <a:effectLst/>
+                          <a:latin typeface="Times New Roman" panose="02020603050405020304" pitchFamily="18" charset="0"/>
+                          <a:cs typeface="Times New Roman" panose="02020603050405020304" pitchFamily="18" charset="0"/>
+                        </a:rPr>
+                        <a:t>81.88</a:t>
+                      </a:r>
+                    </a:p>
+                  </a:txBody>
+                  <a:tcPr marL="7620" marR="7620" marT="7620" marB="0" anchor="b"/>
+                </a:tc>
+                <a:tc>
+                  <a:txBody>
+                    <a:bodyPr/>
+                    <a:lstStyle/>
+                    <a:p>
+                      <a:pPr algn="r" fontAlgn="b"/>
+                      <a:r>
+                        <a:rPr lang="en-US" sz="2000" b="0" i="0" u="none" strike="noStrike">
+                          <a:solidFill>
+                            <a:srgbClr val="000000"/>
+                          </a:solidFill>
+                          <a:effectLst/>
+                          <a:latin typeface="Times New Roman" panose="02020603050405020304" pitchFamily="18" charset="0"/>
+                          <a:cs typeface="Times New Roman" panose="02020603050405020304" pitchFamily="18" charset="0"/>
+                        </a:rPr>
+                        <a:t>74.98%</a:t>
+                      </a:r>
+                    </a:p>
+                  </a:txBody>
+                  <a:tcPr marL="7620" marR="7620" marT="7620" marB="0" anchor="b"/>
+                </a:tc>
+                <a:tc>
+                  <a:txBody>
+                    <a:bodyPr/>
+                    <a:lstStyle/>
+                    <a:p>
+                      <a:pPr algn="r" fontAlgn="b"/>
+                      <a:r>
+                        <a:rPr lang="en-US" sz="2000" b="0" i="0" u="none" strike="noStrike">
+                          <a:solidFill>
+                            <a:srgbClr val="000000"/>
+                          </a:solidFill>
+                          <a:effectLst/>
+                          <a:latin typeface="Times New Roman" panose="02020603050405020304" pitchFamily="18" charset="0"/>
+                          <a:cs typeface="Times New Roman" panose="02020603050405020304" pitchFamily="18" charset="0"/>
+                        </a:rPr>
+                        <a:t>85.81%</a:t>
+                      </a:r>
+                    </a:p>
+                  </a:txBody>
+                  <a:tcPr marL="7620" marR="7620" marT="7620" marB="0" anchor="b"/>
+                </a:tc>
+                <a:tc>
+                  <a:txBody>
+                    <a:bodyPr/>
+                    <a:lstStyle/>
+                    <a:p>
+                      <a:pPr algn="r" fontAlgn="b"/>
+                      <a:r>
+                        <a:rPr lang="en-US" sz="2000" b="0" i="0" u="none" strike="noStrike" dirty="0">
+                          <a:solidFill>
+                            <a:srgbClr val="000000"/>
+                          </a:solidFill>
+                          <a:effectLst/>
+                          <a:latin typeface="Times New Roman" panose="02020603050405020304" pitchFamily="18" charset="0"/>
+                          <a:cs typeface="Times New Roman" panose="02020603050405020304" pitchFamily="18" charset="0"/>
+                        </a:rPr>
+                        <a:t>65.17%</a:t>
+                      </a:r>
+                    </a:p>
+                  </a:txBody>
+                  <a:tcPr marL="7620" marR="7620" marT="7620" marB="0" anchor="b"/>
+                </a:tc>
+                <a:extLst>
+                  <a:ext uri="{0D108BD9-81ED-4DB2-BD59-A6C34878D82A}">
+                    <a16:rowId xmlns:a16="http://schemas.microsoft.com/office/drawing/2014/main" val="2428170525"/>
+                  </a:ext>
+                </a:extLst>
+              </a:tr>
+            </a:tbl>
+          </a:graphicData>
+        </a:graphic>
+      </p:graphicFrame>
     </p:spTree>
     <p:extLst>
       <p:ext uri="{BB962C8B-B14F-4D97-AF65-F5344CB8AC3E}">
@@ -4421,44 +4838,3605 @@
             <p:ph type="title"/>
           </p:nvPr>
         </p:nvSpPr>
-        <p:spPr/>
+        <p:spPr>
+          <a:xfrm>
+            <a:off x="1176862" y="73540"/>
+            <a:ext cx="10058400" cy="601163"/>
+          </a:xfrm>
+        </p:spPr>
         <p:txBody>
-          <a:bodyPr anchor="ctr"/>
+          <a:bodyPr anchor="ctr">
+            <a:normAutofit fontScale="90000"/>
+          </a:bodyPr>
           <a:lstStyle/>
           <a:p>
             <a:pPr algn="ctr"/>
             <a:r>
-              <a:rPr lang="en-US" dirty="0"/>
+              <a:rPr lang="en-US" sz="4000" dirty="0"/>
               <a:t>Schools Summary</a:t>
             </a:r>
           </a:p>
         </p:txBody>
       </p:sp>
-      <p:sp>
-        <p:nvSpPr>
-          <p:cNvPr id="3" name="Content Placeholder 2">
+      <p:graphicFrame>
+        <p:nvGraphicFramePr>
+          <p:cNvPr id="4" name="Table 4">
             <a:extLst>
               <a:ext uri="{FF2B5EF4-FFF2-40B4-BE49-F238E27FC236}">
-                <a16:creationId xmlns:a16="http://schemas.microsoft.com/office/drawing/2014/main" id="{5AAF7FA6-F0FB-440A-95F8-348AAD152A9B}"/>
+                <a16:creationId xmlns:a16="http://schemas.microsoft.com/office/drawing/2014/main" id="{AE18E671-BDA5-42CC-9591-A56193BBC4EF}"/>
               </a:ext>
             </a:extLst>
           </p:cNvPr>
-          <p:cNvSpPr>
-            <a:spLocks noGrp="1"/>
-          </p:cNvSpPr>
+          <p:cNvGraphicFramePr>
+            <a:graphicFrameLocks noGrp="1"/>
+          </p:cNvGraphicFramePr>
           <p:nvPr>
             <p:ph idx="1"/>
+            <p:extLst>
+              <p:ext uri="{D42A27DB-BD31-4B8C-83A1-F6EECF244321}">
+                <p14:modId xmlns:p14="http://schemas.microsoft.com/office/powerpoint/2010/main" val="2374993617"/>
+              </p:ext>
+            </p:extLst>
           </p:nvPr>
-        </p:nvSpPr>
-        <p:spPr/>
-        <p:txBody>
-          <a:bodyPr/>
-          <a:lstStyle/>
-          <a:p>
-            <a:endParaRPr lang="en-US" dirty="0"/>
-          </a:p>
-        </p:txBody>
-      </p:sp>
+        </p:nvGraphicFramePr>
+        <p:xfrm>
+          <a:off x="1176862" y="803183"/>
+          <a:ext cx="10058400" cy="5508848"/>
+        </p:xfrm>
+        <a:graphic>
+          <a:graphicData uri="http://schemas.openxmlformats.org/drawingml/2006/table">
+            <a:tbl>
+              <a:tblPr firstRow="1" bandRow="1">
+                <a:tableStyleId>{5C22544A-7EE6-4342-B048-85BDC9FD1C3A}</a:tableStyleId>
+              </a:tblPr>
+              <a:tblGrid>
+                <a:gridCol w="1005840">
+                  <a:extLst>
+                    <a:ext uri="{9D8B030D-6E8A-4147-A177-3AD203B41FA5}">
+                      <a16:colId xmlns:a16="http://schemas.microsoft.com/office/drawing/2014/main" val="3162295834"/>
+                    </a:ext>
+                  </a:extLst>
+                </a:gridCol>
+                <a:gridCol w="1005840">
+                  <a:extLst>
+                    <a:ext uri="{9D8B030D-6E8A-4147-A177-3AD203B41FA5}">
+                      <a16:colId xmlns:a16="http://schemas.microsoft.com/office/drawing/2014/main" val="4095722900"/>
+                    </a:ext>
+                  </a:extLst>
+                </a:gridCol>
+                <a:gridCol w="1005840">
+                  <a:extLst>
+                    <a:ext uri="{9D8B030D-6E8A-4147-A177-3AD203B41FA5}">
+                      <a16:colId xmlns:a16="http://schemas.microsoft.com/office/drawing/2014/main" val="537586104"/>
+                    </a:ext>
+                  </a:extLst>
+                </a:gridCol>
+                <a:gridCol w="1005840">
+                  <a:extLst>
+                    <a:ext uri="{9D8B030D-6E8A-4147-A177-3AD203B41FA5}">
+                      <a16:colId xmlns:a16="http://schemas.microsoft.com/office/drawing/2014/main" val="1659033082"/>
+                    </a:ext>
+                  </a:extLst>
+                </a:gridCol>
+                <a:gridCol w="1005840">
+                  <a:extLst>
+                    <a:ext uri="{9D8B030D-6E8A-4147-A177-3AD203B41FA5}">
+                      <a16:colId xmlns:a16="http://schemas.microsoft.com/office/drawing/2014/main" val="4250194808"/>
+                    </a:ext>
+                  </a:extLst>
+                </a:gridCol>
+                <a:gridCol w="1005840">
+                  <a:extLst>
+                    <a:ext uri="{9D8B030D-6E8A-4147-A177-3AD203B41FA5}">
+                      <a16:colId xmlns:a16="http://schemas.microsoft.com/office/drawing/2014/main" val="4134003656"/>
+                    </a:ext>
+                  </a:extLst>
+                </a:gridCol>
+                <a:gridCol w="1005840">
+                  <a:extLst>
+                    <a:ext uri="{9D8B030D-6E8A-4147-A177-3AD203B41FA5}">
+                      <a16:colId xmlns:a16="http://schemas.microsoft.com/office/drawing/2014/main" val="2136110196"/>
+                    </a:ext>
+                  </a:extLst>
+                </a:gridCol>
+                <a:gridCol w="1005840">
+                  <a:extLst>
+                    <a:ext uri="{9D8B030D-6E8A-4147-A177-3AD203B41FA5}">
+                      <a16:colId xmlns:a16="http://schemas.microsoft.com/office/drawing/2014/main" val="1377427439"/>
+                    </a:ext>
+                  </a:extLst>
+                </a:gridCol>
+                <a:gridCol w="1005840">
+                  <a:extLst>
+                    <a:ext uri="{9D8B030D-6E8A-4147-A177-3AD203B41FA5}">
+                      <a16:colId xmlns:a16="http://schemas.microsoft.com/office/drawing/2014/main" val="1592359450"/>
+                    </a:ext>
+                  </a:extLst>
+                </a:gridCol>
+                <a:gridCol w="1005840">
+                  <a:extLst>
+                    <a:ext uri="{9D8B030D-6E8A-4147-A177-3AD203B41FA5}">
+                      <a16:colId xmlns:a16="http://schemas.microsoft.com/office/drawing/2014/main" val="2580443420"/>
+                    </a:ext>
+                  </a:extLst>
+                </a:gridCol>
+              </a:tblGrid>
+              <a:tr h="344303">
+                <a:tc>
+                  <a:txBody>
+                    <a:bodyPr/>
+                    <a:lstStyle/>
+                    <a:p>
+                      <a:pPr algn="l" fontAlgn="b"/>
+                      <a:r>
+                        <a:rPr lang="en-US" sz="1000" b="0" i="0" u="none" strike="noStrike" dirty="0">
+                          <a:solidFill>
+                            <a:srgbClr val="000000"/>
+                          </a:solidFill>
+                          <a:effectLst/>
+                          <a:latin typeface="Times New Roman" panose="02020603050405020304" pitchFamily="18" charset="0"/>
+                          <a:cs typeface="Times New Roman" panose="02020603050405020304" pitchFamily="18" charset="0"/>
+                        </a:rPr>
+                        <a:t>School Name</a:t>
+                      </a:r>
+                    </a:p>
+                  </a:txBody>
+                  <a:tcPr marL="7620" marR="7620" marT="7620" marB="0" anchor="b"/>
+                </a:tc>
+                <a:tc>
+                  <a:txBody>
+                    <a:bodyPr/>
+                    <a:lstStyle/>
+                    <a:p>
+                      <a:pPr algn="l" fontAlgn="b"/>
+                      <a:r>
+                        <a:rPr lang="en-US" sz="1000" b="0" i="0" u="none" strike="noStrike">
+                          <a:solidFill>
+                            <a:srgbClr val="000000"/>
+                          </a:solidFill>
+                          <a:effectLst/>
+                          <a:latin typeface="Times New Roman" panose="02020603050405020304" pitchFamily="18" charset="0"/>
+                          <a:cs typeface="Times New Roman" panose="02020603050405020304" pitchFamily="18" charset="0"/>
+                        </a:rPr>
+                        <a:t>School Type</a:t>
+                      </a:r>
+                    </a:p>
+                  </a:txBody>
+                  <a:tcPr marL="7620" marR="7620" marT="7620" marB="0" anchor="b"/>
+                </a:tc>
+                <a:tc>
+                  <a:txBody>
+                    <a:bodyPr/>
+                    <a:lstStyle/>
+                    <a:p>
+                      <a:pPr algn="l" fontAlgn="b"/>
+                      <a:r>
+                        <a:rPr lang="en-US" sz="1000" b="0" i="0" u="none" strike="noStrike">
+                          <a:solidFill>
+                            <a:srgbClr val="000000"/>
+                          </a:solidFill>
+                          <a:effectLst/>
+                          <a:latin typeface="Times New Roman" panose="02020603050405020304" pitchFamily="18" charset="0"/>
+                          <a:cs typeface="Times New Roman" panose="02020603050405020304" pitchFamily="18" charset="0"/>
+                        </a:rPr>
+                        <a:t>Total Students</a:t>
+                      </a:r>
+                    </a:p>
+                  </a:txBody>
+                  <a:tcPr marL="7620" marR="7620" marT="7620" marB="0" anchor="b"/>
+                </a:tc>
+                <a:tc>
+                  <a:txBody>
+                    <a:bodyPr/>
+                    <a:lstStyle/>
+                    <a:p>
+                      <a:pPr algn="l" fontAlgn="b"/>
+                      <a:r>
+                        <a:rPr lang="en-US" sz="1000" b="0" i="0" u="none" strike="noStrike">
+                          <a:solidFill>
+                            <a:srgbClr val="000000"/>
+                          </a:solidFill>
+                          <a:effectLst/>
+                          <a:latin typeface="Times New Roman" panose="02020603050405020304" pitchFamily="18" charset="0"/>
+                          <a:cs typeface="Times New Roman" panose="02020603050405020304" pitchFamily="18" charset="0"/>
+                        </a:rPr>
+                        <a:t>Total School Budget</a:t>
+                      </a:r>
+                    </a:p>
+                  </a:txBody>
+                  <a:tcPr marL="7620" marR="7620" marT="7620" marB="0" anchor="b"/>
+                </a:tc>
+                <a:tc>
+                  <a:txBody>
+                    <a:bodyPr/>
+                    <a:lstStyle/>
+                    <a:p>
+                      <a:pPr algn="l" fontAlgn="b"/>
+                      <a:r>
+                        <a:rPr lang="en-US" sz="1000" b="0" i="0" u="none" strike="noStrike">
+                          <a:solidFill>
+                            <a:srgbClr val="000000"/>
+                          </a:solidFill>
+                          <a:effectLst/>
+                          <a:latin typeface="Times New Roman" panose="02020603050405020304" pitchFamily="18" charset="0"/>
+                          <a:cs typeface="Times New Roman" panose="02020603050405020304" pitchFamily="18" charset="0"/>
+                        </a:rPr>
+                        <a:t>Per Student Budget</a:t>
+                      </a:r>
+                    </a:p>
+                  </a:txBody>
+                  <a:tcPr marL="7620" marR="7620" marT="7620" marB="0" anchor="b"/>
+                </a:tc>
+                <a:tc>
+                  <a:txBody>
+                    <a:bodyPr/>
+                    <a:lstStyle/>
+                    <a:p>
+                      <a:pPr algn="l" fontAlgn="b"/>
+                      <a:r>
+                        <a:rPr lang="en-US" sz="1000" b="0" i="0" u="none" strike="noStrike">
+                          <a:solidFill>
+                            <a:srgbClr val="000000"/>
+                          </a:solidFill>
+                          <a:effectLst/>
+                          <a:latin typeface="Times New Roman" panose="02020603050405020304" pitchFamily="18" charset="0"/>
+                          <a:cs typeface="Times New Roman" panose="02020603050405020304" pitchFamily="18" charset="0"/>
+                        </a:rPr>
+                        <a:t>Average Math Score</a:t>
+                      </a:r>
+                    </a:p>
+                  </a:txBody>
+                  <a:tcPr marL="7620" marR="7620" marT="7620" marB="0" anchor="b"/>
+                </a:tc>
+                <a:tc>
+                  <a:txBody>
+                    <a:bodyPr/>
+                    <a:lstStyle/>
+                    <a:p>
+                      <a:pPr algn="l" fontAlgn="b"/>
+                      <a:r>
+                        <a:rPr lang="en-US" sz="1000" b="0" i="0" u="none" strike="noStrike">
+                          <a:solidFill>
+                            <a:srgbClr val="000000"/>
+                          </a:solidFill>
+                          <a:effectLst/>
+                          <a:latin typeface="Times New Roman" panose="02020603050405020304" pitchFamily="18" charset="0"/>
+                          <a:cs typeface="Times New Roman" panose="02020603050405020304" pitchFamily="18" charset="0"/>
+                        </a:rPr>
+                        <a:t>Average Reading Score</a:t>
+                      </a:r>
+                    </a:p>
+                  </a:txBody>
+                  <a:tcPr marL="7620" marR="7620" marT="7620" marB="0" anchor="b"/>
+                </a:tc>
+                <a:tc>
+                  <a:txBody>
+                    <a:bodyPr/>
+                    <a:lstStyle/>
+                    <a:p>
+                      <a:pPr algn="l" fontAlgn="b"/>
+                      <a:r>
+                        <a:rPr lang="en-US" sz="1000" b="0" i="0" u="none" strike="noStrike">
+                          <a:solidFill>
+                            <a:srgbClr val="000000"/>
+                          </a:solidFill>
+                          <a:effectLst/>
+                          <a:latin typeface="Times New Roman" panose="02020603050405020304" pitchFamily="18" charset="0"/>
+                          <a:cs typeface="Times New Roman" panose="02020603050405020304" pitchFamily="18" charset="0"/>
+                        </a:rPr>
+                        <a:t>% Passing Math</a:t>
+                      </a:r>
+                    </a:p>
+                  </a:txBody>
+                  <a:tcPr marL="7620" marR="7620" marT="7620" marB="0" anchor="b"/>
+                </a:tc>
+                <a:tc>
+                  <a:txBody>
+                    <a:bodyPr/>
+                    <a:lstStyle/>
+                    <a:p>
+                      <a:pPr algn="l" fontAlgn="b"/>
+                      <a:r>
+                        <a:rPr lang="en-US" sz="1000" b="0" i="0" u="none" strike="noStrike">
+                          <a:solidFill>
+                            <a:srgbClr val="000000"/>
+                          </a:solidFill>
+                          <a:effectLst/>
+                          <a:latin typeface="Times New Roman" panose="02020603050405020304" pitchFamily="18" charset="0"/>
+                          <a:cs typeface="Times New Roman" panose="02020603050405020304" pitchFamily="18" charset="0"/>
+                        </a:rPr>
+                        <a:t>% Passing Reading</a:t>
+                      </a:r>
+                    </a:p>
+                  </a:txBody>
+                  <a:tcPr marL="7620" marR="7620" marT="7620" marB="0" anchor="b"/>
+                </a:tc>
+                <a:tc>
+                  <a:txBody>
+                    <a:bodyPr/>
+                    <a:lstStyle/>
+                    <a:p>
+                      <a:pPr algn="l" fontAlgn="b"/>
+                      <a:r>
+                        <a:rPr lang="en-US" sz="1000" b="0" i="0" u="none" strike="noStrike">
+                          <a:solidFill>
+                            <a:srgbClr val="000000"/>
+                          </a:solidFill>
+                          <a:effectLst/>
+                          <a:latin typeface="Times New Roman" panose="02020603050405020304" pitchFamily="18" charset="0"/>
+                          <a:cs typeface="Times New Roman" panose="02020603050405020304" pitchFamily="18" charset="0"/>
+                        </a:rPr>
+                        <a:t>% Overall Passing</a:t>
+                      </a:r>
+                    </a:p>
+                  </a:txBody>
+                  <a:tcPr marL="7620" marR="7620" marT="7620" marB="0" anchor="b"/>
+                </a:tc>
+                <a:extLst>
+                  <a:ext uri="{0D108BD9-81ED-4DB2-BD59-A6C34878D82A}">
+                    <a16:rowId xmlns:a16="http://schemas.microsoft.com/office/drawing/2014/main" val="3630029502"/>
+                  </a:ext>
+                </a:extLst>
+              </a:tr>
+              <a:tr h="344303">
+                <a:tc>
+                  <a:txBody>
+                    <a:bodyPr/>
+                    <a:lstStyle/>
+                    <a:p>
+                      <a:pPr algn="l" fontAlgn="b"/>
+                      <a:r>
+                        <a:rPr lang="en-US" sz="1000" b="0" i="0" u="none" strike="noStrike">
+                          <a:solidFill>
+                            <a:srgbClr val="000000"/>
+                          </a:solidFill>
+                          <a:effectLst/>
+                          <a:latin typeface="Times New Roman" panose="02020603050405020304" pitchFamily="18" charset="0"/>
+                          <a:cs typeface="Times New Roman" panose="02020603050405020304" pitchFamily="18" charset="0"/>
+                        </a:rPr>
+                        <a:t>Bailey High School</a:t>
+                      </a:r>
+                    </a:p>
+                  </a:txBody>
+                  <a:tcPr marL="7620" marR="7620" marT="7620" marB="0" anchor="b"/>
+                </a:tc>
+                <a:tc>
+                  <a:txBody>
+                    <a:bodyPr/>
+                    <a:lstStyle/>
+                    <a:p>
+                      <a:pPr algn="l" fontAlgn="b"/>
+                      <a:r>
+                        <a:rPr lang="en-US" sz="1000" b="0" i="0" u="none" strike="noStrike" dirty="0">
+                          <a:solidFill>
+                            <a:srgbClr val="000000"/>
+                          </a:solidFill>
+                          <a:effectLst/>
+                          <a:latin typeface="Times New Roman" panose="02020603050405020304" pitchFamily="18" charset="0"/>
+                          <a:cs typeface="Times New Roman" panose="02020603050405020304" pitchFamily="18" charset="0"/>
+                        </a:rPr>
+                        <a:t>District</a:t>
+                      </a:r>
+                    </a:p>
+                  </a:txBody>
+                  <a:tcPr marL="7620" marR="7620" marT="7620" marB="0" anchor="b"/>
+                </a:tc>
+                <a:tc>
+                  <a:txBody>
+                    <a:bodyPr/>
+                    <a:lstStyle/>
+                    <a:p>
+                      <a:pPr algn="r" fontAlgn="b"/>
+                      <a:r>
+                        <a:rPr lang="en-US" sz="1000" b="0" i="0" u="none" strike="noStrike" dirty="0">
+                          <a:solidFill>
+                            <a:srgbClr val="000000"/>
+                          </a:solidFill>
+                          <a:effectLst/>
+                          <a:latin typeface="Times New Roman" panose="02020603050405020304" pitchFamily="18" charset="0"/>
+                          <a:cs typeface="Times New Roman" panose="02020603050405020304" pitchFamily="18" charset="0"/>
+                        </a:rPr>
+                        <a:t>4,976</a:t>
+                      </a:r>
+                    </a:p>
+                  </a:txBody>
+                  <a:tcPr marL="7620" marR="7620" marT="7620" marB="0" anchor="b"/>
+                </a:tc>
+                <a:tc>
+                  <a:txBody>
+                    <a:bodyPr/>
+                    <a:lstStyle/>
+                    <a:p>
+                      <a:pPr algn="r" fontAlgn="b"/>
+                      <a:r>
+                        <a:rPr lang="en-US" sz="1000" b="0" i="0" u="none" strike="noStrike">
+                          <a:solidFill>
+                            <a:srgbClr val="000000"/>
+                          </a:solidFill>
+                          <a:effectLst/>
+                          <a:latin typeface="Times New Roman" panose="02020603050405020304" pitchFamily="18" charset="0"/>
+                          <a:cs typeface="Times New Roman" panose="02020603050405020304" pitchFamily="18" charset="0"/>
+                        </a:rPr>
+                        <a:t>$3,124,928.00 </a:t>
+                      </a:r>
+                    </a:p>
+                  </a:txBody>
+                  <a:tcPr marL="7620" marR="7620" marT="7620" marB="0" anchor="b"/>
+                </a:tc>
+                <a:tc>
+                  <a:txBody>
+                    <a:bodyPr/>
+                    <a:lstStyle/>
+                    <a:p>
+                      <a:pPr algn="r" fontAlgn="b"/>
+                      <a:r>
+                        <a:rPr lang="en-US" sz="1000" b="0" i="0" u="none" strike="noStrike">
+                          <a:solidFill>
+                            <a:srgbClr val="000000"/>
+                          </a:solidFill>
+                          <a:effectLst/>
+                          <a:latin typeface="Times New Roman" panose="02020603050405020304" pitchFamily="18" charset="0"/>
+                          <a:cs typeface="Times New Roman" panose="02020603050405020304" pitchFamily="18" charset="0"/>
+                        </a:rPr>
+                        <a:t>$628.00 </a:t>
+                      </a:r>
+                    </a:p>
+                  </a:txBody>
+                  <a:tcPr marL="7620" marR="7620" marT="7620" marB="0" anchor="b"/>
+                </a:tc>
+                <a:tc>
+                  <a:txBody>
+                    <a:bodyPr/>
+                    <a:lstStyle/>
+                    <a:p>
+                      <a:pPr algn="r" fontAlgn="b"/>
+                      <a:r>
+                        <a:rPr lang="en-US" sz="1000" b="0" i="0" u="none" strike="noStrike">
+                          <a:solidFill>
+                            <a:srgbClr val="000000"/>
+                          </a:solidFill>
+                          <a:effectLst/>
+                          <a:latin typeface="Times New Roman" panose="02020603050405020304" pitchFamily="18" charset="0"/>
+                          <a:cs typeface="Times New Roman" panose="02020603050405020304" pitchFamily="18" charset="0"/>
+                        </a:rPr>
+                        <a:t>77.05</a:t>
+                      </a:r>
+                    </a:p>
+                  </a:txBody>
+                  <a:tcPr marL="7620" marR="7620" marT="7620" marB="0" anchor="b"/>
+                </a:tc>
+                <a:tc>
+                  <a:txBody>
+                    <a:bodyPr/>
+                    <a:lstStyle/>
+                    <a:p>
+                      <a:pPr algn="r" fontAlgn="b"/>
+                      <a:r>
+                        <a:rPr lang="en-US" sz="1000" b="0" i="0" u="none" strike="noStrike">
+                          <a:solidFill>
+                            <a:srgbClr val="000000"/>
+                          </a:solidFill>
+                          <a:effectLst/>
+                          <a:latin typeface="Times New Roman" panose="02020603050405020304" pitchFamily="18" charset="0"/>
+                          <a:cs typeface="Times New Roman" panose="02020603050405020304" pitchFamily="18" charset="0"/>
+                        </a:rPr>
+                        <a:t>81.03</a:t>
+                      </a:r>
+                    </a:p>
+                  </a:txBody>
+                  <a:tcPr marL="7620" marR="7620" marT="7620" marB="0" anchor="b"/>
+                </a:tc>
+                <a:tc>
+                  <a:txBody>
+                    <a:bodyPr/>
+                    <a:lstStyle/>
+                    <a:p>
+                      <a:pPr algn="r" fontAlgn="b"/>
+                      <a:r>
+                        <a:rPr lang="en-US" sz="1000" b="0" i="0" u="none" strike="noStrike">
+                          <a:solidFill>
+                            <a:srgbClr val="000000"/>
+                          </a:solidFill>
+                          <a:effectLst/>
+                          <a:latin typeface="Times New Roman" panose="02020603050405020304" pitchFamily="18" charset="0"/>
+                          <a:cs typeface="Times New Roman" panose="02020603050405020304" pitchFamily="18" charset="0"/>
+                        </a:rPr>
+                        <a:t>66.68%</a:t>
+                      </a:r>
+                    </a:p>
+                  </a:txBody>
+                  <a:tcPr marL="7620" marR="7620" marT="7620" marB="0" anchor="b"/>
+                </a:tc>
+                <a:tc>
+                  <a:txBody>
+                    <a:bodyPr/>
+                    <a:lstStyle/>
+                    <a:p>
+                      <a:pPr algn="r" fontAlgn="b"/>
+                      <a:r>
+                        <a:rPr lang="en-US" sz="1000" b="0" i="0" u="none" strike="noStrike">
+                          <a:solidFill>
+                            <a:srgbClr val="000000"/>
+                          </a:solidFill>
+                          <a:effectLst/>
+                          <a:latin typeface="Times New Roman" panose="02020603050405020304" pitchFamily="18" charset="0"/>
+                          <a:cs typeface="Times New Roman" panose="02020603050405020304" pitchFamily="18" charset="0"/>
+                        </a:rPr>
+                        <a:t>81.93%</a:t>
+                      </a:r>
+                    </a:p>
+                  </a:txBody>
+                  <a:tcPr marL="7620" marR="7620" marT="7620" marB="0" anchor="b"/>
+                </a:tc>
+                <a:tc>
+                  <a:txBody>
+                    <a:bodyPr/>
+                    <a:lstStyle/>
+                    <a:p>
+                      <a:pPr algn="r" fontAlgn="b"/>
+                      <a:r>
+                        <a:rPr lang="en-US" sz="1000" b="0" i="0" u="none" strike="noStrike">
+                          <a:solidFill>
+                            <a:srgbClr val="000000"/>
+                          </a:solidFill>
+                          <a:effectLst/>
+                          <a:latin typeface="Times New Roman" panose="02020603050405020304" pitchFamily="18" charset="0"/>
+                          <a:cs typeface="Times New Roman" panose="02020603050405020304" pitchFamily="18" charset="0"/>
+                        </a:rPr>
+                        <a:t>54.64%</a:t>
+                      </a:r>
+                    </a:p>
+                  </a:txBody>
+                  <a:tcPr marL="7620" marR="7620" marT="7620" marB="0" anchor="b"/>
+                </a:tc>
+                <a:extLst>
+                  <a:ext uri="{0D108BD9-81ED-4DB2-BD59-A6C34878D82A}">
+                    <a16:rowId xmlns:a16="http://schemas.microsoft.com/office/drawing/2014/main" val="174083378"/>
+                  </a:ext>
+                </a:extLst>
+              </a:tr>
+              <a:tr h="344303">
+                <a:tc>
+                  <a:txBody>
+                    <a:bodyPr/>
+                    <a:lstStyle/>
+                    <a:p>
+                      <a:pPr algn="l" fontAlgn="b"/>
+                      <a:r>
+                        <a:rPr lang="en-US" sz="1000" b="0" i="0" u="none" strike="noStrike">
+                          <a:solidFill>
+                            <a:srgbClr val="000000"/>
+                          </a:solidFill>
+                          <a:effectLst/>
+                          <a:latin typeface="Times New Roman" panose="02020603050405020304" pitchFamily="18" charset="0"/>
+                          <a:cs typeface="Times New Roman" panose="02020603050405020304" pitchFamily="18" charset="0"/>
+                        </a:rPr>
+                        <a:t>Cabrera High School</a:t>
+                      </a:r>
+                    </a:p>
+                  </a:txBody>
+                  <a:tcPr marL="7620" marR="7620" marT="7620" marB="0" anchor="b"/>
+                </a:tc>
+                <a:tc>
+                  <a:txBody>
+                    <a:bodyPr/>
+                    <a:lstStyle/>
+                    <a:p>
+                      <a:pPr algn="l" fontAlgn="b"/>
+                      <a:r>
+                        <a:rPr lang="en-US" sz="1000" b="0" i="0" u="none" strike="noStrike">
+                          <a:solidFill>
+                            <a:srgbClr val="000000"/>
+                          </a:solidFill>
+                          <a:effectLst/>
+                          <a:latin typeface="Times New Roman" panose="02020603050405020304" pitchFamily="18" charset="0"/>
+                          <a:cs typeface="Times New Roman" panose="02020603050405020304" pitchFamily="18" charset="0"/>
+                        </a:rPr>
+                        <a:t>Charter</a:t>
+                      </a:r>
+                    </a:p>
+                  </a:txBody>
+                  <a:tcPr marL="7620" marR="7620" marT="7620" marB="0" anchor="b"/>
+                </a:tc>
+                <a:tc>
+                  <a:txBody>
+                    <a:bodyPr/>
+                    <a:lstStyle/>
+                    <a:p>
+                      <a:pPr algn="r" fontAlgn="b"/>
+                      <a:r>
+                        <a:rPr lang="en-US" sz="1000" b="0" i="0" u="none" strike="noStrike" dirty="0">
+                          <a:solidFill>
+                            <a:srgbClr val="000000"/>
+                          </a:solidFill>
+                          <a:effectLst/>
+                          <a:latin typeface="Times New Roman" panose="02020603050405020304" pitchFamily="18" charset="0"/>
+                          <a:cs typeface="Times New Roman" panose="02020603050405020304" pitchFamily="18" charset="0"/>
+                        </a:rPr>
+                        <a:t>1,858</a:t>
+                      </a:r>
+                    </a:p>
+                  </a:txBody>
+                  <a:tcPr marL="7620" marR="7620" marT="7620" marB="0" anchor="b"/>
+                </a:tc>
+                <a:tc>
+                  <a:txBody>
+                    <a:bodyPr/>
+                    <a:lstStyle/>
+                    <a:p>
+                      <a:pPr algn="r" fontAlgn="b"/>
+                      <a:r>
+                        <a:rPr lang="en-US" sz="1000" b="0" i="0" u="none" strike="noStrike" dirty="0">
+                          <a:solidFill>
+                            <a:srgbClr val="000000"/>
+                          </a:solidFill>
+                          <a:effectLst/>
+                          <a:latin typeface="Times New Roman" panose="02020603050405020304" pitchFamily="18" charset="0"/>
+                          <a:cs typeface="Times New Roman" panose="02020603050405020304" pitchFamily="18" charset="0"/>
+                        </a:rPr>
+                        <a:t>$1,081,356.00 </a:t>
+                      </a:r>
+                    </a:p>
+                  </a:txBody>
+                  <a:tcPr marL="7620" marR="7620" marT="7620" marB="0" anchor="b"/>
+                </a:tc>
+                <a:tc>
+                  <a:txBody>
+                    <a:bodyPr/>
+                    <a:lstStyle/>
+                    <a:p>
+                      <a:pPr algn="r" fontAlgn="b"/>
+                      <a:r>
+                        <a:rPr lang="en-US" sz="1000" b="0" i="0" u="none" strike="noStrike">
+                          <a:solidFill>
+                            <a:srgbClr val="000000"/>
+                          </a:solidFill>
+                          <a:effectLst/>
+                          <a:latin typeface="Times New Roman" panose="02020603050405020304" pitchFamily="18" charset="0"/>
+                          <a:cs typeface="Times New Roman" panose="02020603050405020304" pitchFamily="18" charset="0"/>
+                        </a:rPr>
+                        <a:t>$582.00 </a:t>
+                      </a:r>
+                    </a:p>
+                  </a:txBody>
+                  <a:tcPr marL="7620" marR="7620" marT="7620" marB="0" anchor="b"/>
+                </a:tc>
+                <a:tc>
+                  <a:txBody>
+                    <a:bodyPr/>
+                    <a:lstStyle/>
+                    <a:p>
+                      <a:pPr algn="r" fontAlgn="b"/>
+                      <a:r>
+                        <a:rPr lang="en-US" sz="1000" b="0" i="0" u="none" strike="noStrike">
+                          <a:solidFill>
+                            <a:srgbClr val="000000"/>
+                          </a:solidFill>
+                          <a:effectLst/>
+                          <a:latin typeface="Times New Roman" panose="02020603050405020304" pitchFamily="18" charset="0"/>
+                          <a:cs typeface="Times New Roman" panose="02020603050405020304" pitchFamily="18" charset="0"/>
+                        </a:rPr>
+                        <a:t>83.06</a:t>
+                      </a:r>
+                    </a:p>
+                  </a:txBody>
+                  <a:tcPr marL="7620" marR="7620" marT="7620" marB="0" anchor="b"/>
+                </a:tc>
+                <a:tc>
+                  <a:txBody>
+                    <a:bodyPr/>
+                    <a:lstStyle/>
+                    <a:p>
+                      <a:pPr algn="r" fontAlgn="b"/>
+                      <a:r>
+                        <a:rPr lang="en-US" sz="1000" b="0" i="0" u="none" strike="noStrike">
+                          <a:solidFill>
+                            <a:srgbClr val="000000"/>
+                          </a:solidFill>
+                          <a:effectLst/>
+                          <a:latin typeface="Times New Roman" panose="02020603050405020304" pitchFamily="18" charset="0"/>
+                          <a:cs typeface="Times New Roman" panose="02020603050405020304" pitchFamily="18" charset="0"/>
+                        </a:rPr>
+                        <a:t>83.98</a:t>
+                      </a:r>
+                    </a:p>
+                  </a:txBody>
+                  <a:tcPr marL="7620" marR="7620" marT="7620" marB="0" anchor="b"/>
+                </a:tc>
+                <a:tc>
+                  <a:txBody>
+                    <a:bodyPr/>
+                    <a:lstStyle/>
+                    <a:p>
+                      <a:pPr algn="r" fontAlgn="b"/>
+                      <a:r>
+                        <a:rPr lang="en-US" sz="1000" b="0" i="0" u="none" strike="noStrike">
+                          <a:solidFill>
+                            <a:srgbClr val="000000"/>
+                          </a:solidFill>
+                          <a:effectLst/>
+                          <a:latin typeface="Times New Roman" panose="02020603050405020304" pitchFamily="18" charset="0"/>
+                          <a:cs typeface="Times New Roman" panose="02020603050405020304" pitchFamily="18" charset="0"/>
+                        </a:rPr>
+                        <a:t>94.13%</a:t>
+                      </a:r>
+                    </a:p>
+                  </a:txBody>
+                  <a:tcPr marL="7620" marR="7620" marT="7620" marB="0" anchor="b"/>
+                </a:tc>
+                <a:tc>
+                  <a:txBody>
+                    <a:bodyPr/>
+                    <a:lstStyle/>
+                    <a:p>
+                      <a:pPr algn="r" fontAlgn="b"/>
+                      <a:r>
+                        <a:rPr lang="en-US" sz="1000" b="0" i="0" u="none" strike="noStrike">
+                          <a:solidFill>
+                            <a:srgbClr val="000000"/>
+                          </a:solidFill>
+                          <a:effectLst/>
+                          <a:latin typeface="Times New Roman" panose="02020603050405020304" pitchFamily="18" charset="0"/>
+                          <a:cs typeface="Times New Roman" panose="02020603050405020304" pitchFamily="18" charset="0"/>
+                        </a:rPr>
+                        <a:t>97.04%</a:t>
+                      </a:r>
+                    </a:p>
+                  </a:txBody>
+                  <a:tcPr marL="7620" marR="7620" marT="7620" marB="0" anchor="b"/>
+                </a:tc>
+                <a:tc>
+                  <a:txBody>
+                    <a:bodyPr/>
+                    <a:lstStyle/>
+                    <a:p>
+                      <a:pPr algn="r" fontAlgn="b"/>
+                      <a:r>
+                        <a:rPr lang="en-US" sz="1000" b="0" i="0" u="none" strike="noStrike">
+                          <a:solidFill>
+                            <a:srgbClr val="000000"/>
+                          </a:solidFill>
+                          <a:effectLst/>
+                          <a:latin typeface="Times New Roman" panose="02020603050405020304" pitchFamily="18" charset="0"/>
+                          <a:cs typeface="Times New Roman" panose="02020603050405020304" pitchFamily="18" charset="0"/>
+                        </a:rPr>
+                        <a:t>91.33%</a:t>
+                      </a:r>
+                    </a:p>
+                  </a:txBody>
+                  <a:tcPr marL="7620" marR="7620" marT="7620" marB="0" anchor="b"/>
+                </a:tc>
+                <a:extLst>
+                  <a:ext uri="{0D108BD9-81ED-4DB2-BD59-A6C34878D82A}">
+                    <a16:rowId xmlns:a16="http://schemas.microsoft.com/office/drawing/2014/main" val="3114808526"/>
+                  </a:ext>
+                </a:extLst>
+              </a:tr>
+              <a:tr h="344303">
+                <a:tc>
+                  <a:txBody>
+                    <a:bodyPr/>
+                    <a:lstStyle/>
+                    <a:p>
+                      <a:pPr algn="l" fontAlgn="b"/>
+                      <a:r>
+                        <a:rPr lang="en-US" sz="1000" b="0" i="0" u="none" strike="noStrike">
+                          <a:solidFill>
+                            <a:srgbClr val="000000"/>
+                          </a:solidFill>
+                          <a:effectLst/>
+                          <a:latin typeface="Times New Roman" panose="02020603050405020304" pitchFamily="18" charset="0"/>
+                          <a:cs typeface="Times New Roman" panose="02020603050405020304" pitchFamily="18" charset="0"/>
+                        </a:rPr>
+                        <a:t>Figueroa High School</a:t>
+                      </a:r>
+                    </a:p>
+                  </a:txBody>
+                  <a:tcPr marL="7620" marR="7620" marT="7620" marB="0" anchor="b"/>
+                </a:tc>
+                <a:tc>
+                  <a:txBody>
+                    <a:bodyPr/>
+                    <a:lstStyle/>
+                    <a:p>
+                      <a:pPr algn="l" fontAlgn="b"/>
+                      <a:r>
+                        <a:rPr lang="en-US" sz="1000" b="0" i="0" u="none" strike="noStrike">
+                          <a:solidFill>
+                            <a:srgbClr val="000000"/>
+                          </a:solidFill>
+                          <a:effectLst/>
+                          <a:latin typeface="Times New Roman" panose="02020603050405020304" pitchFamily="18" charset="0"/>
+                          <a:cs typeface="Times New Roman" panose="02020603050405020304" pitchFamily="18" charset="0"/>
+                        </a:rPr>
+                        <a:t>District</a:t>
+                      </a:r>
+                    </a:p>
+                  </a:txBody>
+                  <a:tcPr marL="7620" marR="7620" marT="7620" marB="0" anchor="b"/>
+                </a:tc>
+                <a:tc>
+                  <a:txBody>
+                    <a:bodyPr/>
+                    <a:lstStyle/>
+                    <a:p>
+                      <a:pPr algn="r" fontAlgn="b"/>
+                      <a:r>
+                        <a:rPr lang="en-US" sz="1000" b="0" i="0" u="none" strike="noStrike">
+                          <a:solidFill>
+                            <a:srgbClr val="000000"/>
+                          </a:solidFill>
+                          <a:effectLst/>
+                          <a:latin typeface="Times New Roman" panose="02020603050405020304" pitchFamily="18" charset="0"/>
+                          <a:cs typeface="Times New Roman" panose="02020603050405020304" pitchFamily="18" charset="0"/>
+                        </a:rPr>
+                        <a:t>2,949</a:t>
+                      </a:r>
+                    </a:p>
+                  </a:txBody>
+                  <a:tcPr marL="7620" marR="7620" marT="7620" marB="0" anchor="b"/>
+                </a:tc>
+                <a:tc>
+                  <a:txBody>
+                    <a:bodyPr/>
+                    <a:lstStyle/>
+                    <a:p>
+                      <a:pPr algn="r" fontAlgn="b"/>
+                      <a:r>
+                        <a:rPr lang="en-US" sz="1000" b="0" i="0" u="none" strike="noStrike" dirty="0">
+                          <a:solidFill>
+                            <a:srgbClr val="000000"/>
+                          </a:solidFill>
+                          <a:effectLst/>
+                          <a:latin typeface="Times New Roman" panose="02020603050405020304" pitchFamily="18" charset="0"/>
+                          <a:cs typeface="Times New Roman" panose="02020603050405020304" pitchFamily="18" charset="0"/>
+                        </a:rPr>
+                        <a:t>$1,884,411.00 </a:t>
+                      </a:r>
+                    </a:p>
+                  </a:txBody>
+                  <a:tcPr marL="7620" marR="7620" marT="7620" marB="0" anchor="b"/>
+                </a:tc>
+                <a:tc>
+                  <a:txBody>
+                    <a:bodyPr/>
+                    <a:lstStyle/>
+                    <a:p>
+                      <a:pPr algn="r" fontAlgn="b"/>
+                      <a:r>
+                        <a:rPr lang="en-US" sz="1000" b="0" i="0" u="none" strike="noStrike" dirty="0">
+                          <a:solidFill>
+                            <a:srgbClr val="000000"/>
+                          </a:solidFill>
+                          <a:effectLst/>
+                          <a:latin typeface="Times New Roman" panose="02020603050405020304" pitchFamily="18" charset="0"/>
+                          <a:cs typeface="Times New Roman" panose="02020603050405020304" pitchFamily="18" charset="0"/>
+                        </a:rPr>
+                        <a:t>$639.00 </a:t>
+                      </a:r>
+                    </a:p>
+                  </a:txBody>
+                  <a:tcPr marL="7620" marR="7620" marT="7620" marB="0" anchor="b"/>
+                </a:tc>
+                <a:tc>
+                  <a:txBody>
+                    <a:bodyPr/>
+                    <a:lstStyle/>
+                    <a:p>
+                      <a:pPr algn="r" fontAlgn="b"/>
+                      <a:r>
+                        <a:rPr lang="en-US" sz="1000" b="0" i="0" u="none" strike="noStrike">
+                          <a:solidFill>
+                            <a:srgbClr val="000000"/>
+                          </a:solidFill>
+                          <a:effectLst/>
+                          <a:latin typeface="Times New Roman" panose="02020603050405020304" pitchFamily="18" charset="0"/>
+                          <a:cs typeface="Times New Roman" panose="02020603050405020304" pitchFamily="18" charset="0"/>
+                        </a:rPr>
+                        <a:t>76.71</a:t>
+                      </a:r>
+                    </a:p>
+                  </a:txBody>
+                  <a:tcPr marL="7620" marR="7620" marT="7620" marB="0" anchor="b"/>
+                </a:tc>
+                <a:tc>
+                  <a:txBody>
+                    <a:bodyPr/>
+                    <a:lstStyle/>
+                    <a:p>
+                      <a:pPr algn="r" fontAlgn="b"/>
+                      <a:r>
+                        <a:rPr lang="en-US" sz="1000" b="0" i="0" u="none" strike="noStrike">
+                          <a:solidFill>
+                            <a:srgbClr val="000000"/>
+                          </a:solidFill>
+                          <a:effectLst/>
+                          <a:latin typeface="Times New Roman" panose="02020603050405020304" pitchFamily="18" charset="0"/>
+                          <a:cs typeface="Times New Roman" panose="02020603050405020304" pitchFamily="18" charset="0"/>
+                        </a:rPr>
+                        <a:t>81.16</a:t>
+                      </a:r>
+                    </a:p>
+                  </a:txBody>
+                  <a:tcPr marL="7620" marR="7620" marT="7620" marB="0" anchor="b"/>
+                </a:tc>
+                <a:tc>
+                  <a:txBody>
+                    <a:bodyPr/>
+                    <a:lstStyle/>
+                    <a:p>
+                      <a:pPr algn="r" fontAlgn="b"/>
+                      <a:r>
+                        <a:rPr lang="en-US" sz="1000" b="0" i="0" u="none" strike="noStrike">
+                          <a:solidFill>
+                            <a:srgbClr val="000000"/>
+                          </a:solidFill>
+                          <a:effectLst/>
+                          <a:latin typeface="Times New Roman" panose="02020603050405020304" pitchFamily="18" charset="0"/>
+                          <a:cs typeface="Times New Roman" panose="02020603050405020304" pitchFamily="18" charset="0"/>
+                        </a:rPr>
+                        <a:t>65.99%</a:t>
+                      </a:r>
+                    </a:p>
+                  </a:txBody>
+                  <a:tcPr marL="7620" marR="7620" marT="7620" marB="0" anchor="b"/>
+                </a:tc>
+                <a:tc>
+                  <a:txBody>
+                    <a:bodyPr/>
+                    <a:lstStyle/>
+                    <a:p>
+                      <a:pPr algn="r" fontAlgn="b"/>
+                      <a:r>
+                        <a:rPr lang="en-US" sz="1000" b="0" i="0" u="none" strike="noStrike">
+                          <a:solidFill>
+                            <a:srgbClr val="000000"/>
+                          </a:solidFill>
+                          <a:effectLst/>
+                          <a:latin typeface="Times New Roman" panose="02020603050405020304" pitchFamily="18" charset="0"/>
+                          <a:cs typeface="Times New Roman" panose="02020603050405020304" pitchFamily="18" charset="0"/>
+                        </a:rPr>
+                        <a:t>80.74%</a:t>
+                      </a:r>
+                    </a:p>
+                  </a:txBody>
+                  <a:tcPr marL="7620" marR="7620" marT="7620" marB="0" anchor="b"/>
+                </a:tc>
+                <a:tc>
+                  <a:txBody>
+                    <a:bodyPr/>
+                    <a:lstStyle/>
+                    <a:p>
+                      <a:pPr algn="r" fontAlgn="b"/>
+                      <a:r>
+                        <a:rPr lang="en-US" sz="1000" b="0" i="0" u="none" strike="noStrike">
+                          <a:solidFill>
+                            <a:srgbClr val="000000"/>
+                          </a:solidFill>
+                          <a:effectLst/>
+                          <a:latin typeface="Times New Roman" panose="02020603050405020304" pitchFamily="18" charset="0"/>
+                          <a:cs typeface="Times New Roman" panose="02020603050405020304" pitchFamily="18" charset="0"/>
+                        </a:rPr>
+                        <a:t>53.20%</a:t>
+                      </a:r>
+                    </a:p>
+                  </a:txBody>
+                  <a:tcPr marL="7620" marR="7620" marT="7620" marB="0" anchor="b"/>
+                </a:tc>
+                <a:extLst>
+                  <a:ext uri="{0D108BD9-81ED-4DB2-BD59-A6C34878D82A}">
+                    <a16:rowId xmlns:a16="http://schemas.microsoft.com/office/drawing/2014/main" val="2565398765"/>
+                  </a:ext>
+                </a:extLst>
+              </a:tr>
+              <a:tr h="344303">
+                <a:tc>
+                  <a:txBody>
+                    <a:bodyPr/>
+                    <a:lstStyle/>
+                    <a:p>
+                      <a:pPr algn="l" fontAlgn="b"/>
+                      <a:r>
+                        <a:rPr lang="en-US" sz="1000" b="0" i="0" u="none" strike="noStrike">
+                          <a:solidFill>
+                            <a:srgbClr val="000000"/>
+                          </a:solidFill>
+                          <a:effectLst/>
+                          <a:latin typeface="Times New Roman" panose="02020603050405020304" pitchFamily="18" charset="0"/>
+                          <a:cs typeface="Times New Roman" panose="02020603050405020304" pitchFamily="18" charset="0"/>
+                        </a:rPr>
+                        <a:t>Ford High School</a:t>
+                      </a:r>
+                    </a:p>
+                  </a:txBody>
+                  <a:tcPr marL="7620" marR="7620" marT="7620" marB="0" anchor="b"/>
+                </a:tc>
+                <a:tc>
+                  <a:txBody>
+                    <a:bodyPr/>
+                    <a:lstStyle/>
+                    <a:p>
+                      <a:pPr algn="l" fontAlgn="b"/>
+                      <a:r>
+                        <a:rPr lang="en-US" sz="1000" b="0" i="0" u="none" strike="noStrike">
+                          <a:solidFill>
+                            <a:srgbClr val="000000"/>
+                          </a:solidFill>
+                          <a:effectLst/>
+                          <a:latin typeface="Times New Roman" panose="02020603050405020304" pitchFamily="18" charset="0"/>
+                          <a:cs typeface="Times New Roman" panose="02020603050405020304" pitchFamily="18" charset="0"/>
+                        </a:rPr>
+                        <a:t>District</a:t>
+                      </a:r>
+                    </a:p>
+                  </a:txBody>
+                  <a:tcPr marL="7620" marR="7620" marT="7620" marB="0" anchor="b"/>
+                </a:tc>
+                <a:tc>
+                  <a:txBody>
+                    <a:bodyPr/>
+                    <a:lstStyle/>
+                    <a:p>
+                      <a:pPr algn="r" fontAlgn="b"/>
+                      <a:r>
+                        <a:rPr lang="en-US" sz="1000" b="0" i="0" u="none" strike="noStrike">
+                          <a:solidFill>
+                            <a:srgbClr val="000000"/>
+                          </a:solidFill>
+                          <a:effectLst/>
+                          <a:latin typeface="Times New Roman" panose="02020603050405020304" pitchFamily="18" charset="0"/>
+                          <a:cs typeface="Times New Roman" panose="02020603050405020304" pitchFamily="18" charset="0"/>
+                        </a:rPr>
+                        <a:t>2,739</a:t>
+                      </a:r>
+                    </a:p>
+                  </a:txBody>
+                  <a:tcPr marL="7620" marR="7620" marT="7620" marB="0" anchor="b"/>
+                </a:tc>
+                <a:tc>
+                  <a:txBody>
+                    <a:bodyPr/>
+                    <a:lstStyle/>
+                    <a:p>
+                      <a:pPr algn="r" fontAlgn="b"/>
+                      <a:r>
+                        <a:rPr lang="en-US" sz="1000" b="0" i="0" u="none" strike="noStrike">
+                          <a:solidFill>
+                            <a:srgbClr val="000000"/>
+                          </a:solidFill>
+                          <a:effectLst/>
+                          <a:latin typeface="Times New Roman" panose="02020603050405020304" pitchFamily="18" charset="0"/>
+                          <a:cs typeface="Times New Roman" panose="02020603050405020304" pitchFamily="18" charset="0"/>
+                        </a:rPr>
+                        <a:t>$1,763,916.00 </a:t>
+                      </a:r>
+                    </a:p>
+                  </a:txBody>
+                  <a:tcPr marL="7620" marR="7620" marT="7620" marB="0" anchor="b"/>
+                </a:tc>
+                <a:tc>
+                  <a:txBody>
+                    <a:bodyPr/>
+                    <a:lstStyle/>
+                    <a:p>
+                      <a:pPr algn="r" fontAlgn="b"/>
+                      <a:r>
+                        <a:rPr lang="en-US" sz="1000" b="0" i="0" u="none" strike="noStrike" dirty="0">
+                          <a:solidFill>
+                            <a:srgbClr val="000000"/>
+                          </a:solidFill>
+                          <a:effectLst/>
+                          <a:latin typeface="Times New Roman" panose="02020603050405020304" pitchFamily="18" charset="0"/>
+                          <a:cs typeface="Times New Roman" panose="02020603050405020304" pitchFamily="18" charset="0"/>
+                        </a:rPr>
+                        <a:t>$644.00 </a:t>
+                      </a:r>
+                    </a:p>
+                  </a:txBody>
+                  <a:tcPr marL="7620" marR="7620" marT="7620" marB="0" anchor="b"/>
+                </a:tc>
+                <a:tc>
+                  <a:txBody>
+                    <a:bodyPr/>
+                    <a:lstStyle/>
+                    <a:p>
+                      <a:pPr algn="r" fontAlgn="b"/>
+                      <a:r>
+                        <a:rPr lang="en-US" sz="1000" b="0" i="0" u="none" strike="noStrike" dirty="0">
+                          <a:solidFill>
+                            <a:srgbClr val="000000"/>
+                          </a:solidFill>
+                          <a:effectLst/>
+                          <a:latin typeface="Times New Roman" panose="02020603050405020304" pitchFamily="18" charset="0"/>
+                          <a:cs typeface="Times New Roman" panose="02020603050405020304" pitchFamily="18" charset="0"/>
+                        </a:rPr>
+                        <a:t>77.1</a:t>
+                      </a:r>
+                    </a:p>
+                  </a:txBody>
+                  <a:tcPr marL="7620" marR="7620" marT="7620" marB="0" anchor="b"/>
+                </a:tc>
+                <a:tc>
+                  <a:txBody>
+                    <a:bodyPr/>
+                    <a:lstStyle/>
+                    <a:p>
+                      <a:pPr algn="r" fontAlgn="b"/>
+                      <a:r>
+                        <a:rPr lang="en-US" sz="1000" b="0" i="0" u="none" strike="noStrike">
+                          <a:solidFill>
+                            <a:srgbClr val="000000"/>
+                          </a:solidFill>
+                          <a:effectLst/>
+                          <a:latin typeface="Times New Roman" panose="02020603050405020304" pitchFamily="18" charset="0"/>
+                          <a:cs typeface="Times New Roman" panose="02020603050405020304" pitchFamily="18" charset="0"/>
+                        </a:rPr>
+                        <a:t>80.75</a:t>
+                      </a:r>
+                    </a:p>
+                  </a:txBody>
+                  <a:tcPr marL="7620" marR="7620" marT="7620" marB="0" anchor="b"/>
+                </a:tc>
+                <a:tc>
+                  <a:txBody>
+                    <a:bodyPr/>
+                    <a:lstStyle/>
+                    <a:p>
+                      <a:pPr algn="r" fontAlgn="b"/>
+                      <a:r>
+                        <a:rPr lang="en-US" sz="1000" b="0" i="0" u="none" strike="noStrike">
+                          <a:solidFill>
+                            <a:srgbClr val="000000"/>
+                          </a:solidFill>
+                          <a:effectLst/>
+                          <a:latin typeface="Times New Roman" panose="02020603050405020304" pitchFamily="18" charset="0"/>
+                          <a:cs typeface="Times New Roman" panose="02020603050405020304" pitchFamily="18" charset="0"/>
+                        </a:rPr>
+                        <a:t>68.31%</a:t>
+                      </a:r>
+                    </a:p>
+                  </a:txBody>
+                  <a:tcPr marL="7620" marR="7620" marT="7620" marB="0" anchor="b"/>
+                </a:tc>
+                <a:tc>
+                  <a:txBody>
+                    <a:bodyPr/>
+                    <a:lstStyle/>
+                    <a:p>
+                      <a:pPr algn="r" fontAlgn="b"/>
+                      <a:r>
+                        <a:rPr lang="en-US" sz="1000" b="0" i="0" u="none" strike="noStrike">
+                          <a:solidFill>
+                            <a:srgbClr val="000000"/>
+                          </a:solidFill>
+                          <a:effectLst/>
+                          <a:latin typeface="Times New Roman" panose="02020603050405020304" pitchFamily="18" charset="0"/>
+                          <a:cs typeface="Times New Roman" panose="02020603050405020304" pitchFamily="18" charset="0"/>
+                        </a:rPr>
+                        <a:t>79.30%</a:t>
+                      </a:r>
+                    </a:p>
+                  </a:txBody>
+                  <a:tcPr marL="7620" marR="7620" marT="7620" marB="0" anchor="b"/>
+                </a:tc>
+                <a:tc>
+                  <a:txBody>
+                    <a:bodyPr/>
+                    <a:lstStyle/>
+                    <a:p>
+                      <a:pPr algn="r" fontAlgn="b"/>
+                      <a:r>
+                        <a:rPr lang="en-US" sz="1000" b="0" i="0" u="none" strike="noStrike">
+                          <a:solidFill>
+                            <a:srgbClr val="000000"/>
+                          </a:solidFill>
+                          <a:effectLst/>
+                          <a:latin typeface="Times New Roman" panose="02020603050405020304" pitchFamily="18" charset="0"/>
+                          <a:cs typeface="Times New Roman" panose="02020603050405020304" pitchFamily="18" charset="0"/>
+                        </a:rPr>
+                        <a:t>54.29%</a:t>
+                      </a:r>
+                    </a:p>
+                  </a:txBody>
+                  <a:tcPr marL="7620" marR="7620" marT="7620" marB="0" anchor="b"/>
+                </a:tc>
+                <a:extLst>
+                  <a:ext uri="{0D108BD9-81ED-4DB2-BD59-A6C34878D82A}">
+                    <a16:rowId xmlns:a16="http://schemas.microsoft.com/office/drawing/2014/main" val="2200645524"/>
+                  </a:ext>
+                </a:extLst>
+              </a:tr>
+              <a:tr h="344303">
+                <a:tc>
+                  <a:txBody>
+                    <a:bodyPr/>
+                    <a:lstStyle/>
+                    <a:p>
+                      <a:pPr algn="l" fontAlgn="b"/>
+                      <a:r>
+                        <a:rPr lang="en-US" sz="1000" b="0" i="0" u="none" strike="noStrike">
+                          <a:solidFill>
+                            <a:srgbClr val="000000"/>
+                          </a:solidFill>
+                          <a:effectLst/>
+                          <a:latin typeface="Times New Roman" panose="02020603050405020304" pitchFamily="18" charset="0"/>
+                          <a:cs typeface="Times New Roman" panose="02020603050405020304" pitchFamily="18" charset="0"/>
+                        </a:rPr>
+                        <a:t>Griffin High School</a:t>
+                      </a:r>
+                    </a:p>
+                  </a:txBody>
+                  <a:tcPr marL="7620" marR="7620" marT="7620" marB="0" anchor="b"/>
+                </a:tc>
+                <a:tc>
+                  <a:txBody>
+                    <a:bodyPr/>
+                    <a:lstStyle/>
+                    <a:p>
+                      <a:pPr algn="l" fontAlgn="b"/>
+                      <a:r>
+                        <a:rPr lang="en-US" sz="1000" b="0" i="0" u="none" strike="noStrike">
+                          <a:solidFill>
+                            <a:srgbClr val="000000"/>
+                          </a:solidFill>
+                          <a:effectLst/>
+                          <a:latin typeface="Times New Roman" panose="02020603050405020304" pitchFamily="18" charset="0"/>
+                          <a:cs typeface="Times New Roman" panose="02020603050405020304" pitchFamily="18" charset="0"/>
+                        </a:rPr>
+                        <a:t>Charter</a:t>
+                      </a:r>
+                    </a:p>
+                  </a:txBody>
+                  <a:tcPr marL="7620" marR="7620" marT="7620" marB="0" anchor="b"/>
+                </a:tc>
+                <a:tc>
+                  <a:txBody>
+                    <a:bodyPr/>
+                    <a:lstStyle/>
+                    <a:p>
+                      <a:pPr algn="r" fontAlgn="b"/>
+                      <a:r>
+                        <a:rPr lang="en-US" sz="1000" b="0" i="0" u="none" strike="noStrike">
+                          <a:solidFill>
+                            <a:srgbClr val="000000"/>
+                          </a:solidFill>
+                          <a:effectLst/>
+                          <a:latin typeface="Times New Roman" panose="02020603050405020304" pitchFamily="18" charset="0"/>
+                          <a:cs typeface="Times New Roman" panose="02020603050405020304" pitchFamily="18" charset="0"/>
+                        </a:rPr>
+                        <a:t>1,468</a:t>
+                      </a:r>
+                    </a:p>
+                  </a:txBody>
+                  <a:tcPr marL="7620" marR="7620" marT="7620" marB="0" anchor="b"/>
+                </a:tc>
+                <a:tc>
+                  <a:txBody>
+                    <a:bodyPr/>
+                    <a:lstStyle/>
+                    <a:p>
+                      <a:pPr algn="r" fontAlgn="b"/>
+                      <a:r>
+                        <a:rPr lang="en-US" sz="1000" b="0" i="0" u="none" strike="noStrike">
+                          <a:solidFill>
+                            <a:srgbClr val="000000"/>
+                          </a:solidFill>
+                          <a:effectLst/>
+                          <a:latin typeface="Times New Roman" panose="02020603050405020304" pitchFamily="18" charset="0"/>
+                          <a:cs typeface="Times New Roman" panose="02020603050405020304" pitchFamily="18" charset="0"/>
+                        </a:rPr>
+                        <a:t>$917,500.00 </a:t>
+                      </a:r>
+                    </a:p>
+                  </a:txBody>
+                  <a:tcPr marL="7620" marR="7620" marT="7620" marB="0" anchor="b"/>
+                </a:tc>
+                <a:tc>
+                  <a:txBody>
+                    <a:bodyPr/>
+                    <a:lstStyle/>
+                    <a:p>
+                      <a:pPr algn="r" fontAlgn="b"/>
+                      <a:r>
+                        <a:rPr lang="en-US" sz="1000" b="0" i="0" u="none" strike="noStrike">
+                          <a:solidFill>
+                            <a:srgbClr val="000000"/>
+                          </a:solidFill>
+                          <a:effectLst/>
+                          <a:latin typeface="Times New Roman" panose="02020603050405020304" pitchFamily="18" charset="0"/>
+                          <a:cs typeface="Times New Roman" panose="02020603050405020304" pitchFamily="18" charset="0"/>
+                        </a:rPr>
+                        <a:t>$625.00 </a:t>
+                      </a:r>
+                    </a:p>
+                  </a:txBody>
+                  <a:tcPr marL="7620" marR="7620" marT="7620" marB="0" anchor="b"/>
+                </a:tc>
+                <a:tc>
+                  <a:txBody>
+                    <a:bodyPr/>
+                    <a:lstStyle/>
+                    <a:p>
+                      <a:pPr algn="r" fontAlgn="b"/>
+                      <a:r>
+                        <a:rPr lang="en-US" sz="1000" b="0" i="0" u="none" strike="noStrike" dirty="0">
+                          <a:solidFill>
+                            <a:srgbClr val="000000"/>
+                          </a:solidFill>
+                          <a:effectLst/>
+                          <a:latin typeface="Times New Roman" panose="02020603050405020304" pitchFamily="18" charset="0"/>
+                          <a:cs typeface="Times New Roman" panose="02020603050405020304" pitchFamily="18" charset="0"/>
+                        </a:rPr>
+                        <a:t>83.35</a:t>
+                      </a:r>
+                    </a:p>
+                  </a:txBody>
+                  <a:tcPr marL="7620" marR="7620" marT="7620" marB="0" anchor="b"/>
+                </a:tc>
+                <a:tc>
+                  <a:txBody>
+                    <a:bodyPr/>
+                    <a:lstStyle/>
+                    <a:p>
+                      <a:pPr algn="r" fontAlgn="b"/>
+                      <a:r>
+                        <a:rPr lang="en-US" sz="1000" b="0" i="0" u="none" strike="noStrike">
+                          <a:solidFill>
+                            <a:srgbClr val="000000"/>
+                          </a:solidFill>
+                          <a:effectLst/>
+                          <a:latin typeface="Times New Roman" panose="02020603050405020304" pitchFamily="18" charset="0"/>
+                          <a:cs typeface="Times New Roman" panose="02020603050405020304" pitchFamily="18" charset="0"/>
+                        </a:rPr>
+                        <a:t>83.82</a:t>
+                      </a:r>
+                    </a:p>
+                  </a:txBody>
+                  <a:tcPr marL="7620" marR="7620" marT="7620" marB="0" anchor="b"/>
+                </a:tc>
+                <a:tc>
+                  <a:txBody>
+                    <a:bodyPr/>
+                    <a:lstStyle/>
+                    <a:p>
+                      <a:pPr algn="r" fontAlgn="b"/>
+                      <a:r>
+                        <a:rPr lang="en-US" sz="1000" b="0" i="0" u="none" strike="noStrike">
+                          <a:solidFill>
+                            <a:srgbClr val="000000"/>
+                          </a:solidFill>
+                          <a:effectLst/>
+                          <a:latin typeface="Times New Roman" panose="02020603050405020304" pitchFamily="18" charset="0"/>
+                          <a:cs typeface="Times New Roman" panose="02020603050405020304" pitchFamily="18" charset="0"/>
+                        </a:rPr>
+                        <a:t>93.39%</a:t>
+                      </a:r>
+                    </a:p>
+                  </a:txBody>
+                  <a:tcPr marL="7620" marR="7620" marT="7620" marB="0" anchor="b"/>
+                </a:tc>
+                <a:tc>
+                  <a:txBody>
+                    <a:bodyPr/>
+                    <a:lstStyle/>
+                    <a:p>
+                      <a:pPr algn="r" fontAlgn="b"/>
+                      <a:r>
+                        <a:rPr lang="en-US" sz="1000" b="0" i="0" u="none" strike="noStrike">
+                          <a:solidFill>
+                            <a:srgbClr val="000000"/>
+                          </a:solidFill>
+                          <a:effectLst/>
+                          <a:latin typeface="Times New Roman" panose="02020603050405020304" pitchFamily="18" charset="0"/>
+                          <a:cs typeface="Times New Roman" panose="02020603050405020304" pitchFamily="18" charset="0"/>
+                        </a:rPr>
+                        <a:t>97.14%</a:t>
+                      </a:r>
+                    </a:p>
+                  </a:txBody>
+                  <a:tcPr marL="7620" marR="7620" marT="7620" marB="0" anchor="b"/>
+                </a:tc>
+                <a:tc>
+                  <a:txBody>
+                    <a:bodyPr/>
+                    <a:lstStyle/>
+                    <a:p>
+                      <a:pPr algn="r" fontAlgn="b"/>
+                      <a:r>
+                        <a:rPr lang="en-US" sz="1000" b="0" i="0" u="none" strike="noStrike">
+                          <a:solidFill>
+                            <a:srgbClr val="000000"/>
+                          </a:solidFill>
+                          <a:effectLst/>
+                          <a:latin typeface="Times New Roman" panose="02020603050405020304" pitchFamily="18" charset="0"/>
+                          <a:cs typeface="Times New Roman" panose="02020603050405020304" pitchFamily="18" charset="0"/>
+                        </a:rPr>
+                        <a:t>90.60%</a:t>
+                      </a:r>
+                    </a:p>
+                  </a:txBody>
+                  <a:tcPr marL="7620" marR="7620" marT="7620" marB="0" anchor="b"/>
+                </a:tc>
+                <a:extLst>
+                  <a:ext uri="{0D108BD9-81ED-4DB2-BD59-A6C34878D82A}">
+                    <a16:rowId xmlns:a16="http://schemas.microsoft.com/office/drawing/2014/main" val="3353693306"/>
+                  </a:ext>
+                </a:extLst>
+              </a:tr>
+              <a:tr h="344303">
+                <a:tc>
+                  <a:txBody>
+                    <a:bodyPr/>
+                    <a:lstStyle/>
+                    <a:p>
+                      <a:pPr algn="l" fontAlgn="b"/>
+                      <a:r>
+                        <a:rPr lang="en-US" sz="1000" b="0" i="0" u="none" strike="noStrike">
+                          <a:solidFill>
+                            <a:srgbClr val="000000"/>
+                          </a:solidFill>
+                          <a:effectLst/>
+                          <a:latin typeface="Times New Roman" panose="02020603050405020304" pitchFamily="18" charset="0"/>
+                          <a:cs typeface="Times New Roman" panose="02020603050405020304" pitchFamily="18" charset="0"/>
+                        </a:rPr>
+                        <a:t>Hernandez High School</a:t>
+                      </a:r>
+                    </a:p>
+                  </a:txBody>
+                  <a:tcPr marL="7620" marR="7620" marT="7620" marB="0" anchor="b"/>
+                </a:tc>
+                <a:tc>
+                  <a:txBody>
+                    <a:bodyPr/>
+                    <a:lstStyle/>
+                    <a:p>
+                      <a:pPr algn="l" fontAlgn="b"/>
+                      <a:r>
+                        <a:rPr lang="en-US" sz="1000" b="0" i="0" u="none" strike="noStrike">
+                          <a:solidFill>
+                            <a:srgbClr val="000000"/>
+                          </a:solidFill>
+                          <a:effectLst/>
+                          <a:latin typeface="Times New Roman" panose="02020603050405020304" pitchFamily="18" charset="0"/>
+                          <a:cs typeface="Times New Roman" panose="02020603050405020304" pitchFamily="18" charset="0"/>
+                        </a:rPr>
+                        <a:t>District</a:t>
+                      </a:r>
+                    </a:p>
+                  </a:txBody>
+                  <a:tcPr marL="7620" marR="7620" marT="7620" marB="0" anchor="b"/>
+                </a:tc>
+                <a:tc>
+                  <a:txBody>
+                    <a:bodyPr/>
+                    <a:lstStyle/>
+                    <a:p>
+                      <a:pPr algn="r" fontAlgn="b"/>
+                      <a:r>
+                        <a:rPr lang="en-US" sz="1000" b="0" i="0" u="none" strike="noStrike">
+                          <a:solidFill>
+                            <a:srgbClr val="000000"/>
+                          </a:solidFill>
+                          <a:effectLst/>
+                          <a:latin typeface="Times New Roman" panose="02020603050405020304" pitchFamily="18" charset="0"/>
+                          <a:cs typeface="Times New Roman" panose="02020603050405020304" pitchFamily="18" charset="0"/>
+                        </a:rPr>
+                        <a:t>4,635</a:t>
+                      </a:r>
+                    </a:p>
+                  </a:txBody>
+                  <a:tcPr marL="7620" marR="7620" marT="7620" marB="0" anchor="b"/>
+                </a:tc>
+                <a:tc>
+                  <a:txBody>
+                    <a:bodyPr/>
+                    <a:lstStyle/>
+                    <a:p>
+                      <a:pPr algn="r" fontAlgn="b"/>
+                      <a:r>
+                        <a:rPr lang="en-US" sz="1000" b="0" i="0" u="none" strike="noStrike">
+                          <a:solidFill>
+                            <a:srgbClr val="000000"/>
+                          </a:solidFill>
+                          <a:effectLst/>
+                          <a:latin typeface="Times New Roman" panose="02020603050405020304" pitchFamily="18" charset="0"/>
+                          <a:cs typeface="Times New Roman" panose="02020603050405020304" pitchFamily="18" charset="0"/>
+                        </a:rPr>
+                        <a:t>$3,022,020.00 </a:t>
+                      </a:r>
+                    </a:p>
+                  </a:txBody>
+                  <a:tcPr marL="7620" marR="7620" marT="7620" marB="0" anchor="b"/>
+                </a:tc>
+                <a:tc>
+                  <a:txBody>
+                    <a:bodyPr/>
+                    <a:lstStyle/>
+                    <a:p>
+                      <a:pPr algn="r" fontAlgn="b"/>
+                      <a:r>
+                        <a:rPr lang="en-US" sz="1000" b="0" i="0" u="none" strike="noStrike">
+                          <a:solidFill>
+                            <a:srgbClr val="000000"/>
+                          </a:solidFill>
+                          <a:effectLst/>
+                          <a:latin typeface="Times New Roman" panose="02020603050405020304" pitchFamily="18" charset="0"/>
+                          <a:cs typeface="Times New Roman" panose="02020603050405020304" pitchFamily="18" charset="0"/>
+                        </a:rPr>
+                        <a:t>$652.00 </a:t>
+                      </a:r>
+                    </a:p>
+                  </a:txBody>
+                  <a:tcPr marL="7620" marR="7620" marT="7620" marB="0" anchor="b"/>
+                </a:tc>
+                <a:tc>
+                  <a:txBody>
+                    <a:bodyPr/>
+                    <a:lstStyle/>
+                    <a:p>
+                      <a:pPr algn="r" fontAlgn="b"/>
+                      <a:r>
+                        <a:rPr lang="en-US" sz="1000" b="0" i="0" u="none" strike="noStrike" dirty="0">
+                          <a:solidFill>
+                            <a:srgbClr val="000000"/>
+                          </a:solidFill>
+                          <a:effectLst/>
+                          <a:latin typeface="Times New Roman" panose="02020603050405020304" pitchFamily="18" charset="0"/>
+                          <a:cs typeface="Times New Roman" panose="02020603050405020304" pitchFamily="18" charset="0"/>
+                        </a:rPr>
+                        <a:t>77.29</a:t>
+                      </a:r>
+                    </a:p>
+                  </a:txBody>
+                  <a:tcPr marL="7620" marR="7620" marT="7620" marB="0" anchor="b"/>
+                </a:tc>
+                <a:tc>
+                  <a:txBody>
+                    <a:bodyPr/>
+                    <a:lstStyle/>
+                    <a:p>
+                      <a:pPr algn="r" fontAlgn="b"/>
+                      <a:r>
+                        <a:rPr lang="en-US" sz="1000" b="0" i="0" u="none" strike="noStrike" dirty="0">
+                          <a:solidFill>
+                            <a:srgbClr val="000000"/>
+                          </a:solidFill>
+                          <a:effectLst/>
+                          <a:latin typeface="Times New Roman" panose="02020603050405020304" pitchFamily="18" charset="0"/>
+                          <a:cs typeface="Times New Roman" panose="02020603050405020304" pitchFamily="18" charset="0"/>
+                        </a:rPr>
+                        <a:t>80.93</a:t>
+                      </a:r>
+                    </a:p>
+                  </a:txBody>
+                  <a:tcPr marL="7620" marR="7620" marT="7620" marB="0" anchor="b"/>
+                </a:tc>
+                <a:tc>
+                  <a:txBody>
+                    <a:bodyPr/>
+                    <a:lstStyle/>
+                    <a:p>
+                      <a:pPr algn="r" fontAlgn="b"/>
+                      <a:r>
+                        <a:rPr lang="en-US" sz="1000" b="0" i="0" u="none" strike="noStrike">
+                          <a:solidFill>
+                            <a:srgbClr val="000000"/>
+                          </a:solidFill>
+                          <a:effectLst/>
+                          <a:latin typeface="Times New Roman" panose="02020603050405020304" pitchFamily="18" charset="0"/>
+                          <a:cs typeface="Times New Roman" panose="02020603050405020304" pitchFamily="18" charset="0"/>
+                        </a:rPr>
+                        <a:t>66.75%</a:t>
+                      </a:r>
+                    </a:p>
+                  </a:txBody>
+                  <a:tcPr marL="7620" marR="7620" marT="7620" marB="0" anchor="b"/>
+                </a:tc>
+                <a:tc>
+                  <a:txBody>
+                    <a:bodyPr/>
+                    <a:lstStyle/>
+                    <a:p>
+                      <a:pPr algn="r" fontAlgn="b"/>
+                      <a:r>
+                        <a:rPr lang="en-US" sz="1000" b="0" i="0" u="none" strike="noStrike">
+                          <a:solidFill>
+                            <a:srgbClr val="000000"/>
+                          </a:solidFill>
+                          <a:effectLst/>
+                          <a:latin typeface="Times New Roman" panose="02020603050405020304" pitchFamily="18" charset="0"/>
+                          <a:cs typeface="Times New Roman" panose="02020603050405020304" pitchFamily="18" charset="0"/>
+                        </a:rPr>
+                        <a:t>80.86%</a:t>
+                      </a:r>
+                    </a:p>
+                  </a:txBody>
+                  <a:tcPr marL="7620" marR="7620" marT="7620" marB="0" anchor="b"/>
+                </a:tc>
+                <a:tc>
+                  <a:txBody>
+                    <a:bodyPr/>
+                    <a:lstStyle/>
+                    <a:p>
+                      <a:pPr algn="r" fontAlgn="b"/>
+                      <a:r>
+                        <a:rPr lang="en-US" sz="1000" b="0" i="0" u="none" strike="noStrike">
+                          <a:solidFill>
+                            <a:srgbClr val="000000"/>
+                          </a:solidFill>
+                          <a:effectLst/>
+                          <a:latin typeface="Times New Roman" panose="02020603050405020304" pitchFamily="18" charset="0"/>
+                          <a:cs typeface="Times New Roman" panose="02020603050405020304" pitchFamily="18" charset="0"/>
+                        </a:rPr>
+                        <a:t>53.53%</a:t>
+                      </a:r>
+                    </a:p>
+                  </a:txBody>
+                  <a:tcPr marL="7620" marR="7620" marT="7620" marB="0" anchor="b"/>
+                </a:tc>
+                <a:extLst>
+                  <a:ext uri="{0D108BD9-81ED-4DB2-BD59-A6C34878D82A}">
+                    <a16:rowId xmlns:a16="http://schemas.microsoft.com/office/drawing/2014/main" val="3985096494"/>
+                  </a:ext>
+                </a:extLst>
+              </a:tr>
+              <a:tr h="344303">
+                <a:tc>
+                  <a:txBody>
+                    <a:bodyPr/>
+                    <a:lstStyle/>
+                    <a:p>
+                      <a:pPr algn="l" fontAlgn="b"/>
+                      <a:r>
+                        <a:rPr lang="en-US" sz="1000" b="0" i="0" u="none" strike="noStrike">
+                          <a:solidFill>
+                            <a:srgbClr val="000000"/>
+                          </a:solidFill>
+                          <a:effectLst/>
+                          <a:latin typeface="Times New Roman" panose="02020603050405020304" pitchFamily="18" charset="0"/>
+                          <a:cs typeface="Times New Roman" panose="02020603050405020304" pitchFamily="18" charset="0"/>
+                        </a:rPr>
+                        <a:t>Holden High School</a:t>
+                      </a:r>
+                    </a:p>
+                  </a:txBody>
+                  <a:tcPr marL="7620" marR="7620" marT="7620" marB="0" anchor="b"/>
+                </a:tc>
+                <a:tc>
+                  <a:txBody>
+                    <a:bodyPr/>
+                    <a:lstStyle/>
+                    <a:p>
+                      <a:pPr algn="l" fontAlgn="b"/>
+                      <a:r>
+                        <a:rPr lang="en-US" sz="1000" b="0" i="0" u="none" strike="noStrike">
+                          <a:solidFill>
+                            <a:srgbClr val="000000"/>
+                          </a:solidFill>
+                          <a:effectLst/>
+                          <a:latin typeface="Times New Roman" panose="02020603050405020304" pitchFamily="18" charset="0"/>
+                          <a:cs typeface="Times New Roman" panose="02020603050405020304" pitchFamily="18" charset="0"/>
+                        </a:rPr>
+                        <a:t>Charter</a:t>
+                      </a:r>
+                    </a:p>
+                  </a:txBody>
+                  <a:tcPr marL="7620" marR="7620" marT="7620" marB="0" anchor="b"/>
+                </a:tc>
+                <a:tc>
+                  <a:txBody>
+                    <a:bodyPr/>
+                    <a:lstStyle/>
+                    <a:p>
+                      <a:pPr algn="r" fontAlgn="b"/>
+                      <a:r>
+                        <a:rPr lang="en-US" sz="1000" b="0" i="0" u="none" strike="noStrike">
+                          <a:solidFill>
+                            <a:srgbClr val="000000"/>
+                          </a:solidFill>
+                          <a:effectLst/>
+                          <a:latin typeface="Times New Roman" panose="02020603050405020304" pitchFamily="18" charset="0"/>
+                          <a:cs typeface="Times New Roman" panose="02020603050405020304" pitchFamily="18" charset="0"/>
+                        </a:rPr>
+                        <a:t>427</a:t>
+                      </a:r>
+                    </a:p>
+                  </a:txBody>
+                  <a:tcPr marL="7620" marR="7620" marT="7620" marB="0" anchor="b"/>
+                </a:tc>
+                <a:tc>
+                  <a:txBody>
+                    <a:bodyPr/>
+                    <a:lstStyle/>
+                    <a:p>
+                      <a:pPr algn="r" fontAlgn="b"/>
+                      <a:r>
+                        <a:rPr lang="en-US" sz="1000" b="0" i="0" u="none" strike="noStrike">
+                          <a:solidFill>
+                            <a:srgbClr val="000000"/>
+                          </a:solidFill>
+                          <a:effectLst/>
+                          <a:latin typeface="Times New Roman" panose="02020603050405020304" pitchFamily="18" charset="0"/>
+                          <a:cs typeface="Times New Roman" panose="02020603050405020304" pitchFamily="18" charset="0"/>
+                        </a:rPr>
+                        <a:t>$248,087.00 </a:t>
+                      </a:r>
+                    </a:p>
+                  </a:txBody>
+                  <a:tcPr marL="7620" marR="7620" marT="7620" marB="0" anchor="b"/>
+                </a:tc>
+                <a:tc>
+                  <a:txBody>
+                    <a:bodyPr/>
+                    <a:lstStyle/>
+                    <a:p>
+                      <a:pPr algn="r" fontAlgn="b"/>
+                      <a:r>
+                        <a:rPr lang="en-US" sz="1000" b="0" i="0" u="none" strike="noStrike">
+                          <a:solidFill>
+                            <a:srgbClr val="000000"/>
+                          </a:solidFill>
+                          <a:effectLst/>
+                          <a:latin typeface="Times New Roman" panose="02020603050405020304" pitchFamily="18" charset="0"/>
+                          <a:cs typeface="Times New Roman" panose="02020603050405020304" pitchFamily="18" charset="0"/>
+                        </a:rPr>
+                        <a:t>$581.00 </a:t>
+                      </a:r>
+                    </a:p>
+                  </a:txBody>
+                  <a:tcPr marL="7620" marR="7620" marT="7620" marB="0" anchor="b"/>
+                </a:tc>
+                <a:tc>
+                  <a:txBody>
+                    <a:bodyPr/>
+                    <a:lstStyle/>
+                    <a:p>
+                      <a:pPr algn="r" fontAlgn="b"/>
+                      <a:r>
+                        <a:rPr lang="en-US" sz="1000" b="0" i="0" u="none" strike="noStrike">
+                          <a:solidFill>
+                            <a:srgbClr val="000000"/>
+                          </a:solidFill>
+                          <a:effectLst/>
+                          <a:latin typeface="Times New Roman" panose="02020603050405020304" pitchFamily="18" charset="0"/>
+                          <a:cs typeface="Times New Roman" panose="02020603050405020304" pitchFamily="18" charset="0"/>
+                        </a:rPr>
+                        <a:t>83.8</a:t>
+                      </a:r>
+                    </a:p>
+                  </a:txBody>
+                  <a:tcPr marL="7620" marR="7620" marT="7620" marB="0" anchor="b"/>
+                </a:tc>
+                <a:tc>
+                  <a:txBody>
+                    <a:bodyPr/>
+                    <a:lstStyle/>
+                    <a:p>
+                      <a:pPr algn="r" fontAlgn="b"/>
+                      <a:r>
+                        <a:rPr lang="en-US" sz="1000" b="0" i="0" u="none" strike="noStrike" dirty="0">
+                          <a:solidFill>
+                            <a:srgbClr val="000000"/>
+                          </a:solidFill>
+                          <a:effectLst/>
+                          <a:latin typeface="Times New Roman" panose="02020603050405020304" pitchFamily="18" charset="0"/>
+                          <a:cs typeface="Times New Roman" panose="02020603050405020304" pitchFamily="18" charset="0"/>
+                        </a:rPr>
+                        <a:t>83.81</a:t>
+                      </a:r>
+                    </a:p>
+                  </a:txBody>
+                  <a:tcPr marL="7620" marR="7620" marT="7620" marB="0" anchor="b"/>
+                </a:tc>
+                <a:tc>
+                  <a:txBody>
+                    <a:bodyPr/>
+                    <a:lstStyle/>
+                    <a:p>
+                      <a:pPr algn="r" fontAlgn="b"/>
+                      <a:r>
+                        <a:rPr lang="en-US" sz="1000" b="0" i="0" u="none" strike="noStrike" dirty="0">
+                          <a:solidFill>
+                            <a:srgbClr val="000000"/>
+                          </a:solidFill>
+                          <a:effectLst/>
+                          <a:latin typeface="Times New Roman" panose="02020603050405020304" pitchFamily="18" charset="0"/>
+                          <a:cs typeface="Times New Roman" panose="02020603050405020304" pitchFamily="18" charset="0"/>
+                        </a:rPr>
+                        <a:t>92.51%</a:t>
+                      </a:r>
+                    </a:p>
+                  </a:txBody>
+                  <a:tcPr marL="7620" marR="7620" marT="7620" marB="0" anchor="b"/>
+                </a:tc>
+                <a:tc>
+                  <a:txBody>
+                    <a:bodyPr/>
+                    <a:lstStyle/>
+                    <a:p>
+                      <a:pPr algn="r" fontAlgn="b"/>
+                      <a:r>
+                        <a:rPr lang="en-US" sz="1000" b="0" i="0" u="none" strike="noStrike">
+                          <a:solidFill>
+                            <a:srgbClr val="000000"/>
+                          </a:solidFill>
+                          <a:effectLst/>
+                          <a:latin typeface="Times New Roman" panose="02020603050405020304" pitchFamily="18" charset="0"/>
+                          <a:cs typeface="Times New Roman" panose="02020603050405020304" pitchFamily="18" charset="0"/>
+                        </a:rPr>
+                        <a:t>96.25%</a:t>
+                      </a:r>
+                    </a:p>
+                  </a:txBody>
+                  <a:tcPr marL="7620" marR="7620" marT="7620" marB="0" anchor="b"/>
+                </a:tc>
+                <a:tc>
+                  <a:txBody>
+                    <a:bodyPr/>
+                    <a:lstStyle/>
+                    <a:p>
+                      <a:pPr algn="r" fontAlgn="b"/>
+                      <a:r>
+                        <a:rPr lang="en-US" sz="1000" b="0" i="0" u="none" strike="noStrike">
+                          <a:solidFill>
+                            <a:srgbClr val="000000"/>
+                          </a:solidFill>
+                          <a:effectLst/>
+                          <a:latin typeface="Times New Roman" panose="02020603050405020304" pitchFamily="18" charset="0"/>
+                          <a:cs typeface="Times New Roman" panose="02020603050405020304" pitchFamily="18" charset="0"/>
+                        </a:rPr>
+                        <a:t>89.23%</a:t>
+                      </a:r>
+                    </a:p>
+                  </a:txBody>
+                  <a:tcPr marL="7620" marR="7620" marT="7620" marB="0" anchor="b"/>
+                </a:tc>
+                <a:extLst>
+                  <a:ext uri="{0D108BD9-81ED-4DB2-BD59-A6C34878D82A}">
+                    <a16:rowId xmlns:a16="http://schemas.microsoft.com/office/drawing/2014/main" val="81713767"/>
+                  </a:ext>
+                </a:extLst>
+              </a:tr>
+              <a:tr h="344303">
+                <a:tc>
+                  <a:txBody>
+                    <a:bodyPr/>
+                    <a:lstStyle/>
+                    <a:p>
+                      <a:pPr algn="l" fontAlgn="b"/>
+                      <a:r>
+                        <a:rPr lang="en-US" sz="1000" b="0" i="0" u="none" strike="noStrike">
+                          <a:solidFill>
+                            <a:srgbClr val="000000"/>
+                          </a:solidFill>
+                          <a:effectLst/>
+                          <a:latin typeface="Times New Roman" panose="02020603050405020304" pitchFamily="18" charset="0"/>
+                          <a:cs typeface="Times New Roman" panose="02020603050405020304" pitchFamily="18" charset="0"/>
+                        </a:rPr>
+                        <a:t>Huang High School</a:t>
+                      </a:r>
+                    </a:p>
+                  </a:txBody>
+                  <a:tcPr marL="7620" marR="7620" marT="7620" marB="0" anchor="b"/>
+                </a:tc>
+                <a:tc>
+                  <a:txBody>
+                    <a:bodyPr/>
+                    <a:lstStyle/>
+                    <a:p>
+                      <a:pPr algn="l" fontAlgn="b"/>
+                      <a:r>
+                        <a:rPr lang="en-US" sz="1000" b="0" i="0" u="none" strike="noStrike">
+                          <a:solidFill>
+                            <a:srgbClr val="000000"/>
+                          </a:solidFill>
+                          <a:effectLst/>
+                          <a:latin typeface="Times New Roman" panose="02020603050405020304" pitchFamily="18" charset="0"/>
+                          <a:cs typeface="Times New Roman" panose="02020603050405020304" pitchFamily="18" charset="0"/>
+                        </a:rPr>
+                        <a:t>District</a:t>
+                      </a:r>
+                    </a:p>
+                  </a:txBody>
+                  <a:tcPr marL="7620" marR="7620" marT="7620" marB="0" anchor="b"/>
+                </a:tc>
+                <a:tc>
+                  <a:txBody>
+                    <a:bodyPr/>
+                    <a:lstStyle/>
+                    <a:p>
+                      <a:pPr algn="r" fontAlgn="b"/>
+                      <a:r>
+                        <a:rPr lang="en-US" sz="1000" b="0" i="0" u="none" strike="noStrike">
+                          <a:solidFill>
+                            <a:srgbClr val="000000"/>
+                          </a:solidFill>
+                          <a:effectLst/>
+                          <a:latin typeface="Times New Roman" panose="02020603050405020304" pitchFamily="18" charset="0"/>
+                          <a:cs typeface="Times New Roman" panose="02020603050405020304" pitchFamily="18" charset="0"/>
+                        </a:rPr>
+                        <a:t>2,917</a:t>
+                      </a:r>
+                    </a:p>
+                  </a:txBody>
+                  <a:tcPr marL="7620" marR="7620" marT="7620" marB="0" anchor="b"/>
+                </a:tc>
+                <a:tc>
+                  <a:txBody>
+                    <a:bodyPr/>
+                    <a:lstStyle/>
+                    <a:p>
+                      <a:pPr algn="r" fontAlgn="b"/>
+                      <a:r>
+                        <a:rPr lang="en-US" sz="1000" b="0" i="0" u="none" strike="noStrike">
+                          <a:solidFill>
+                            <a:srgbClr val="000000"/>
+                          </a:solidFill>
+                          <a:effectLst/>
+                          <a:latin typeface="Times New Roman" panose="02020603050405020304" pitchFamily="18" charset="0"/>
+                          <a:cs typeface="Times New Roman" panose="02020603050405020304" pitchFamily="18" charset="0"/>
+                        </a:rPr>
+                        <a:t>$1,910,635.00 </a:t>
+                      </a:r>
+                    </a:p>
+                  </a:txBody>
+                  <a:tcPr marL="7620" marR="7620" marT="7620" marB="0" anchor="b"/>
+                </a:tc>
+                <a:tc>
+                  <a:txBody>
+                    <a:bodyPr/>
+                    <a:lstStyle/>
+                    <a:p>
+                      <a:pPr algn="r" fontAlgn="b"/>
+                      <a:r>
+                        <a:rPr lang="en-US" sz="1000" b="0" i="0" u="none" strike="noStrike">
+                          <a:solidFill>
+                            <a:srgbClr val="000000"/>
+                          </a:solidFill>
+                          <a:effectLst/>
+                          <a:latin typeface="Times New Roman" panose="02020603050405020304" pitchFamily="18" charset="0"/>
+                          <a:cs typeface="Times New Roman" panose="02020603050405020304" pitchFamily="18" charset="0"/>
+                        </a:rPr>
+                        <a:t>$655.00 </a:t>
+                      </a:r>
+                    </a:p>
+                  </a:txBody>
+                  <a:tcPr marL="7620" marR="7620" marT="7620" marB="0" anchor="b"/>
+                </a:tc>
+                <a:tc>
+                  <a:txBody>
+                    <a:bodyPr/>
+                    <a:lstStyle/>
+                    <a:p>
+                      <a:pPr algn="r" fontAlgn="b"/>
+                      <a:r>
+                        <a:rPr lang="en-US" sz="1000" b="0" i="0" u="none" strike="noStrike">
+                          <a:solidFill>
+                            <a:srgbClr val="000000"/>
+                          </a:solidFill>
+                          <a:effectLst/>
+                          <a:latin typeface="Times New Roman" panose="02020603050405020304" pitchFamily="18" charset="0"/>
+                          <a:cs typeface="Times New Roman" panose="02020603050405020304" pitchFamily="18" charset="0"/>
+                        </a:rPr>
+                        <a:t>76.63</a:t>
+                      </a:r>
+                    </a:p>
+                  </a:txBody>
+                  <a:tcPr marL="7620" marR="7620" marT="7620" marB="0" anchor="b"/>
+                </a:tc>
+                <a:tc>
+                  <a:txBody>
+                    <a:bodyPr/>
+                    <a:lstStyle/>
+                    <a:p>
+                      <a:pPr algn="r" fontAlgn="b"/>
+                      <a:r>
+                        <a:rPr lang="en-US" sz="1000" b="0" i="0" u="none" strike="noStrike">
+                          <a:solidFill>
+                            <a:srgbClr val="000000"/>
+                          </a:solidFill>
+                          <a:effectLst/>
+                          <a:latin typeface="Times New Roman" panose="02020603050405020304" pitchFamily="18" charset="0"/>
+                          <a:cs typeface="Times New Roman" panose="02020603050405020304" pitchFamily="18" charset="0"/>
+                        </a:rPr>
+                        <a:t>81.18</a:t>
+                      </a:r>
+                    </a:p>
+                  </a:txBody>
+                  <a:tcPr marL="7620" marR="7620" marT="7620" marB="0" anchor="b"/>
+                </a:tc>
+                <a:tc>
+                  <a:txBody>
+                    <a:bodyPr/>
+                    <a:lstStyle/>
+                    <a:p>
+                      <a:pPr algn="r" fontAlgn="b"/>
+                      <a:r>
+                        <a:rPr lang="en-US" sz="1000" b="0" i="0" u="none" strike="noStrike" dirty="0">
+                          <a:solidFill>
+                            <a:srgbClr val="000000"/>
+                          </a:solidFill>
+                          <a:effectLst/>
+                          <a:latin typeface="Times New Roman" panose="02020603050405020304" pitchFamily="18" charset="0"/>
+                          <a:cs typeface="Times New Roman" panose="02020603050405020304" pitchFamily="18" charset="0"/>
+                        </a:rPr>
+                        <a:t>65.68%</a:t>
+                      </a:r>
+                    </a:p>
+                  </a:txBody>
+                  <a:tcPr marL="7620" marR="7620" marT="7620" marB="0" anchor="b"/>
+                </a:tc>
+                <a:tc>
+                  <a:txBody>
+                    <a:bodyPr/>
+                    <a:lstStyle/>
+                    <a:p>
+                      <a:pPr algn="r" fontAlgn="b"/>
+                      <a:r>
+                        <a:rPr lang="en-US" sz="1000" b="0" i="0" u="none" strike="noStrike" dirty="0">
+                          <a:solidFill>
+                            <a:srgbClr val="000000"/>
+                          </a:solidFill>
+                          <a:effectLst/>
+                          <a:latin typeface="Times New Roman" panose="02020603050405020304" pitchFamily="18" charset="0"/>
+                          <a:cs typeface="Times New Roman" panose="02020603050405020304" pitchFamily="18" charset="0"/>
+                        </a:rPr>
+                        <a:t>81.32%</a:t>
+                      </a:r>
+                    </a:p>
+                  </a:txBody>
+                  <a:tcPr marL="7620" marR="7620" marT="7620" marB="0" anchor="b"/>
+                </a:tc>
+                <a:tc>
+                  <a:txBody>
+                    <a:bodyPr/>
+                    <a:lstStyle/>
+                    <a:p>
+                      <a:pPr algn="r" fontAlgn="b"/>
+                      <a:r>
+                        <a:rPr lang="en-US" sz="1000" b="0" i="0" u="none" strike="noStrike">
+                          <a:solidFill>
+                            <a:srgbClr val="000000"/>
+                          </a:solidFill>
+                          <a:effectLst/>
+                          <a:latin typeface="Times New Roman" panose="02020603050405020304" pitchFamily="18" charset="0"/>
+                          <a:cs typeface="Times New Roman" panose="02020603050405020304" pitchFamily="18" charset="0"/>
+                        </a:rPr>
+                        <a:t>53.51%</a:t>
+                      </a:r>
+                    </a:p>
+                  </a:txBody>
+                  <a:tcPr marL="7620" marR="7620" marT="7620" marB="0" anchor="b"/>
+                </a:tc>
+                <a:extLst>
+                  <a:ext uri="{0D108BD9-81ED-4DB2-BD59-A6C34878D82A}">
+                    <a16:rowId xmlns:a16="http://schemas.microsoft.com/office/drawing/2014/main" val="2802386408"/>
+                  </a:ext>
+                </a:extLst>
+              </a:tr>
+              <a:tr h="344303">
+                <a:tc>
+                  <a:txBody>
+                    <a:bodyPr/>
+                    <a:lstStyle/>
+                    <a:p>
+                      <a:pPr algn="l" fontAlgn="b"/>
+                      <a:r>
+                        <a:rPr lang="en-US" sz="1000" b="0" i="0" u="none" strike="noStrike">
+                          <a:solidFill>
+                            <a:srgbClr val="000000"/>
+                          </a:solidFill>
+                          <a:effectLst/>
+                          <a:latin typeface="Times New Roman" panose="02020603050405020304" pitchFamily="18" charset="0"/>
+                          <a:cs typeface="Times New Roman" panose="02020603050405020304" pitchFamily="18" charset="0"/>
+                        </a:rPr>
+                        <a:t>Johnson High School</a:t>
+                      </a:r>
+                    </a:p>
+                  </a:txBody>
+                  <a:tcPr marL="7620" marR="7620" marT="7620" marB="0" anchor="b"/>
+                </a:tc>
+                <a:tc>
+                  <a:txBody>
+                    <a:bodyPr/>
+                    <a:lstStyle/>
+                    <a:p>
+                      <a:pPr algn="l" fontAlgn="b"/>
+                      <a:r>
+                        <a:rPr lang="en-US" sz="1000" b="0" i="0" u="none" strike="noStrike">
+                          <a:solidFill>
+                            <a:srgbClr val="000000"/>
+                          </a:solidFill>
+                          <a:effectLst/>
+                          <a:latin typeface="Times New Roman" panose="02020603050405020304" pitchFamily="18" charset="0"/>
+                          <a:cs typeface="Times New Roman" panose="02020603050405020304" pitchFamily="18" charset="0"/>
+                        </a:rPr>
+                        <a:t>District</a:t>
+                      </a:r>
+                    </a:p>
+                  </a:txBody>
+                  <a:tcPr marL="7620" marR="7620" marT="7620" marB="0" anchor="b"/>
+                </a:tc>
+                <a:tc>
+                  <a:txBody>
+                    <a:bodyPr/>
+                    <a:lstStyle/>
+                    <a:p>
+                      <a:pPr algn="r" fontAlgn="b"/>
+                      <a:r>
+                        <a:rPr lang="en-US" sz="1000" b="0" i="0" u="none" strike="noStrike">
+                          <a:solidFill>
+                            <a:srgbClr val="000000"/>
+                          </a:solidFill>
+                          <a:effectLst/>
+                          <a:latin typeface="Times New Roman" panose="02020603050405020304" pitchFamily="18" charset="0"/>
+                          <a:cs typeface="Times New Roman" panose="02020603050405020304" pitchFamily="18" charset="0"/>
+                        </a:rPr>
+                        <a:t>4,761</a:t>
+                      </a:r>
+                    </a:p>
+                  </a:txBody>
+                  <a:tcPr marL="7620" marR="7620" marT="7620" marB="0" anchor="b"/>
+                </a:tc>
+                <a:tc>
+                  <a:txBody>
+                    <a:bodyPr/>
+                    <a:lstStyle/>
+                    <a:p>
+                      <a:pPr algn="r" fontAlgn="b"/>
+                      <a:r>
+                        <a:rPr lang="en-US" sz="1000" b="0" i="0" u="none" strike="noStrike">
+                          <a:solidFill>
+                            <a:srgbClr val="000000"/>
+                          </a:solidFill>
+                          <a:effectLst/>
+                          <a:latin typeface="Times New Roman" panose="02020603050405020304" pitchFamily="18" charset="0"/>
+                          <a:cs typeface="Times New Roman" panose="02020603050405020304" pitchFamily="18" charset="0"/>
+                        </a:rPr>
+                        <a:t>$3,094,650.00 </a:t>
+                      </a:r>
+                    </a:p>
+                  </a:txBody>
+                  <a:tcPr marL="7620" marR="7620" marT="7620" marB="0" anchor="b"/>
+                </a:tc>
+                <a:tc>
+                  <a:txBody>
+                    <a:bodyPr/>
+                    <a:lstStyle/>
+                    <a:p>
+                      <a:pPr algn="r" fontAlgn="b"/>
+                      <a:r>
+                        <a:rPr lang="en-US" sz="1000" b="0" i="0" u="none" strike="noStrike">
+                          <a:solidFill>
+                            <a:srgbClr val="000000"/>
+                          </a:solidFill>
+                          <a:effectLst/>
+                          <a:latin typeface="Times New Roman" panose="02020603050405020304" pitchFamily="18" charset="0"/>
+                          <a:cs typeface="Times New Roman" panose="02020603050405020304" pitchFamily="18" charset="0"/>
+                        </a:rPr>
+                        <a:t>$650.00 </a:t>
+                      </a:r>
+                    </a:p>
+                  </a:txBody>
+                  <a:tcPr marL="7620" marR="7620" marT="7620" marB="0" anchor="b"/>
+                </a:tc>
+                <a:tc>
+                  <a:txBody>
+                    <a:bodyPr/>
+                    <a:lstStyle/>
+                    <a:p>
+                      <a:pPr algn="r" fontAlgn="b"/>
+                      <a:r>
+                        <a:rPr lang="en-US" sz="1000" b="0" i="0" u="none" strike="noStrike">
+                          <a:solidFill>
+                            <a:srgbClr val="000000"/>
+                          </a:solidFill>
+                          <a:effectLst/>
+                          <a:latin typeface="Times New Roman" panose="02020603050405020304" pitchFamily="18" charset="0"/>
+                          <a:cs typeface="Times New Roman" panose="02020603050405020304" pitchFamily="18" charset="0"/>
+                        </a:rPr>
+                        <a:t>77.07</a:t>
+                      </a:r>
+                    </a:p>
+                  </a:txBody>
+                  <a:tcPr marL="7620" marR="7620" marT="7620" marB="0" anchor="b"/>
+                </a:tc>
+                <a:tc>
+                  <a:txBody>
+                    <a:bodyPr/>
+                    <a:lstStyle/>
+                    <a:p>
+                      <a:pPr algn="r" fontAlgn="b"/>
+                      <a:r>
+                        <a:rPr lang="en-US" sz="1000" b="0" i="0" u="none" strike="noStrike">
+                          <a:solidFill>
+                            <a:srgbClr val="000000"/>
+                          </a:solidFill>
+                          <a:effectLst/>
+                          <a:latin typeface="Times New Roman" panose="02020603050405020304" pitchFamily="18" charset="0"/>
+                          <a:cs typeface="Times New Roman" panose="02020603050405020304" pitchFamily="18" charset="0"/>
+                        </a:rPr>
+                        <a:t>80.97</a:t>
+                      </a:r>
+                    </a:p>
+                  </a:txBody>
+                  <a:tcPr marL="7620" marR="7620" marT="7620" marB="0" anchor="b"/>
+                </a:tc>
+                <a:tc>
+                  <a:txBody>
+                    <a:bodyPr/>
+                    <a:lstStyle/>
+                    <a:p>
+                      <a:pPr algn="r" fontAlgn="b"/>
+                      <a:r>
+                        <a:rPr lang="en-US" sz="1000" b="0" i="0" u="none" strike="noStrike">
+                          <a:solidFill>
+                            <a:srgbClr val="000000"/>
+                          </a:solidFill>
+                          <a:effectLst/>
+                          <a:latin typeface="Times New Roman" panose="02020603050405020304" pitchFamily="18" charset="0"/>
+                          <a:cs typeface="Times New Roman" panose="02020603050405020304" pitchFamily="18" charset="0"/>
+                        </a:rPr>
+                        <a:t>66.06%</a:t>
+                      </a:r>
+                    </a:p>
+                  </a:txBody>
+                  <a:tcPr marL="7620" marR="7620" marT="7620" marB="0" anchor="b"/>
+                </a:tc>
+                <a:tc>
+                  <a:txBody>
+                    <a:bodyPr/>
+                    <a:lstStyle/>
+                    <a:p>
+                      <a:pPr algn="r" fontAlgn="b"/>
+                      <a:r>
+                        <a:rPr lang="en-US" sz="1000" b="0" i="0" u="none" strike="noStrike" dirty="0">
+                          <a:solidFill>
+                            <a:srgbClr val="000000"/>
+                          </a:solidFill>
+                          <a:effectLst/>
+                          <a:latin typeface="Times New Roman" panose="02020603050405020304" pitchFamily="18" charset="0"/>
+                          <a:cs typeface="Times New Roman" panose="02020603050405020304" pitchFamily="18" charset="0"/>
+                        </a:rPr>
+                        <a:t>81.22%</a:t>
+                      </a:r>
+                    </a:p>
+                  </a:txBody>
+                  <a:tcPr marL="7620" marR="7620" marT="7620" marB="0" anchor="b"/>
+                </a:tc>
+                <a:tc>
+                  <a:txBody>
+                    <a:bodyPr/>
+                    <a:lstStyle/>
+                    <a:p>
+                      <a:pPr algn="r" fontAlgn="b"/>
+                      <a:r>
+                        <a:rPr lang="en-US" sz="1000" b="0" i="0" u="none" strike="noStrike">
+                          <a:solidFill>
+                            <a:srgbClr val="000000"/>
+                          </a:solidFill>
+                          <a:effectLst/>
+                          <a:latin typeface="Times New Roman" panose="02020603050405020304" pitchFamily="18" charset="0"/>
+                          <a:cs typeface="Times New Roman" panose="02020603050405020304" pitchFamily="18" charset="0"/>
+                        </a:rPr>
+                        <a:t>53.54%</a:t>
+                      </a:r>
+                    </a:p>
+                  </a:txBody>
+                  <a:tcPr marL="7620" marR="7620" marT="7620" marB="0" anchor="b"/>
+                </a:tc>
+                <a:extLst>
+                  <a:ext uri="{0D108BD9-81ED-4DB2-BD59-A6C34878D82A}">
+                    <a16:rowId xmlns:a16="http://schemas.microsoft.com/office/drawing/2014/main" val="2502999282"/>
+                  </a:ext>
+                </a:extLst>
+              </a:tr>
+              <a:tr h="344303">
+                <a:tc>
+                  <a:txBody>
+                    <a:bodyPr/>
+                    <a:lstStyle/>
+                    <a:p>
+                      <a:pPr algn="l" fontAlgn="b"/>
+                      <a:r>
+                        <a:rPr lang="en-US" sz="1000" b="0" i="0" u="none" strike="noStrike">
+                          <a:solidFill>
+                            <a:srgbClr val="000000"/>
+                          </a:solidFill>
+                          <a:effectLst/>
+                          <a:latin typeface="Times New Roman" panose="02020603050405020304" pitchFamily="18" charset="0"/>
+                          <a:cs typeface="Times New Roman" panose="02020603050405020304" pitchFamily="18" charset="0"/>
+                        </a:rPr>
+                        <a:t>Pena High School</a:t>
+                      </a:r>
+                    </a:p>
+                  </a:txBody>
+                  <a:tcPr marL="7620" marR="7620" marT="7620" marB="0" anchor="b"/>
+                </a:tc>
+                <a:tc>
+                  <a:txBody>
+                    <a:bodyPr/>
+                    <a:lstStyle/>
+                    <a:p>
+                      <a:pPr algn="l" fontAlgn="b"/>
+                      <a:r>
+                        <a:rPr lang="en-US" sz="1000" b="0" i="0" u="none" strike="noStrike">
+                          <a:solidFill>
+                            <a:srgbClr val="000000"/>
+                          </a:solidFill>
+                          <a:effectLst/>
+                          <a:latin typeface="Times New Roman" panose="02020603050405020304" pitchFamily="18" charset="0"/>
+                          <a:cs typeface="Times New Roman" panose="02020603050405020304" pitchFamily="18" charset="0"/>
+                        </a:rPr>
+                        <a:t>Charter</a:t>
+                      </a:r>
+                    </a:p>
+                  </a:txBody>
+                  <a:tcPr marL="7620" marR="7620" marT="7620" marB="0" anchor="b"/>
+                </a:tc>
+                <a:tc>
+                  <a:txBody>
+                    <a:bodyPr/>
+                    <a:lstStyle/>
+                    <a:p>
+                      <a:pPr algn="r" fontAlgn="b"/>
+                      <a:r>
+                        <a:rPr lang="en-US" sz="1000" b="0" i="0" u="none" strike="noStrike">
+                          <a:solidFill>
+                            <a:srgbClr val="000000"/>
+                          </a:solidFill>
+                          <a:effectLst/>
+                          <a:latin typeface="Times New Roman" panose="02020603050405020304" pitchFamily="18" charset="0"/>
+                          <a:cs typeface="Times New Roman" panose="02020603050405020304" pitchFamily="18" charset="0"/>
+                        </a:rPr>
+                        <a:t>962</a:t>
+                      </a:r>
+                    </a:p>
+                  </a:txBody>
+                  <a:tcPr marL="7620" marR="7620" marT="7620" marB="0" anchor="b"/>
+                </a:tc>
+                <a:tc>
+                  <a:txBody>
+                    <a:bodyPr/>
+                    <a:lstStyle/>
+                    <a:p>
+                      <a:pPr algn="r" fontAlgn="b"/>
+                      <a:r>
+                        <a:rPr lang="en-US" sz="1000" b="0" i="0" u="none" strike="noStrike">
+                          <a:solidFill>
+                            <a:srgbClr val="000000"/>
+                          </a:solidFill>
+                          <a:effectLst/>
+                          <a:latin typeface="Times New Roman" panose="02020603050405020304" pitchFamily="18" charset="0"/>
+                          <a:cs typeface="Times New Roman" panose="02020603050405020304" pitchFamily="18" charset="0"/>
+                        </a:rPr>
+                        <a:t>$585,858.00 </a:t>
+                      </a:r>
+                    </a:p>
+                  </a:txBody>
+                  <a:tcPr marL="7620" marR="7620" marT="7620" marB="0" anchor="b"/>
+                </a:tc>
+                <a:tc>
+                  <a:txBody>
+                    <a:bodyPr/>
+                    <a:lstStyle/>
+                    <a:p>
+                      <a:pPr algn="r" fontAlgn="b"/>
+                      <a:r>
+                        <a:rPr lang="en-US" sz="1000" b="0" i="0" u="none" strike="noStrike">
+                          <a:solidFill>
+                            <a:srgbClr val="000000"/>
+                          </a:solidFill>
+                          <a:effectLst/>
+                          <a:latin typeface="Times New Roman" panose="02020603050405020304" pitchFamily="18" charset="0"/>
+                          <a:cs typeface="Times New Roman" panose="02020603050405020304" pitchFamily="18" charset="0"/>
+                        </a:rPr>
+                        <a:t>$609.00 </a:t>
+                      </a:r>
+                    </a:p>
+                  </a:txBody>
+                  <a:tcPr marL="7620" marR="7620" marT="7620" marB="0" anchor="b"/>
+                </a:tc>
+                <a:tc>
+                  <a:txBody>
+                    <a:bodyPr/>
+                    <a:lstStyle/>
+                    <a:p>
+                      <a:pPr algn="r" fontAlgn="b"/>
+                      <a:r>
+                        <a:rPr lang="en-US" sz="1000" b="0" i="0" u="none" strike="noStrike">
+                          <a:solidFill>
+                            <a:srgbClr val="000000"/>
+                          </a:solidFill>
+                          <a:effectLst/>
+                          <a:latin typeface="Times New Roman" panose="02020603050405020304" pitchFamily="18" charset="0"/>
+                          <a:cs typeface="Times New Roman" panose="02020603050405020304" pitchFamily="18" charset="0"/>
+                        </a:rPr>
+                        <a:t>83.84</a:t>
+                      </a:r>
+                    </a:p>
+                  </a:txBody>
+                  <a:tcPr marL="7620" marR="7620" marT="7620" marB="0" anchor="b"/>
+                </a:tc>
+                <a:tc>
+                  <a:txBody>
+                    <a:bodyPr/>
+                    <a:lstStyle/>
+                    <a:p>
+                      <a:pPr algn="r" fontAlgn="b"/>
+                      <a:r>
+                        <a:rPr lang="en-US" sz="1000" b="0" i="0" u="none" strike="noStrike">
+                          <a:solidFill>
+                            <a:srgbClr val="000000"/>
+                          </a:solidFill>
+                          <a:effectLst/>
+                          <a:latin typeface="Times New Roman" panose="02020603050405020304" pitchFamily="18" charset="0"/>
+                          <a:cs typeface="Times New Roman" panose="02020603050405020304" pitchFamily="18" charset="0"/>
+                        </a:rPr>
+                        <a:t>84.04</a:t>
+                      </a:r>
+                    </a:p>
+                  </a:txBody>
+                  <a:tcPr marL="7620" marR="7620" marT="7620" marB="0" anchor="b"/>
+                </a:tc>
+                <a:tc>
+                  <a:txBody>
+                    <a:bodyPr/>
+                    <a:lstStyle/>
+                    <a:p>
+                      <a:pPr algn="r" fontAlgn="b"/>
+                      <a:r>
+                        <a:rPr lang="en-US" sz="1000" b="0" i="0" u="none" strike="noStrike">
+                          <a:solidFill>
+                            <a:srgbClr val="000000"/>
+                          </a:solidFill>
+                          <a:effectLst/>
+                          <a:latin typeface="Times New Roman" panose="02020603050405020304" pitchFamily="18" charset="0"/>
+                          <a:cs typeface="Times New Roman" panose="02020603050405020304" pitchFamily="18" charset="0"/>
+                        </a:rPr>
+                        <a:t>94.59%</a:t>
+                      </a:r>
+                    </a:p>
+                  </a:txBody>
+                  <a:tcPr marL="7620" marR="7620" marT="7620" marB="0" anchor="b"/>
+                </a:tc>
+                <a:tc>
+                  <a:txBody>
+                    <a:bodyPr/>
+                    <a:lstStyle/>
+                    <a:p>
+                      <a:pPr algn="r" fontAlgn="b"/>
+                      <a:r>
+                        <a:rPr lang="en-US" sz="1000" b="0" i="0" u="none" strike="noStrike" dirty="0">
+                          <a:solidFill>
+                            <a:srgbClr val="000000"/>
+                          </a:solidFill>
+                          <a:effectLst/>
+                          <a:latin typeface="Times New Roman" panose="02020603050405020304" pitchFamily="18" charset="0"/>
+                          <a:cs typeface="Times New Roman" panose="02020603050405020304" pitchFamily="18" charset="0"/>
+                        </a:rPr>
+                        <a:t>95.95%</a:t>
+                      </a:r>
+                    </a:p>
+                  </a:txBody>
+                  <a:tcPr marL="7620" marR="7620" marT="7620" marB="0" anchor="b"/>
+                </a:tc>
+                <a:tc>
+                  <a:txBody>
+                    <a:bodyPr/>
+                    <a:lstStyle/>
+                    <a:p>
+                      <a:pPr algn="r" fontAlgn="b"/>
+                      <a:r>
+                        <a:rPr lang="en-US" sz="1000" b="0" i="0" u="none" strike="noStrike">
+                          <a:solidFill>
+                            <a:srgbClr val="000000"/>
+                          </a:solidFill>
+                          <a:effectLst/>
+                          <a:latin typeface="Times New Roman" panose="02020603050405020304" pitchFamily="18" charset="0"/>
+                          <a:cs typeface="Times New Roman" panose="02020603050405020304" pitchFamily="18" charset="0"/>
+                        </a:rPr>
+                        <a:t>90.54%</a:t>
+                      </a:r>
+                    </a:p>
+                  </a:txBody>
+                  <a:tcPr marL="7620" marR="7620" marT="7620" marB="0" anchor="b"/>
+                </a:tc>
+                <a:extLst>
+                  <a:ext uri="{0D108BD9-81ED-4DB2-BD59-A6C34878D82A}">
+                    <a16:rowId xmlns:a16="http://schemas.microsoft.com/office/drawing/2014/main" val="1480938776"/>
+                  </a:ext>
+                </a:extLst>
+              </a:tr>
+              <a:tr h="344303">
+                <a:tc>
+                  <a:txBody>
+                    <a:bodyPr/>
+                    <a:lstStyle/>
+                    <a:p>
+                      <a:pPr algn="l" fontAlgn="b"/>
+                      <a:r>
+                        <a:rPr lang="en-US" sz="1000" b="0" i="0" u="none" strike="noStrike">
+                          <a:solidFill>
+                            <a:srgbClr val="000000"/>
+                          </a:solidFill>
+                          <a:effectLst/>
+                          <a:latin typeface="Times New Roman" panose="02020603050405020304" pitchFamily="18" charset="0"/>
+                          <a:cs typeface="Times New Roman" panose="02020603050405020304" pitchFamily="18" charset="0"/>
+                        </a:rPr>
+                        <a:t>Rodriguez High School</a:t>
+                      </a:r>
+                    </a:p>
+                  </a:txBody>
+                  <a:tcPr marL="7620" marR="7620" marT="7620" marB="0" anchor="b"/>
+                </a:tc>
+                <a:tc>
+                  <a:txBody>
+                    <a:bodyPr/>
+                    <a:lstStyle/>
+                    <a:p>
+                      <a:pPr algn="l" fontAlgn="b"/>
+                      <a:r>
+                        <a:rPr lang="en-US" sz="1000" b="0" i="0" u="none" strike="noStrike">
+                          <a:solidFill>
+                            <a:srgbClr val="000000"/>
+                          </a:solidFill>
+                          <a:effectLst/>
+                          <a:latin typeface="Times New Roman" panose="02020603050405020304" pitchFamily="18" charset="0"/>
+                          <a:cs typeface="Times New Roman" panose="02020603050405020304" pitchFamily="18" charset="0"/>
+                        </a:rPr>
+                        <a:t>District</a:t>
+                      </a:r>
+                    </a:p>
+                  </a:txBody>
+                  <a:tcPr marL="7620" marR="7620" marT="7620" marB="0" anchor="b"/>
+                </a:tc>
+                <a:tc>
+                  <a:txBody>
+                    <a:bodyPr/>
+                    <a:lstStyle/>
+                    <a:p>
+                      <a:pPr algn="r" fontAlgn="b"/>
+                      <a:r>
+                        <a:rPr lang="en-US" sz="1000" b="0" i="0" u="none" strike="noStrike">
+                          <a:solidFill>
+                            <a:srgbClr val="000000"/>
+                          </a:solidFill>
+                          <a:effectLst/>
+                          <a:latin typeface="Times New Roman" panose="02020603050405020304" pitchFamily="18" charset="0"/>
+                          <a:cs typeface="Times New Roman" panose="02020603050405020304" pitchFamily="18" charset="0"/>
+                        </a:rPr>
+                        <a:t>3,999</a:t>
+                      </a:r>
+                    </a:p>
+                  </a:txBody>
+                  <a:tcPr marL="7620" marR="7620" marT="7620" marB="0" anchor="b"/>
+                </a:tc>
+                <a:tc>
+                  <a:txBody>
+                    <a:bodyPr/>
+                    <a:lstStyle/>
+                    <a:p>
+                      <a:pPr algn="r" fontAlgn="b"/>
+                      <a:r>
+                        <a:rPr lang="en-US" sz="1000" b="0" i="0" u="none" strike="noStrike">
+                          <a:solidFill>
+                            <a:srgbClr val="000000"/>
+                          </a:solidFill>
+                          <a:effectLst/>
+                          <a:latin typeface="Times New Roman" panose="02020603050405020304" pitchFamily="18" charset="0"/>
+                          <a:cs typeface="Times New Roman" panose="02020603050405020304" pitchFamily="18" charset="0"/>
+                        </a:rPr>
+                        <a:t>$2,547,363.00 </a:t>
+                      </a:r>
+                    </a:p>
+                  </a:txBody>
+                  <a:tcPr marL="7620" marR="7620" marT="7620" marB="0" anchor="b"/>
+                </a:tc>
+                <a:tc>
+                  <a:txBody>
+                    <a:bodyPr/>
+                    <a:lstStyle/>
+                    <a:p>
+                      <a:pPr algn="r" fontAlgn="b"/>
+                      <a:r>
+                        <a:rPr lang="en-US" sz="1000" b="0" i="0" u="none" strike="noStrike">
+                          <a:solidFill>
+                            <a:srgbClr val="000000"/>
+                          </a:solidFill>
+                          <a:effectLst/>
+                          <a:latin typeface="Times New Roman" panose="02020603050405020304" pitchFamily="18" charset="0"/>
+                          <a:cs typeface="Times New Roman" panose="02020603050405020304" pitchFamily="18" charset="0"/>
+                        </a:rPr>
+                        <a:t>$637.00 </a:t>
+                      </a:r>
+                    </a:p>
+                  </a:txBody>
+                  <a:tcPr marL="7620" marR="7620" marT="7620" marB="0" anchor="b"/>
+                </a:tc>
+                <a:tc>
+                  <a:txBody>
+                    <a:bodyPr/>
+                    <a:lstStyle/>
+                    <a:p>
+                      <a:pPr algn="r" fontAlgn="b"/>
+                      <a:r>
+                        <a:rPr lang="en-US" sz="1000" b="0" i="0" u="none" strike="noStrike">
+                          <a:solidFill>
+                            <a:srgbClr val="000000"/>
+                          </a:solidFill>
+                          <a:effectLst/>
+                          <a:latin typeface="Times New Roman" panose="02020603050405020304" pitchFamily="18" charset="0"/>
+                          <a:cs typeface="Times New Roman" panose="02020603050405020304" pitchFamily="18" charset="0"/>
+                        </a:rPr>
+                        <a:t>76.84</a:t>
+                      </a:r>
+                    </a:p>
+                  </a:txBody>
+                  <a:tcPr marL="7620" marR="7620" marT="7620" marB="0" anchor="b"/>
+                </a:tc>
+                <a:tc>
+                  <a:txBody>
+                    <a:bodyPr/>
+                    <a:lstStyle/>
+                    <a:p>
+                      <a:pPr algn="r" fontAlgn="b"/>
+                      <a:r>
+                        <a:rPr lang="en-US" sz="1000" b="0" i="0" u="none" strike="noStrike">
+                          <a:solidFill>
+                            <a:srgbClr val="000000"/>
+                          </a:solidFill>
+                          <a:effectLst/>
+                          <a:latin typeface="Times New Roman" panose="02020603050405020304" pitchFamily="18" charset="0"/>
+                          <a:cs typeface="Times New Roman" panose="02020603050405020304" pitchFamily="18" charset="0"/>
+                        </a:rPr>
+                        <a:t>80.74</a:t>
+                      </a:r>
+                    </a:p>
+                  </a:txBody>
+                  <a:tcPr marL="7620" marR="7620" marT="7620" marB="0" anchor="b"/>
+                </a:tc>
+                <a:tc>
+                  <a:txBody>
+                    <a:bodyPr/>
+                    <a:lstStyle/>
+                    <a:p>
+                      <a:pPr algn="r" fontAlgn="b"/>
+                      <a:r>
+                        <a:rPr lang="en-US" sz="1000" b="0" i="0" u="none" strike="noStrike">
+                          <a:solidFill>
+                            <a:srgbClr val="000000"/>
+                          </a:solidFill>
+                          <a:effectLst/>
+                          <a:latin typeface="Times New Roman" panose="02020603050405020304" pitchFamily="18" charset="0"/>
+                          <a:cs typeface="Times New Roman" panose="02020603050405020304" pitchFamily="18" charset="0"/>
+                        </a:rPr>
+                        <a:t>66.37%</a:t>
+                      </a:r>
+                    </a:p>
+                  </a:txBody>
+                  <a:tcPr marL="7620" marR="7620" marT="7620" marB="0" anchor="b"/>
+                </a:tc>
+                <a:tc>
+                  <a:txBody>
+                    <a:bodyPr/>
+                    <a:lstStyle/>
+                    <a:p>
+                      <a:pPr algn="r" fontAlgn="b"/>
+                      <a:r>
+                        <a:rPr lang="en-US" sz="1000" b="0" i="0" u="none" strike="noStrike" dirty="0">
+                          <a:solidFill>
+                            <a:srgbClr val="000000"/>
+                          </a:solidFill>
+                          <a:effectLst/>
+                          <a:latin typeface="Times New Roman" panose="02020603050405020304" pitchFamily="18" charset="0"/>
+                          <a:cs typeface="Times New Roman" panose="02020603050405020304" pitchFamily="18" charset="0"/>
+                        </a:rPr>
+                        <a:t>80.22%</a:t>
+                      </a:r>
+                    </a:p>
+                  </a:txBody>
+                  <a:tcPr marL="7620" marR="7620" marT="7620" marB="0" anchor="b"/>
+                </a:tc>
+                <a:tc>
+                  <a:txBody>
+                    <a:bodyPr/>
+                    <a:lstStyle/>
+                    <a:p>
+                      <a:pPr algn="r" fontAlgn="b"/>
+                      <a:r>
+                        <a:rPr lang="en-US" sz="1000" b="0" i="0" u="none" strike="noStrike">
+                          <a:solidFill>
+                            <a:srgbClr val="000000"/>
+                          </a:solidFill>
+                          <a:effectLst/>
+                          <a:latin typeface="Times New Roman" panose="02020603050405020304" pitchFamily="18" charset="0"/>
+                          <a:cs typeface="Times New Roman" panose="02020603050405020304" pitchFamily="18" charset="0"/>
+                        </a:rPr>
+                        <a:t>52.99%</a:t>
+                      </a:r>
+                    </a:p>
+                  </a:txBody>
+                  <a:tcPr marL="7620" marR="7620" marT="7620" marB="0" anchor="b"/>
+                </a:tc>
+                <a:extLst>
+                  <a:ext uri="{0D108BD9-81ED-4DB2-BD59-A6C34878D82A}">
+                    <a16:rowId xmlns:a16="http://schemas.microsoft.com/office/drawing/2014/main" val="4055239583"/>
+                  </a:ext>
+                </a:extLst>
+              </a:tr>
+              <a:tr h="344303">
+                <a:tc>
+                  <a:txBody>
+                    <a:bodyPr/>
+                    <a:lstStyle/>
+                    <a:p>
+                      <a:pPr algn="l" fontAlgn="b"/>
+                      <a:r>
+                        <a:rPr lang="en-US" sz="1000" b="0" i="0" u="none" strike="noStrike">
+                          <a:solidFill>
+                            <a:srgbClr val="000000"/>
+                          </a:solidFill>
+                          <a:effectLst/>
+                          <a:latin typeface="Times New Roman" panose="02020603050405020304" pitchFamily="18" charset="0"/>
+                          <a:cs typeface="Times New Roman" panose="02020603050405020304" pitchFamily="18" charset="0"/>
+                        </a:rPr>
+                        <a:t>Shelton High School</a:t>
+                      </a:r>
+                    </a:p>
+                  </a:txBody>
+                  <a:tcPr marL="7620" marR="7620" marT="7620" marB="0" anchor="b"/>
+                </a:tc>
+                <a:tc>
+                  <a:txBody>
+                    <a:bodyPr/>
+                    <a:lstStyle/>
+                    <a:p>
+                      <a:pPr algn="l" fontAlgn="b"/>
+                      <a:r>
+                        <a:rPr lang="en-US" sz="1000" b="0" i="0" u="none" strike="noStrike">
+                          <a:solidFill>
+                            <a:srgbClr val="000000"/>
+                          </a:solidFill>
+                          <a:effectLst/>
+                          <a:latin typeface="Times New Roman" panose="02020603050405020304" pitchFamily="18" charset="0"/>
+                          <a:cs typeface="Times New Roman" panose="02020603050405020304" pitchFamily="18" charset="0"/>
+                        </a:rPr>
+                        <a:t>Charter</a:t>
+                      </a:r>
+                    </a:p>
+                  </a:txBody>
+                  <a:tcPr marL="7620" marR="7620" marT="7620" marB="0" anchor="b"/>
+                </a:tc>
+                <a:tc>
+                  <a:txBody>
+                    <a:bodyPr/>
+                    <a:lstStyle/>
+                    <a:p>
+                      <a:pPr algn="r" fontAlgn="b"/>
+                      <a:r>
+                        <a:rPr lang="en-US" sz="1000" b="0" i="0" u="none" strike="noStrike">
+                          <a:solidFill>
+                            <a:srgbClr val="000000"/>
+                          </a:solidFill>
+                          <a:effectLst/>
+                          <a:latin typeface="Times New Roman" panose="02020603050405020304" pitchFamily="18" charset="0"/>
+                          <a:cs typeface="Times New Roman" panose="02020603050405020304" pitchFamily="18" charset="0"/>
+                        </a:rPr>
+                        <a:t>1,761</a:t>
+                      </a:r>
+                    </a:p>
+                  </a:txBody>
+                  <a:tcPr marL="7620" marR="7620" marT="7620" marB="0" anchor="b"/>
+                </a:tc>
+                <a:tc>
+                  <a:txBody>
+                    <a:bodyPr/>
+                    <a:lstStyle/>
+                    <a:p>
+                      <a:pPr algn="r" fontAlgn="b"/>
+                      <a:r>
+                        <a:rPr lang="en-US" sz="1000" b="0" i="0" u="none" strike="noStrike">
+                          <a:solidFill>
+                            <a:srgbClr val="000000"/>
+                          </a:solidFill>
+                          <a:effectLst/>
+                          <a:latin typeface="Times New Roman" panose="02020603050405020304" pitchFamily="18" charset="0"/>
+                          <a:cs typeface="Times New Roman" panose="02020603050405020304" pitchFamily="18" charset="0"/>
+                        </a:rPr>
+                        <a:t>$1,056,600.00 </a:t>
+                      </a:r>
+                    </a:p>
+                  </a:txBody>
+                  <a:tcPr marL="7620" marR="7620" marT="7620" marB="0" anchor="b"/>
+                </a:tc>
+                <a:tc>
+                  <a:txBody>
+                    <a:bodyPr/>
+                    <a:lstStyle/>
+                    <a:p>
+                      <a:pPr algn="r" fontAlgn="b"/>
+                      <a:r>
+                        <a:rPr lang="en-US" sz="1000" b="0" i="0" u="none" strike="noStrike">
+                          <a:solidFill>
+                            <a:srgbClr val="000000"/>
+                          </a:solidFill>
+                          <a:effectLst/>
+                          <a:latin typeface="Times New Roman" panose="02020603050405020304" pitchFamily="18" charset="0"/>
+                          <a:cs typeface="Times New Roman" panose="02020603050405020304" pitchFamily="18" charset="0"/>
+                        </a:rPr>
+                        <a:t>$600.00 </a:t>
+                      </a:r>
+                    </a:p>
+                  </a:txBody>
+                  <a:tcPr marL="7620" marR="7620" marT="7620" marB="0" anchor="b"/>
+                </a:tc>
+                <a:tc>
+                  <a:txBody>
+                    <a:bodyPr/>
+                    <a:lstStyle/>
+                    <a:p>
+                      <a:pPr algn="r" fontAlgn="b"/>
+                      <a:r>
+                        <a:rPr lang="en-US" sz="1000" b="0" i="0" u="none" strike="noStrike">
+                          <a:solidFill>
+                            <a:srgbClr val="000000"/>
+                          </a:solidFill>
+                          <a:effectLst/>
+                          <a:latin typeface="Times New Roman" panose="02020603050405020304" pitchFamily="18" charset="0"/>
+                          <a:cs typeface="Times New Roman" panose="02020603050405020304" pitchFamily="18" charset="0"/>
+                        </a:rPr>
+                        <a:t>83.36</a:t>
+                      </a:r>
+                    </a:p>
+                  </a:txBody>
+                  <a:tcPr marL="7620" marR="7620" marT="7620" marB="0" anchor="b"/>
+                </a:tc>
+                <a:tc>
+                  <a:txBody>
+                    <a:bodyPr/>
+                    <a:lstStyle/>
+                    <a:p>
+                      <a:pPr algn="r" fontAlgn="b"/>
+                      <a:r>
+                        <a:rPr lang="en-US" sz="1000" b="0" i="0" u="none" strike="noStrike">
+                          <a:solidFill>
+                            <a:srgbClr val="000000"/>
+                          </a:solidFill>
+                          <a:effectLst/>
+                          <a:latin typeface="Times New Roman" panose="02020603050405020304" pitchFamily="18" charset="0"/>
+                          <a:cs typeface="Times New Roman" panose="02020603050405020304" pitchFamily="18" charset="0"/>
+                        </a:rPr>
+                        <a:t>83.73</a:t>
+                      </a:r>
+                    </a:p>
+                  </a:txBody>
+                  <a:tcPr marL="7620" marR="7620" marT="7620" marB="0" anchor="b"/>
+                </a:tc>
+                <a:tc>
+                  <a:txBody>
+                    <a:bodyPr/>
+                    <a:lstStyle/>
+                    <a:p>
+                      <a:pPr algn="r" fontAlgn="b"/>
+                      <a:r>
+                        <a:rPr lang="en-US" sz="1000" b="0" i="0" u="none" strike="noStrike">
+                          <a:solidFill>
+                            <a:srgbClr val="000000"/>
+                          </a:solidFill>
+                          <a:effectLst/>
+                          <a:latin typeface="Times New Roman" panose="02020603050405020304" pitchFamily="18" charset="0"/>
+                          <a:cs typeface="Times New Roman" panose="02020603050405020304" pitchFamily="18" charset="0"/>
+                        </a:rPr>
+                        <a:t>93.87%</a:t>
+                      </a:r>
+                    </a:p>
+                  </a:txBody>
+                  <a:tcPr marL="7620" marR="7620" marT="7620" marB="0" anchor="b"/>
+                </a:tc>
+                <a:tc>
+                  <a:txBody>
+                    <a:bodyPr/>
+                    <a:lstStyle/>
+                    <a:p>
+                      <a:pPr algn="r" fontAlgn="b"/>
+                      <a:r>
+                        <a:rPr lang="en-US" sz="1000" b="0" i="0" u="none" strike="noStrike" dirty="0">
+                          <a:solidFill>
+                            <a:srgbClr val="000000"/>
+                          </a:solidFill>
+                          <a:effectLst/>
+                          <a:latin typeface="Times New Roman" panose="02020603050405020304" pitchFamily="18" charset="0"/>
+                          <a:cs typeface="Times New Roman" panose="02020603050405020304" pitchFamily="18" charset="0"/>
+                        </a:rPr>
+                        <a:t>95.85%</a:t>
+                      </a:r>
+                    </a:p>
+                  </a:txBody>
+                  <a:tcPr marL="7620" marR="7620" marT="7620" marB="0" anchor="b"/>
+                </a:tc>
+                <a:tc>
+                  <a:txBody>
+                    <a:bodyPr/>
+                    <a:lstStyle/>
+                    <a:p>
+                      <a:pPr algn="r" fontAlgn="b"/>
+                      <a:r>
+                        <a:rPr lang="en-US" sz="1000" b="0" i="0" u="none" strike="noStrike">
+                          <a:solidFill>
+                            <a:srgbClr val="000000"/>
+                          </a:solidFill>
+                          <a:effectLst/>
+                          <a:latin typeface="Times New Roman" panose="02020603050405020304" pitchFamily="18" charset="0"/>
+                          <a:cs typeface="Times New Roman" panose="02020603050405020304" pitchFamily="18" charset="0"/>
+                        </a:rPr>
+                        <a:t>89.89%</a:t>
+                      </a:r>
+                    </a:p>
+                  </a:txBody>
+                  <a:tcPr marL="7620" marR="7620" marT="7620" marB="0" anchor="b"/>
+                </a:tc>
+                <a:extLst>
+                  <a:ext uri="{0D108BD9-81ED-4DB2-BD59-A6C34878D82A}">
+                    <a16:rowId xmlns:a16="http://schemas.microsoft.com/office/drawing/2014/main" val="1192523792"/>
+                  </a:ext>
+                </a:extLst>
+              </a:tr>
+              <a:tr h="344303">
+                <a:tc>
+                  <a:txBody>
+                    <a:bodyPr/>
+                    <a:lstStyle/>
+                    <a:p>
+                      <a:pPr algn="l" fontAlgn="b"/>
+                      <a:r>
+                        <a:rPr lang="en-US" sz="1000" b="0" i="0" u="none" strike="noStrike">
+                          <a:solidFill>
+                            <a:srgbClr val="000000"/>
+                          </a:solidFill>
+                          <a:effectLst/>
+                          <a:latin typeface="Times New Roman" panose="02020603050405020304" pitchFamily="18" charset="0"/>
+                          <a:cs typeface="Times New Roman" panose="02020603050405020304" pitchFamily="18" charset="0"/>
+                        </a:rPr>
+                        <a:t>Thomas High School</a:t>
+                      </a:r>
+                    </a:p>
+                  </a:txBody>
+                  <a:tcPr marL="7620" marR="7620" marT="7620" marB="0" anchor="b"/>
+                </a:tc>
+                <a:tc>
+                  <a:txBody>
+                    <a:bodyPr/>
+                    <a:lstStyle/>
+                    <a:p>
+                      <a:pPr algn="l" fontAlgn="b"/>
+                      <a:r>
+                        <a:rPr lang="en-US" sz="1000" b="0" i="0" u="none" strike="noStrike">
+                          <a:solidFill>
+                            <a:srgbClr val="000000"/>
+                          </a:solidFill>
+                          <a:effectLst/>
+                          <a:latin typeface="Times New Roman" panose="02020603050405020304" pitchFamily="18" charset="0"/>
+                          <a:cs typeface="Times New Roman" panose="02020603050405020304" pitchFamily="18" charset="0"/>
+                        </a:rPr>
+                        <a:t>Charter</a:t>
+                      </a:r>
+                    </a:p>
+                  </a:txBody>
+                  <a:tcPr marL="7620" marR="7620" marT="7620" marB="0" anchor="b"/>
+                </a:tc>
+                <a:tc>
+                  <a:txBody>
+                    <a:bodyPr/>
+                    <a:lstStyle/>
+                    <a:p>
+                      <a:pPr algn="r" fontAlgn="b"/>
+                      <a:r>
+                        <a:rPr lang="en-US" sz="1000" b="0" i="0" u="none" strike="noStrike">
+                          <a:solidFill>
+                            <a:srgbClr val="000000"/>
+                          </a:solidFill>
+                          <a:effectLst/>
+                          <a:latin typeface="Times New Roman" panose="02020603050405020304" pitchFamily="18" charset="0"/>
+                          <a:cs typeface="Times New Roman" panose="02020603050405020304" pitchFamily="18" charset="0"/>
+                        </a:rPr>
+                        <a:t>1,635</a:t>
+                      </a:r>
+                    </a:p>
+                  </a:txBody>
+                  <a:tcPr marL="7620" marR="7620" marT="7620" marB="0" anchor="b"/>
+                </a:tc>
+                <a:tc>
+                  <a:txBody>
+                    <a:bodyPr/>
+                    <a:lstStyle/>
+                    <a:p>
+                      <a:pPr algn="r" fontAlgn="b"/>
+                      <a:r>
+                        <a:rPr lang="en-US" sz="1000" b="0" i="0" u="none" strike="noStrike">
+                          <a:solidFill>
+                            <a:srgbClr val="000000"/>
+                          </a:solidFill>
+                          <a:effectLst/>
+                          <a:latin typeface="Times New Roman" panose="02020603050405020304" pitchFamily="18" charset="0"/>
+                          <a:cs typeface="Times New Roman" panose="02020603050405020304" pitchFamily="18" charset="0"/>
+                        </a:rPr>
+                        <a:t>$1,043,130.00 </a:t>
+                      </a:r>
+                    </a:p>
+                  </a:txBody>
+                  <a:tcPr marL="7620" marR="7620" marT="7620" marB="0" anchor="b"/>
+                </a:tc>
+                <a:tc>
+                  <a:txBody>
+                    <a:bodyPr/>
+                    <a:lstStyle/>
+                    <a:p>
+                      <a:pPr algn="r" fontAlgn="b"/>
+                      <a:r>
+                        <a:rPr lang="en-US" sz="1000" b="0" i="0" u="none" strike="noStrike">
+                          <a:solidFill>
+                            <a:srgbClr val="000000"/>
+                          </a:solidFill>
+                          <a:effectLst/>
+                          <a:latin typeface="Times New Roman" panose="02020603050405020304" pitchFamily="18" charset="0"/>
+                          <a:cs typeface="Times New Roman" panose="02020603050405020304" pitchFamily="18" charset="0"/>
+                        </a:rPr>
+                        <a:t>$638.00 </a:t>
+                      </a:r>
+                    </a:p>
+                  </a:txBody>
+                  <a:tcPr marL="7620" marR="7620" marT="7620" marB="0" anchor="b"/>
+                </a:tc>
+                <a:tc>
+                  <a:txBody>
+                    <a:bodyPr/>
+                    <a:lstStyle/>
+                    <a:p>
+                      <a:pPr algn="r" fontAlgn="b"/>
+                      <a:r>
+                        <a:rPr lang="en-US" sz="1000" b="0" i="0" u="none" strike="noStrike">
+                          <a:solidFill>
+                            <a:srgbClr val="000000"/>
+                          </a:solidFill>
+                          <a:effectLst/>
+                          <a:latin typeface="Times New Roman" panose="02020603050405020304" pitchFamily="18" charset="0"/>
+                          <a:cs typeface="Times New Roman" panose="02020603050405020304" pitchFamily="18" charset="0"/>
+                        </a:rPr>
+                        <a:t>83.42</a:t>
+                      </a:r>
+                    </a:p>
+                  </a:txBody>
+                  <a:tcPr marL="7620" marR="7620" marT="7620" marB="0" anchor="b"/>
+                </a:tc>
+                <a:tc>
+                  <a:txBody>
+                    <a:bodyPr/>
+                    <a:lstStyle/>
+                    <a:p>
+                      <a:pPr algn="r" fontAlgn="b"/>
+                      <a:r>
+                        <a:rPr lang="en-US" sz="1000" b="0" i="0" u="none" strike="noStrike">
+                          <a:solidFill>
+                            <a:srgbClr val="000000"/>
+                          </a:solidFill>
+                          <a:effectLst/>
+                          <a:latin typeface="Times New Roman" panose="02020603050405020304" pitchFamily="18" charset="0"/>
+                          <a:cs typeface="Times New Roman" panose="02020603050405020304" pitchFamily="18" charset="0"/>
+                        </a:rPr>
+                        <a:t>83.85</a:t>
+                      </a:r>
+                    </a:p>
+                  </a:txBody>
+                  <a:tcPr marL="7620" marR="7620" marT="7620" marB="0" anchor="b"/>
+                </a:tc>
+                <a:tc>
+                  <a:txBody>
+                    <a:bodyPr/>
+                    <a:lstStyle/>
+                    <a:p>
+                      <a:pPr algn="r" fontAlgn="b"/>
+                      <a:r>
+                        <a:rPr lang="en-US" sz="1000" b="0" i="0" u="none" strike="noStrike">
+                          <a:solidFill>
+                            <a:srgbClr val="000000"/>
+                          </a:solidFill>
+                          <a:effectLst/>
+                          <a:latin typeface="Times New Roman" panose="02020603050405020304" pitchFamily="18" charset="0"/>
+                          <a:cs typeface="Times New Roman" panose="02020603050405020304" pitchFamily="18" charset="0"/>
+                        </a:rPr>
+                        <a:t>93.27%</a:t>
+                      </a:r>
+                    </a:p>
+                  </a:txBody>
+                  <a:tcPr marL="7620" marR="7620" marT="7620" marB="0" anchor="b"/>
+                </a:tc>
+                <a:tc>
+                  <a:txBody>
+                    <a:bodyPr/>
+                    <a:lstStyle/>
+                    <a:p>
+                      <a:pPr algn="r" fontAlgn="b"/>
+                      <a:r>
+                        <a:rPr lang="en-US" sz="1000" b="0" i="0" u="none" strike="noStrike" dirty="0">
+                          <a:solidFill>
+                            <a:srgbClr val="000000"/>
+                          </a:solidFill>
+                          <a:effectLst/>
+                          <a:latin typeface="Times New Roman" panose="02020603050405020304" pitchFamily="18" charset="0"/>
+                          <a:cs typeface="Times New Roman" panose="02020603050405020304" pitchFamily="18" charset="0"/>
+                        </a:rPr>
+                        <a:t>97.31%</a:t>
+                      </a:r>
+                    </a:p>
+                  </a:txBody>
+                  <a:tcPr marL="7620" marR="7620" marT="7620" marB="0" anchor="b"/>
+                </a:tc>
+                <a:tc>
+                  <a:txBody>
+                    <a:bodyPr/>
+                    <a:lstStyle/>
+                    <a:p>
+                      <a:pPr algn="r" fontAlgn="b"/>
+                      <a:r>
+                        <a:rPr lang="en-US" sz="1000" b="0" i="0" u="none" strike="noStrike" dirty="0">
+                          <a:solidFill>
+                            <a:srgbClr val="000000"/>
+                          </a:solidFill>
+                          <a:effectLst/>
+                          <a:latin typeface="Times New Roman" panose="02020603050405020304" pitchFamily="18" charset="0"/>
+                          <a:cs typeface="Times New Roman" panose="02020603050405020304" pitchFamily="18" charset="0"/>
+                        </a:rPr>
+                        <a:t>90.95%</a:t>
+                      </a:r>
+                    </a:p>
+                  </a:txBody>
+                  <a:tcPr marL="7620" marR="7620" marT="7620" marB="0" anchor="b"/>
+                </a:tc>
+                <a:extLst>
+                  <a:ext uri="{0D108BD9-81ED-4DB2-BD59-A6C34878D82A}">
+                    <a16:rowId xmlns:a16="http://schemas.microsoft.com/office/drawing/2014/main" val="495282844"/>
+                  </a:ext>
+                </a:extLst>
+              </a:tr>
+              <a:tr h="344303">
+                <a:tc>
+                  <a:txBody>
+                    <a:bodyPr/>
+                    <a:lstStyle/>
+                    <a:p>
+                      <a:pPr algn="l" fontAlgn="b"/>
+                      <a:r>
+                        <a:rPr lang="en-US" sz="1000" b="0" i="0" u="none" strike="noStrike">
+                          <a:solidFill>
+                            <a:srgbClr val="000000"/>
+                          </a:solidFill>
+                          <a:effectLst/>
+                          <a:latin typeface="Times New Roman" panose="02020603050405020304" pitchFamily="18" charset="0"/>
+                          <a:cs typeface="Times New Roman" panose="02020603050405020304" pitchFamily="18" charset="0"/>
+                        </a:rPr>
+                        <a:t>Wilson High School</a:t>
+                      </a:r>
+                    </a:p>
+                  </a:txBody>
+                  <a:tcPr marL="7620" marR="7620" marT="7620" marB="0" anchor="b"/>
+                </a:tc>
+                <a:tc>
+                  <a:txBody>
+                    <a:bodyPr/>
+                    <a:lstStyle/>
+                    <a:p>
+                      <a:pPr algn="l" fontAlgn="b"/>
+                      <a:r>
+                        <a:rPr lang="en-US" sz="1000" b="0" i="0" u="none" strike="noStrike">
+                          <a:solidFill>
+                            <a:srgbClr val="000000"/>
+                          </a:solidFill>
+                          <a:effectLst/>
+                          <a:latin typeface="Times New Roman" panose="02020603050405020304" pitchFamily="18" charset="0"/>
+                          <a:cs typeface="Times New Roman" panose="02020603050405020304" pitchFamily="18" charset="0"/>
+                        </a:rPr>
+                        <a:t>Charter</a:t>
+                      </a:r>
+                    </a:p>
+                  </a:txBody>
+                  <a:tcPr marL="7620" marR="7620" marT="7620" marB="0" anchor="b"/>
+                </a:tc>
+                <a:tc>
+                  <a:txBody>
+                    <a:bodyPr/>
+                    <a:lstStyle/>
+                    <a:p>
+                      <a:pPr algn="r" fontAlgn="b"/>
+                      <a:r>
+                        <a:rPr lang="en-US" sz="1000" b="0" i="0" u="none" strike="noStrike">
+                          <a:solidFill>
+                            <a:srgbClr val="000000"/>
+                          </a:solidFill>
+                          <a:effectLst/>
+                          <a:latin typeface="Times New Roman" panose="02020603050405020304" pitchFamily="18" charset="0"/>
+                          <a:cs typeface="Times New Roman" panose="02020603050405020304" pitchFamily="18" charset="0"/>
+                        </a:rPr>
+                        <a:t>2,283</a:t>
+                      </a:r>
+                    </a:p>
+                  </a:txBody>
+                  <a:tcPr marL="7620" marR="7620" marT="7620" marB="0" anchor="b"/>
+                </a:tc>
+                <a:tc>
+                  <a:txBody>
+                    <a:bodyPr/>
+                    <a:lstStyle/>
+                    <a:p>
+                      <a:pPr algn="r" fontAlgn="b"/>
+                      <a:r>
+                        <a:rPr lang="en-US" sz="1000" b="0" i="0" u="none" strike="noStrike">
+                          <a:solidFill>
+                            <a:srgbClr val="000000"/>
+                          </a:solidFill>
+                          <a:effectLst/>
+                          <a:latin typeface="Times New Roman" panose="02020603050405020304" pitchFamily="18" charset="0"/>
+                          <a:cs typeface="Times New Roman" panose="02020603050405020304" pitchFamily="18" charset="0"/>
+                        </a:rPr>
+                        <a:t>$1,319,574.00 </a:t>
+                      </a:r>
+                    </a:p>
+                  </a:txBody>
+                  <a:tcPr marL="7620" marR="7620" marT="7620" marB="0" anchor="b"/>
+                </a:tc>
+                <a:tc>
+                  <a:txBody>
+                    <a:bodyPr/>
+                    <a:lstStyle/>
+                    <a:p>
+                      <a:pPr algn="r" fontAlgn="b"/>
+                      <a:r>
+                        <a:rPr lang="en-US" sz="1000" b="0" i="0" u="none" strike="noStrike">
+                          <a:solidFill>
+                            <a:srgbClr val="000000"/>
+                          </a:solidFill>
+                          <a:effectLst/>
+                          <a:latin typeface="Times New Roman" panose="02020603050405020304" pitchFamily="18" charset="0"/>
+                          <a:cs typeface="Times New Roman" panose="02020603050405020304" pitchFamily="18" charset="0"/>
+                        </a:rPr>
+                        <a:t>$578.00 </a:t>
+                      </a:r>
+                    </a:p>
+                  </a:txBody>
+                  <a:tcPr marL="7620" marR="7620" marT="7620" marB="0" anchor="b"/>
+                </a:tc>
+                <a:tc>
+                  <a:txBody>
+                    <a:bodyPr/>
+                    <a:lstStyle/>
+                    <a:p>
+                      <a:pPr algn="r" fontAlgn="b"/>
+                      <a:r>
+                        <a:rPr lang="en-US" sz="1000" b="0" i="0" u="none" strike="noStrike">
+                          <a:solidFill>
+                            <a:srgbClr val="000000"/>
+                          </a:solidFill>
+                          <a:effectLst/>
+                          <a:latin typeface="Times New Roman" panose="02020603050405020304" pitchFamily="18" charset="0"/>
+                          <a:cs typeface="Times New Roman" panose="02020603050405020304" pitchFamily="18" charset="0"/>
+                        </a:rPr>
+                        <a:t>83.27</a:t>
+                      </a:r>
+                    </a:p>
+                  </a:txBody>
+                  <a:tcPr marL="7620" marR="7620" marT="7620" marB="0" anchor="b"/>
+                </a:tc>
+                <a:tc>
+                  <a:txBody>
+                    <a:bodyPr/>
+                    <a:lstStyle/>
+                    <a:p>
+                      <a:pPr algn="r" fontAlgn="b"/>
+                      <a:r>
+                        <a:rPr lang="en-US" sz="1000" b="0" i="0" u="none" strike="noStrike">
+                          <a:solidFill>
+                            <a:srgbClr val="000000"/>
+                          </a:solidFill>
+                          <a:effectLst/>
+                          <a:latin typeface="Times New Roman" panose="02020603050405020304" pitchFamily="18" charset="0"/>
+                          <a:cs typeface="Times New Roman" panose="02020603050405020304" pitchFamily="18" charset="0"/>
+                        </a:rPr>
+                        <a:t>83.99</a:t>
+                      </a:r>
+                    </a:p>
+                  </a:txBody>
+                  <a:tcPr marL="7620" marR="7620" marT="7620" marB="0" anchor="b"/>
+                </a:tc>
+                <a:tc>
+                  <a:txBody>
+                    <a:bodyPr/>
+                    <a:lstStyle/>
+                    <a:p>
+                      <a:pPr algn="r" fontAlgn="b"/>
+                      <a:r>
+                        <a:rPr lang="en-US" sz="1000" b="0" i="0" u="none" strike="noStrike">
+                          <a:solidFill>
+                            <a:srgbClr val="000000"/>
+                          </a:solidFill>
+                          <a:effectLst/>
+                          <a:latin typeface="Times New Roman" panose="02020603050405020304" pitchFamily="18" charset="0"/>
+                          <a:cs typeface="Times New Roman" panose="02020603050405020304" pitchFamily="18" charset="0"/>
+                        </a:rPr>
+                        <a:t>93.87%</a:t>
+                      </a:r>
+                    </a:p>
+                  </a:txBody>
+                  <a:tcPr marL="7620" marR="7620" marT="7620" marB="0" anchor="b"/>
+                </a:tc>
+                <a:tc>
+                  <a:txBody>
+                    <a:bodyPr/>
+                    <a:lstStyle/>
+                    <a:p>
+                      <a:pPr algn="r" fontAlgn="b"/>
+                      <a:r>
+                        <a:rPr lang="en-US" sz="1000" b="0" i="0" u="none" strike="noStrike">
+                          <a:solidFill>
+                            <a:srgbClr val="000000"/>
+                          </a:solidFill>
+                          <a:effectLst/>
+                          <a:latin typeface="Times New Roman" panose="02020603050405020304" pitchFamily="18" charset="0"/>
+                          <a:cs typeface="Times New Roman" panose="02020603050405020304" pitchFamily="18" charset="0"/>
+                        </a:rPr>
+                        <a:t>96.54%</a:t>
+                      </a:r>
+                    </a:p>
+                  </a:txBody>
+                  <a:tcPr marL="7620" marR="7620" marT="7620" marB="0" anchor="b"/>
+                </a:tc>
+                <a:tc>
+                  <a:txBody>
+                    <a:bodyPr/>
+                    <a:lstStyle/>
+                    <a:p>
+                      <a:pPr algn="r" fontAlgn="b"/>
+                      <a:r>
+                        <a:rPr lang="en-US" sz="1000" b="0" i="0" u="none" strike="noStrike" dirty="0">
+                          <a:solidFill>
+                            <a:srgbClr val="000000"/>
+                          </a:solidFill>
+                          <a:effectLst/>
+                          <a:latin typeface="Times New Roman" panose="02020603050405020304" pitchFamily="18" charset="0"/>
+                          <a:cs typeface="Times New Roman" panose="02020603050405020304" pitchFamily="18" charset="0"/>
+                        </a:rPr>
+                        <a:t>90.58%</a:t>
+                      </a:r>
+                    </a:p>
+                  </a:txBody>
+                  <a:tcPr marL="7620" marR="7620" marT="7620" marB="0" anchor="b"/>
+                </a:tc>
+                <a:extLst>
+                  <a:ext uri="{0D108BD9-81ED-4DB2-BD59-A6C34878D82A}">
+                    <a16:rowId xmlns:a16="http://schemas.microsoft.com/office/drawing/2014/main" val="255197357"/>
+                  </a:ext>
+                </a:extLst>
+              </a:tr>
+              <a:tr h="344303">
+                <a:tc>
+                  <a:txBody>
+                    <a:bodyPr/>
+                    <a:lstStyle/>
+                    <a:p>
+                      <a:pPr algn="l" fontAlgn="b"/>
+                      <a:r>
+                        <a:rPr lang="en-US" sz="1000" b="0" i="0" u="none" strike="noStrike">
+                          <a:solidFill>
+                            <a:srgbClr val="000000"/>
+                          </a:solidFill>
+                          <a:effectLst/>
+                          <a:latin typeface="Times New Roman" panose="02020603050405020304" pitchFamily="18" charset="0"/>
+                          <a:cs typeface="Times New Roman" panose="02020603050405020304" pitchFamily="18" charset="0"/>
+                        </a:rPr>
+                        <a:t>Wright High School</a:t>
+                      </a:r>
+                    </a:p>
+                  </a:txBody>
+                  <a:tcPr marL="7620" marR="7620" marT="7620" marB="0" anchor="b"/>
+                </a:tc>
+                <a:tc>
+                  <a:txBody>
+                    <a:bodyPr/>
+                    <a:lstStyle/>
+                    <a:p>
+                      <a:pPr algn="l" fontAlgn="b"/>
+                      <a:r>
+                        <a:rPr lang="en-US" sz="1000" b="0" i="0" u="none" strike="noStrike">
+                          <a:solidFill>
+                            <a:srgbClr val="000000"/>
+                          </a:solidFill>
+                          <a:effectLst/>
+                          <a:latin typeface="Times New Roman" panose="02020603050405020304" pitchFamily="18" charset="0"/>
+                          <a:cs typeface="Times New Roman" panose="02020603050405020304" pitchFamily="18" charset="0"/>
+                        </a:rPr>
+                        <a:t>Charter</a:t>
+                      </a:r>
+                    </a:p>
+                  </a:txBody>
+                  <a:tcPr marL="7620" marR="7620" marT="7620" marB="0" anchor="b"/>
+                </a:tc>
+                <a:tc>
+                  <a:txBody>
+                    <a:bodyPr/>
+                    <a:lstStyle/>
+                    <a:p>
+                      <a:pPr algn="r" fontAlgn="b"/>
+                      <a:r>
+                        <a:rPr lang="en-US" sz="1000" b="0" i="0" u="none" strike="noStrike">
+                          <a:solidFill>
+                            <a:srgbClr val="000000"/>
+                          </a:solidFill>
+                          <a:effectLst/>
+                          <a:latin typeface="Times New Roman" panose="02020603050405020304" pitchFamily="18" charset="0"/>
+                          <a:cs typeface="Times New Roman" panose="02020603050405020304" pitchFamily="18" charset="0"/>
+                        </a:rPr>
+                        <a:t>1,800</a:t>
+                      </a:r>
+                    </a:p>
+                  </a:txBody>
+                  <a:tcPr marL="7620" marR="7620" marT="7620" marB="0" anchor="b"/>
+                </a:tc>
+                <a:tc>
+                  <a:txBody>
+                    <a:bodyPr/>
+                    <a:lstStyle/>
+                    <a:p>
+                      <a:pPr algn="r" fontAlgn="b"/>
+                      <a:r>
+                        <a:rPr lang="en-US" sz="1000" b="0" i="0" u="none" strike="noStrike">
+                          <a:solidFill>
+                            <a:srgbClr val="000000"/>
+                          </a:solidFill>
+                          <a:effectLst/>
+                          <a:latin typeface="Times New Roman" panose="02020603050405020304" pitchFamily="18" charset="0"/>
+                          <a:cs typeface="Times New Roman" panose="02020603050405020304" pitchFamily="18" charset="0"/>
+                        </a:rPr>
+                        <a:t>$1,049,400.00 </a:t>
+                      </a:r>
+                    </a:p>
+                  </a:txBody>
+                  <a:tcPr marL="7620" marR="7620" marT="7620" marB="0" anchor="b"/>
+                </a:tc>
+                <a:tc>
+                  <a:txBody>
+                    <a:bodyPr/>
+                    <a:lstStyle/>
+                    <a:p>
+                      <a:pPr algn="r" fontAlgn="b"/>
+                      <a:r>
+                        <a:rPr lang="en-US" sz="1000" b="0" i="0" u="none" strike="noStrike">
+                          <a:solidFill>
+                            <a:srgbClr val="000000"/>
+                          </a:solidFill>
+                          <a:effectLst/>
+                          <a:latin typeface="Times New Roman" panose="02020603050405020304" pitchFamily="18" charset="0"/>
+                          <a:cs typeface="Times New Roman" panose="02020603050405020304" pitchFamily="18" charset="0"/>
+                        </a:rPr>
+                        <a:t>$583.00 </a:t>
+                      </a:r>
+                    </a:p>
+                  </a:txBody>
+                  <a:tcPr marL="7620" marR="7620" marT="7620" marB="0" anchor="b"/>
+                </a:tc>
+                <a:tc>
+                  <a:txBody>
+                    <a:bodyPr/>
+                    <a:lstStyle/>
+                    <a:p>
+                      <a:pPr algn="r" fontAlgn="b"/>
+                      <a:r>
+                        <a:rPr lang="en-US" sz="1000" b="0" i="0" u="none" strike="noStrike">
+                          <a:solidFill>
+                            <a:srgbClr val="000000"/>
+                          </a:solidFill>
+                          <a:effectLst/>
+                          <a:latin typeface="Times New Roman" panose="02020603050405020304" pitchFamily="18" charset="0"/>
+                          <a:cs typeface="Times New Roman" panose="02020603050405020304" pitchFamily="18" charset="0"/>
+                        </a:rPr>
+                        <a:t>83.68</a:t>
+                      </a:r>
+                    </a:p>
+                  </a:txBody>
+                  <a:tcPr marL="7620" marR="7620" marT="7620" marB="0" anchor="b"/>
+                </a:tc>
+                <a:tc>
+                  <a:txBody>
+                    <a:bodyPr/>
+                    <a:lstStyle/>
+                    <a:p>
+                      <a:pPr algn="r" fontAlgn="b"/>
+                      <a:r>
+                        <a:rPr lang="en-US" sz="1000" b="0" i="0" u="none" strike="noStrike">
+                          <a:solidFill>
+                            <a:srgbClr val="000000"/>
+                          </a:solidFill>
+                          <a:effectLst/>
+                          <a:latin typeface="Times New Roman" panose="02020603050405020304" pitchFamily="18" charset="0"/>
+                          <a:cs typeface="Times New Roman" panose="02020603050405020304" pitchFamily="18" charset="0"/>
+                        </a:rPr>
+                        <a:t>83.95</a:t>
+                      </a:r>
+                    </a:p>
+                  </a:txBody>
+                  <a:tcPr marL="7620" marR="7620" marT="7620" marB="0" anchor="b"/>
+                </a:tc>
+                <a:tc>
+                  <a:txBody>
+                    <a:bodyPr/>
+                    <a:lstStyle/>
+                    <a:p>
+                      <a:pPr algn="r" fontAlgn="b"/>
+                      <a:r>
+                        <a:rPr lang="en-US" sz="1000" b="0" i="0" u="none" strike="noStrike">
+                          <a:solidFill>
+                            <a:srgbClr val="000000"/>
+                          </a:solidFill>
+                          <a:effectLst/>
+                          <a:latin typeface="Times New Roman" panose="02020603050405020304" pitchFamily="18" charset="0"/>
+                          <a:cs typeface="Times New Roman" panose="02020603050405020304" pitchFamily="18" charset="0"/>
+                        </a:rPr>
+                        <a:t>93.33%</a:t>
+                      </a:r>
+                    </a:p>
+                  </a:txBody>
+                  <a:tcPr marL="7620" marR="7620" marT="7620" marB="0" anchor="b"/>
+                </a:tc>
+                <a:tc>
+                  <a:txBody>
+                    <a:bodyPr/>
+                    <a:lstStyle/>
+                    <a:p>
+                      <a:pPr algn="r" fontAlgn="b"/>
+                      <a:r>
+                        <a:rPr lang="en-US" sz="1000" b="0" i="0" u="none" strike="noStrike">
+                          <a:solidFill>
+                            <a:srgbClr val="000000"/>
+                          </a:solidFill>
+                          <a:effectLst/>
+                          <a:latin typeface="Times New Roman" panose="02020603050405020304" pitchFamily="18" charset="0"/>
+                          <a:cs typeface="Times New Roman" panose="02020603050405020304" pitchFamily="18" charset="0"/>
+                        </a:rPr>
+                        <a:t>96.61%</a:t>
+                      </a:r>
+                    </a:p>
+                  </a:txBody>
+                  <a:tcPr marL="7620" marR="7620" marT="7620" marB="0" anchor="b"/>
+                </a:tc>
+                <a:tc>
+                  <a:txBody>
+                    <a:bodyPr/>
+                    <a:lstStyle/>
+                    <a:p>
+                      <a:pPr algn="r" fontAlgn="b"/>
+                      <a:r>
+                        <a:rPr lang="en-US" sz="1000" b="0" i="0" u="none" strike="noStrike" dirty="0">
+                          <a:solidFill>
+                            <a:srgbClr val="000000"/>
+                          </a:solidFill>
+                          <a:effectLst/>
+                          <a:latin typeface="Times New Roman" panose="02020603050405020304" pitchFamily="18" charset="0"/>
+                          <a:cs typeface="Times New Roman" panose="02020603050405020304" pitchFamily="18" charset="0"/>
+                        </a:rPr>
+                        <a:t>90.33%</a:t>
+                      </a:r>
+                    </a:p>
+                  </a:txBody>
+                  <a:tcPr marL="7620" marR="7620" marT="7620" marB="0" anchor="b"/>
+                </a:tc>
+                <a:extLst>
+                  <a:ext uri="{0D108BD9-81ED-4DB2-BD59-A6C34878D82A}">
+                    <a16:rowId xmlns:a16="http://schemas.microsoft.com/office/drawing/2014/main" val="1358762661"/>
+                  </a:ext>
+                </a:extLst>
+              </a:tr>
+            </a:tbl>
+          </a:graphicData>
+        </a:graphic>
+      </p:graphicFrame>
     </p:spTree>
     <p:extLst>
       <p:ext uri="{BB962C8B-B14F-4D97-AF65-F5344CB8AC3E}">
@@ -4510,7 +8488,10 @@
           <a:bodyPr/>
           <a:lstStyle/>
           <a:p>
-            <a:endParaRPr lang="en-US"/>
+            <a:r>
+              <a:rPr lang="en-US" dirty="0"/>
+              <a:t>Schools by Overall performing</a:t>
+            </a:r>
           </a:p>
         </p:txBody>
       </p:sp>
@@ -4535,35 +8516,1235 @@
           <a:bodyPr/>
           <a:lstStyle/>
           <a:p>
-            <a:endParaRPr lang="en-US"/>
+            <a:r>
+              <a:rPr lang="en-US" dirty="0"/>
+              <a:t>Top performing</a:t>
+            </a:r>
           </a:p>
         </p:txBody>
       </p:sp>
-      <p:sp>
-        <p:nvSpPr>
-          <p:cNvPr id="4" name="Content Placeholder 3">
+      <p:graphicFrame>
+        <p:nvGraphicFramePr>
+          <p:cNvPr id="7" name="Table 7">
             <a:extLst>
               <a:ext uri="{FF2B5EF4-FFF2-40B4-BE49-F238E27FC236}">
-                <a16:creationId xmlns:a16="http://schemas.microsoft.com/office/drawing/2014/main" id="{2BB1FAD9-2B13-4564-BCC0-37B0FCDF2949}"/>
+                <a16:creationId xmlns:a16="http://schemas.microsoft.com/office/drawing/2014/main" id="{3DC0040A-C38D-427A-BB1F-04B8BB78DAA7}"/>
               </a:ext>
             </a:extLst>
           </p:cNvPr>
-          <p:cNvSpPr>
-            <a:spLocks noGrp="1"/>
-          </p:cNvSpPr>
+          <p:cNvGraphicFramePr>
+            <a:graphicFrameLocks noGrp="1"/>
+          </p:cNvGraphicFramePr>
           <p:nvPr>
             <p:ph sz="half" idx="2"/>
+            <p:extLst>
+              <p:ext uri="{D42A27DB-BD31-4B8C-83A1-F6EECF244321}">
+                <p14:modId xmlns:p14="http://schemas.microsoft.com/office/powerpoint/2010/main" val="3258096425"/>
+              </p:ext>
+            </p:extLst>
           </p:nvPr>
-        </p:nvSpPr>
-        <p:spPr/>
-        <p:txBody>
-          <a:bodyPr/>
-          <a:lstStyle/>
-          <a:p>
-            <a:endParaRPr lang="en-US"/>
-          </a:p>
-        </p:txBody>
-      </p:sp>
+        </p:nvGraphicFramePr>
+        <p:xfrm>
+          <a:off x="497151" y="2700061"/>
+          <a:ext cx="5240131" cy="3063240"/>
+        </p:xfrm>
+        <a:graphic>
+          <a:graphicData uri="http://schemas.openxmlformats.org/drawingml/2006/table">
+            <a:tbl>
+              <a:tblPr firstRow="1" bandRow="1">
+                <a:tableStyleId>{5C22544A-7EE6-4342-B048-85BDC9FD1C3A}</a:tableStyleId>
+              </a:tblPr>
+              <a:tblGrid>
+                <a:gridCol w="514903">
+                  <a:extLst>
+                    <a:ext uri="{9D8B030D-6E8A-4147-A177-3AD203B41FA5}">
+                      <a16:colId xmlns:a16="http://schemas.microsoft.com/office/drawing/2014/main" val="1551986100"/>
+                    </a:ext>
+                  </a:extLst>
+                </a:gridCol>
+                <a:gridCol w="532661">
+                  <a:extLst>
+                    <a:ext uri="{9D8B030D-6E8A-4147-A177-3AD203B41FA5}">
+                      <a16:colId xmlns:a16="http://schemas.microsoft.com/office/drawing/2014/main" val="748496976"/>
+                    </a:ext>
+                  </a:extLst>
+                </a:gridCol>
+                <a:gridCol w="852256">
+                  <a:extLst>
+                    <a:ext uri="{9D8B030D-6E8A-4147-A177-3AD203B41FA5}">
+                      <a16:colId xmlns:a16="http://schemas.microsoft.com/office/drawing/2014/main" val="3682842691"/>
+                    </a:ext>
+                  </a:extLst>
+                </a:gridCol>
+                <a:gridCol w="479394">
+                  <a:extLst>
+                    <a:ext uri="{9D8B030D-6E8A-4147-A177-3AD203B41FA5}">
+                      <a16:colId xmlns:a16="http://schemas.microsoft.com/office/drawing/2014/main" val="754752832"/>
+                    </a:ext>
+                  </a:extLst>
+                </a:gridCol>
+                <a:gridCol w="531969">
+                  <a:extLst>
+                    <a:ext uri="{9D8B030D-6E8A-4147-A177-3AD203B41FA5}">
+                      <a16:colId xmlns:a16="http://schemas.microsoft.com/office/drawing/2014/main" val="699049896"/>
+                    </a:ext>
+                  </a:extLst>
+                </a:gridCol>
+                <a:gridCol w="582237">
+                  <a:extLst>
+                    <a:ext uri="{9D8B030D-6E8A-4147-A177-3AD203B41FA5}">
+                      <a16:colId xmlns:a16="http://schemas.microsoft.com/office/drawing/2014/main" val="423062729"/>
+                    </a:ext>
+                  </a:extLst>
+                </a:gridCol>
+                <a:gridCol w="582237">
+                  <a:extLst>
+                    <a:ext uri="{9D8B030D-6E8A-4147-A177-3AD203B41FA5}">
+                      <a16:colId xmlns:a16="http://schemas.microsoft.com/office/drawing/2014/main" val="2799704614"/>
+                    </a:ext>
+                  </a:extLst>
+                </a:gridCol>
+                <a:gridCol w="582237">
+                  <a:extLst>
+                    <a:ext uri="{9D8B030D-6E8A-4147-A177-3AD203B41FA5}">
+                      <a16:colId xmlns:a16="http://schemas.microsoft.com/office/drawing/2014/main" val="1348279869"/>
+                    </a:ext>
+                  </a:extLst>
+                </a:gridCol>
+                <a:gridCol w="582237">
+                  <a:extLst>
+                    <a:ext uri="{9D8B030D-6E8A-4147-A177-3AD203B41FA5}">
+                      <a16:colId xmlns:a16="http://schemas.microsoft.com/office/drawing/2014/main" val="371659376"/>
+                    </a:ext>
+                  </a:extLst>
+                </a:gridCol>
+              </a:tblGrid>
+              <a:tr h="370840">
+                <a:tc>
+                  <a:txBody>
+                    <a:bodyPr/>
+                    <a:lstStyle/>
+                    <a:p>
+                      <a:pPr algn="l" fontAlgn="b"/>
+                      <a:r>
+                        <a:rPr lang="en-US" sz="1100" b="0" i="0" u="none" strike="noStrike" dirty="0">
+                          <a:solidFill>
+                            <a:srgbClr val="000000"/>
+                          </a:solidFill>
+                          <a:effectLst/>
+                          <a:latin typeface="Calibri" panose="020F0502020204030204" pitchFamily="34" charset="0"/>
+                        </a:rPr>
+                        <a:t>School Name</a:t>
+                      </a:r>
+                    </a:p>
+                  </a:txBody>
+                  <a:tcPr marL="7620" marR="7620" marT="7620" marB="0" anchor="b"/>
+                </a:tc>
+                <a:tc>
+                  <a:txBody>
+                    <a:bodyPr/>
+                    <a:lstStyle/>
+                    <a:p>
+                      <a:pPr algn="l" fontAlgn="b"/>
+                      <a:r>
+                        <a:rPr lang="en-US" sz="1100" b="0" i="0" u="none" strike="noStrike">
+                          <a:solidFill>
+                            <a:srgbClr val="000000"/>
+                          </a:solidFill>
+                          <a:effectLst/>
+                          <a:latin typeface="Calibri" panose="020F0502020204030204" pitchFamily="34" charset="0"/>
+                        </a:rPr>
+                        <a:t>Total Students</a:t>
+                      </a:r>
+                    </a:p>
+                  </a:txBody>
+                  <a:tcPr marL="7620" marR="7620" marT="7620" marB="0" anchor="b"/>
+                </a:tc>
+                <a:tc>
+                  <a:txBody>
+                    <a:bodyPr/>
+                    <a:lstStyle/>
+                    <a:p>
+                      <a:pPr algn="l" fontAlgn="b"/>
+                      <a:r>
+                        <a:rPr lang="en-US" sz="1100" b="0" i="0" u="none" strike="noStrike">
+                          <a:solidFill>
+                            <a:srgbClr val="000000"/>
+                          </a:solidFill>
+                          <a:effectLst/>
+                          <a:latin typeface="Calibri" panose="020F0502020204030204" pitchFamily="34" charset="0"/>
+                        </a:rPr>
+                        <a:t>Total School Budget</a:t>
+                      </a:r>
+                    </a:p>
+                  </a:txBody>
+                  <a:tcPr marL="7620" marR="7620" marT="7620" marB="0" anchor="b"/>
+                </a:tc>
+                <a:tc>
+                  <a:txBody>
+                    <a:bodyPr/>
+                    <a:lstStyle/>
+                    <a:p>
+                      <a:pPr algn="l" fontAlgn="b"/>
+                      <a:r>
+                        <a:rPr lang="en-US" sz="1100" b="0" i="0" u="none" strike="noStrike">
+                          <a:solidFill>
+                            <a:srgbClr val="000000"/>
+                          </a:solidFill>
+                          <a:effectLst/>
+                          <a:latin typeface="Calibri" panose="020F0502020204030204" pitchFamily="34" charset="0"/>
+                        </a:rPr>
+                        <a:t>Per Student Budget</a:t>
+                      </a:r>
+                    </a:p>
+                  </a:txBody>
+                  <a:tcPr marL="7620" marR="7620" marT="7620" marB="0" anchor="b"/>
+                </a:tc>
+                <a:tc>
+                  <a:txBody>
+                    <a:bodyPr/>
+                    <a:lstStyle/>
+                    <a:p>
+                      <a:pPr algn="l" fontAlgn="b"/>
+                      <a:r>
+                        <a:rPr lang="en-US" sz="1100" b="0" i="0" u="none" strike="noStrike">
+                          <a:solidFill>
+                            <a:srgbClr val="000000"/>
+                          </a:solidFill>
+                          <a:effectLst/>
+                          <a:latin typeface="Calibri" panose="020F0502020204030204" pitchFamily="34" charset="0"/>
+                        </a:rPr>
+                        <a:t>Average Math Score</a:t>
+                      </a:r>
+                    </a:p>
+                  </a:txBody>
+                  <a:tcPr marL="7620" marR="7620" marT="7620" marB="0" anchor="b"/>
+                </a:tc>
+                <a:tc>
+                  <a:txBody>
+                    <a:bodyPr/>
+                    <a:lstStyle/>
+                    <a:p>
+                      <a:pPr algn="l" fontAlgn="b"/>
+                      <a:r>
+                        <a:rPr lang="en-US" sz="1100" b="0" i="0" u="none" strike="noStrike">
+                          <a:solidFill>
+                            <a:srgbClr val="000000"/>
+                          </a:solidFill>
+                          <a:effectLst/>
+                          <a:latin typeface="Calibri" panose="020F0502020204030204" pitchFamily="34" charset="0"/>
+                        </a:rPr>
+                        <a:t>Average Reading Score</a:t>
+                      </a:r>
+                    </a:p>
+                  </a:txBody>
+                  <a:tcPr marL="7620" marR="7620" marT="7620" marB="0" anchor="b"/>
+                </a:tc>
+                <a:tc>
+                  <a:txBody>
+                    <a:bodyPr/>
+                    <a:lstStyle/>
+                    <a:p>
+                      <a:pPr algn="l" fontAlgn="b"/>
+                      <a:r>
+                        <a:rPr lang="en-US" sz="1100" b="0" i="0" u="none" strike="noStrike">
+                          <a:solidFill>
+                            <a:srgbClr val="000000"/>
+                          </a:solidFill>
+                          <a:effectLst/>
+                          <a:latin typeface="Calibri" panose="020F0502020204030204" pitchFamily="34" charset="0"/>
+                        </a:rPr>
+                        <a:t>% Passing Math</a:t>
+                      </a:r>
+                    </a:p>
+                  </a:txBody>
+                  <a:tcPr marL="7620" marR="7620" marT="7620" marB="0" anchor="b"/>
+                </a:tc>
+                <a:tc>
+                  <a:txBody>
+                    <a:bodyPr/>
+                    <a:lstStyle/>
+                    <a:p>
+                      <a:pPr algn="l" fontAlgn="b"/>
+                      <a:r>
+                        <a:rPr lang="en-US" sz="1100" b="0" i="0" u="none" strike="noStrike">
+                          <a:solidFill>
+                            <a:srgbClr val="000000"/>
+                          </a:solidFill>
+                          <a:effectLst/>
+                          <a:latin typeface="Calibri" panose="020F0502020204030204" pitchFamily="34" charset="0"/>
+                        </a:rPr>
+                        <a:t>% Passing Reading</a:t>
+                      </a:r>
+                    </a:p>
+                  </a:txBody>
+                  <a:tcPr marL="7620" marR="7620" marT="7620" marB="0" anchor="b"/>
+                </a:tc>
+                <a:tc>
+                  <a:txBody>
+                    <a:bodyPr/>
+                    <a:lstStyle/>
+                    <a:p>
+                      <a:pPr algn="l" fontAlgn="b"/>
+                      <a:r>
+                        <a:rPr lang="en-US" sz="1100" b="0" i="0" u="none" strike="noStrike">
+                          <a:solidFill>
+                            <a:srgbClr val="000000"/>
+                          </a:solidFill>
+                          <a:effectLst/>
+                          <a:latin typeface="Calibri" panose="020F0502020204030204" pitchFamily="34" charset="0"/>
+                        </a:rPr>
+                        <a:t>% Overall Passing</a:t>
+                      </a:r>
+                    </a:p>
+                  </a:txBody>
+                  <a:tcPr marL="7620" marR="7620" marT="7620" marB="0" anchor="b"/>
+                </a:tc>
+                <a:extLst>
+                  <a:ext uri="{0D108BD9-81ED-4DB2-BD59-A6C34878D82A}">
+                    <a16:rowId xmlns:a16="http://schemas.microsoft.com/office/drawing/2014/main" val="2984919855"/>
+                  </a:ext>
+                </a:extLst>
+              </a:tr>
+              <a:tr h="370840">
+                <a:tc>
+                  <a:txBody>
+                    <a:bodyPr/>
+                    <a:lstStyle/>
+                    <a:p>
+                      <a:pPr algn="l" fontAlgn="b"/>
+                      <a:r>
+                        <a:rPr lang="en-US" sz="1100" b="0" i="0" u="none" strike="noStrike">
+                          <a:solidFill>
+                            <a:srgbClr val="000000"/>
+                          </a:solidFill>
+                          <a:effectLst/>
+                          <a:latin typeface="Calibri" panose="020F0502020204030204" pitchFamily="34" charset="0"/>
+                        </a:rPr>
+                        <a:t>Cabrera High School</a:t>
+                      </a:r>
+                    </a:p>
+                  </a:txBody>
+                  <a:tcPr marL="7620" marR="7620" marT="7620" marB="0" anchor="b"/>
+                </a:tc>
+                <a:tc>
+                  <a:txBody>
+                    <a:bodyPr/>
+                    <a:lstStyle/>
+                    <a:p>
+                      <a:pPr algn="r" fontAlgn="b"/>
+                      <a:r>
+                        <a:rPr lang="en-US" sz="1100" b="0" i="0" u="none" strike="noStrike">
+                          <a:solidFill>
+                            <a:srgbClr val="000000"/>
+                          </a:solidFill>
+                          <a:effectLst/>
+                          <a:latin typeface="Calibri" panose="020F0502020204030204" pitchFamily="34" charset="0"/>
+                        </a:rPr>
+                        <a:t>1,858</a:t>
+                      </a:r>
+                    </a:p>
+                  </a:txBody>
+                  <a:tcPr marL="7620" marR="7620" marT="7620" marB="0" anchor="b"/>
+                </a:tc>
+                <a:tc>
+                  <a:txBody>
+                    <a:bodyPr/>
+                    <a:lstStyle/>
+                    <a:p>
+                      <a:pPr algn="r" fontAlgn="b"/>
+                      <a:r>
+                        <a:rPr lang="en-US" sz="1100" b="0" i="0" u="none" strike="noStrike">
+                          <a:solidFill>
+                            <a:srgbClr val="000000"/>
+                          </a:solidFill>
+                          <a:effectLst/>
+                          <a:latin typeface="Calibri" panose="020F0502020204030204" pitchFamily="34" charset="0"/>
+                        </a:rPr>
+                        <a:t>$1,081,356.00 </a:t>
+                      </a:r>
+                    </a:p>
+                  </a:txBody>
+                  <a:tcPr marL="7620" marR="7620" marT="7620" marB="0" anchor="b"/>
+                </a:tc>
+                <a:tc>
+                  <a:txBody>
+                    <a:bodyPr/>
+                    <a:lstStyle/>
+                    <a:p>
+                      <a:pPr algn="r" fontAlgn="b"/>
+                      <a:r>
+                        <a:rPr lang="en-US" sz="1100" b="0" i="0" u="none" strike="noStrike">
+                          <a:solidFill>
+                            <a:srgbClr val="000000"/>
+                          </a:solidFill>
+                          <a:effectLst/>
+                          <a:latin typeface="Calibri" panose="020F0502020204030204" pitchFamily="34" charset="0"/>
+                        </a:rPr>
+                        <a:t>$582.00 </a:t>
+                      </a:r>
+                    </a:p>
+                  </a:txBody>
+                  <a:tcPr marL="7620" marR="7620" marT="7620" marB="0" anchor="b"/>
+                </a:tc>
+                <a:tc>
+                  <a:txBody>
+                    <a:bodyPr/>
+                    <a:lstStyle/>
+                    <a:p>
+                      <a:pPr algn="r" fontAlgn="b"/>
+                      <a:r>
+                        <a:rPr lang="en-US" sz="1100" b="0" i="0" u="none" strike="noStrike">
+                          <a:solidFill>
+                            <a:srgbClr val="000000"/>
+                          </a:solidFill>
+                          <a:effectLst/>
+                          <a:latin typeface="Calibri" panose="020F0502020204030204" pitchFamily="34" charset="0"/>
+                        </a:rPr>
+                        <a:t>83.06</a:t>
+                      </a:r>
+                    </a:p>
+                  </a:txBody>
+                  <a:tcPr marL="7620" marR="7620" marT="7620" marB="0" anchor="b"/>
+                </a:tc>
+                <a:tc>
+                  <a:txBody>
+                    <a:bodyPr/>
+                    <a:lstStyle/>
+                    <a:p>
+                      <a:pPr algn="r" fontAlgn="b"/>
+                      <a:r>
+                        <a:rPr lang="en-US" sz="1100" b="0" i="0" u="none" strike="noStrike">
+                          <a:solidFill>
+                            <a:srgbClr val="000000"/>
+                          </a:solidFill>
+                          <a:effectLst/>
+                          <a:latin typeface="Calibri" panose="020F0502020204030204" pitchFamily="34" charset="0"/>
+                        </a:rPr>
+                        <a:t>83.98</a:t>
+                      </a:r>
+                    </a:p>
+                  </a:txBody>
+                  <a:tcPr marL="7620" marR="7620" marT="7620" marB="0" anchor="b"/>
+                </a:tc>
+                <a:tc>
+                  <a:txBody>
+                    <a:bodyPr/>
+                    <a:lstStyle/>
+                    <a:p>
+                      <a:pPr algn="r" fontAlgn="b"/>
+                      <a:r>
+                        <a:rPr lang="en-US" sz="1100" b="0" i="0" u="none" strike="noStrike">
+                          <a:solidFill>
+                            <a:srgbClr val="000000"/>
+                          </a:solidFill>
+                          <a:effectLst/>
+                          <a:latin typeface="Calibri" panose="020F0502020204030204" pitchFamily="34" charset="0"/>
+                        </a:rPr>
+                        <a:t>94.13%</a:t>
+                      </a:r>
+                    </a:p>
+                  </a:txBody>
+                  <a:tcPr marL="7620" marR="7620" marT="7620" marB="0" anchor="b"/>
+                </a:tc>
+                <a:tc>
+                  <a:txBody>
+                    <a:bodyPr/>
+                    <a:lstStyle/>
+                    <a:p>
+                      <a:pPr algn="r" fontAlgn="b"/>
+                      <a:r>
+                        <a:rPr lang="en-US" sz="1100" b="0" i="0" u="none" strike="noStrike">
+                          <a:solidFill>
+                            <a:srgbClr val="000000"/>
+                          </a:solidFill>
+                          <a:effectLst/>
+                          <a:latin typeface="Calibri" panose="020F0502020204030204" pitchFamily="34" charset="0"/>
+                        </a:rPr>
+                        <a:t>97.04%</a:t>
+                      </a:r>
+                    </a:p>
+                  </a:txBody>
+                  <a:tcPr marL="7620" marR="7620" marT="7620" marB="0" anchor="b"/>
+                </a:tc>
+                <a:tc>
+                  <a:txBody>
+                    <a:bodyPr/>
+                    <a:lstStyle/>
+                    <a:p>
+                      <a:pPr algn="r" fontAlgn="b"/>
+                      <a:r>
+                        <a:rPr lang="en-US" sz="1100" b="0" i="0" u="none" strike="noStrike">
+                          <a:solidFill>
+                            <a:srgbClr val="000000"/>
+                          </a:solidFill>
+                          <a:effectLst/>
+                          <a:latin typeface="Calibri" panose="020F0502020204030204" pitchFamily="34" charset="0"/>
+                        </a:rPr>
+                        <a:t>91.33%</a:t>
+                      </a:r>
+                    </a:p>
+                  </a:txBody>
+                  <a:tcPr marL="7620" marR="7620" marT="7620" marB="0" anchor="b"/>
+                </a:tc>
+                <a:extLst>
+                  <a:ext uri="{0D108BD9-81ED-4DB2-BD59-A6C34878D82A}">
+                    <a16:rowId xmlns:a16="http://schemas.microsoft.com/office/drawing/2014/main" val="2376777877"/>
+                  </a:ext>
+                </a:extLst>
+              </a:tr>
+              <a:tr h="370840">
+                <a:tc>
+                  <a:txBody>
+                    <a:bodyPr/>
+                    <a:lstStyle/>
+                    <a:p>
+                      <a:pPr algn="l" fontAlgn="b"/>
+                      <a:r>
+                        <a:rPr lang="en-US" sz="1100" b="0" i="0" u="none" strike="noStrike" dirty="0">
+                          <a:solidFill>
+                            <a:srgbClr val="000000"/>
+                          </a:solidFill>
+                          <a:effectLst/>
+                          <a:latin typeface="Calibri" panose="020F0502020204030204" pitchFamily="34" charset="0"/>
+                        </a:rPr>
+                        <a:t>Thomas High School</a:t>
+                      </a:r>
+                    </a:p>
+                  </a:txBody>
+                  <a:tcPr marL="7620" marR="7620" marT="7620" marB="0" anchor="b"/>
+                </a:tc>
+                <a:tc>
+                  <a:txBody>
+                    <a:bodyPr/>
+                    <a:lstStyle/>
+                    <a:p>
+                      <a:pPr algn="r" fontAlgn="b"/>
+                      <a:r>
+                        <a:rPr lang="en-US" sz="1100" b="0" i="0" u="none" strike="noStrike">
+                          <a:solidFill>
+                            <a:srgbClr val="000000"/>
+                          </a:solidFill>
+                          <a:effectLst/>
+                          <a:latin typeface="Calibri" panose="020F0502020204030204" pitchFamily="34" charset="0"/>
+                        </a:rPr>
+                        <a:t>1,635</a:t>
+                      </a:r>
+                    </a:p>
+                  </a:txBody>
+                  <a:tcPr marL="7620" marR="7620" marT="7620" marB="0" anchor="b"/>
+                </a:tc>
+                <a:tc>
+                  <a:txBody>
+                    <a:bodyPr/>
+                    <a:lstStyle/>
+                    <a:p>
+                      <a:pPr algn="r" fontAlgn="b"/>
+                      <a:r>
+                        <a:rPr lang="en-US" sz="1100" b="0" i="0" u="none" strike="noStrike">
+                          <a:solidFill>
+                            <a:srgbClr val="000000"/>
+                          </a:solidFill>
+                          <a:effectLst/>
+                          <a:latin typeface="Calibri" panose="020F0502020204030204" pitchFamily="34" charset="0"/>
+                        </a:rPr>
+                        <a:t>$1,043,130.00 </a:t>
+                      </a:r>
+                    </a:p>
+                  </a:txBody>
+                  <a:tcPr marL="7620" marR="7620" marT="7620" marB="0" anchor="b"/>
+                </a:tc>
+                <a:tc>
+                  <a:txBody>
+                    <a:bodyPr/>
+                    <a:lstStyle/>
+                    <a:p>
+                      <a:pPr algn="r" fontAlgn="b"/>
+                      <a:r>
+                        <a:rPr lang="en-US" sz="1100" b="0" i="0" u="none" strike="noStrike">
+                          <a:solidFill>
+                            <a:srgbClr val="000000"/>
+                          </a:solidFill>
+                          <a:effectLst/>
+                          <a:latin typeface="Calibri" panose="020F0502020204030204" pitchFamily="34" charset="0"/>
+                        </a:rPr>
+                        <a:t>$638.00 </a:t>
+                      </a:r>
+                    </a:p>
+                  </a:txBody>
+                  <a:tcPr marL="7620" marR="7620" marT="7620" marB="0" anchor="b"/>
+                </a:tc>
+                <a:tc>
+                  <a:txBody>
+                    <a:bodyPr/>
+                    <a:lstStyle/>
+                    <a:p>
+                      <a:pPr algn="r" fontAlgn="b"/>
+                      <a:r>
+                        <a:rPr lang="en-US" sz="1100" b="0" i="0" u="none" strike="noStrike">
+                          <a:solidFill>
+                            <a:srgbClr val="000000"/>
+                          </a:solidFill>
+                          <a:effectLst/>
+                          <a:latin typeface="Calibri" panose="020F0502020204030204" pitchFamily="34" charset="0"/>
+                        </a:rPr>
+                        <a:t>83.42</a:t>
+                      </a:r>
+                    </a:p>
+                  </a:txBody>
+                  <a:tcPr marL="7620" marR="7620" marT="7620" marB="0" anchor="b"/>
+                </a:tc>
+                <a:tc>
+                  <a:txBody>
+                    <a:bodyPr/>
+                    <a:lstStyle/>
+                    <a:p>
+                      <a:pPr algn="r" fontAlgn="b"/>
+                      <a:r>
+                        <a:rPr lang="en-US" sz="1100" b="0" i="0" u="none" strike="noStrike">
+                          <a:solidFill>
+                            <a:srgbClr val="000000"/>
+                          </a:solidFill>
+                          <a:effectLst/>
+                          <a:latin typeface="Calibri" panose="020F0502020204030204" pitchFamily="34" charset="0"/>
+                        </a:rPr>
+                        <a:t>83.85</a:t>
+                      </a:r>
+                    </a:p>
+                  </a:txBody>
+                  <a:tcPr marL="7620" marR="7620" marT="7620" marB="0" anchor="b"/>
+                </a:tc>
+                <a:tc>
+                  <a:txBody>
+                    <a:bodyPr/>
+                    <a:lstStyle/>
+                    <a:p>
+                      <a:pPr algn="r" fontAlgn="b"/>
+                      <a:r>
+                        <a:rPr lang="en-US" sz="1100" b="0" i="0" u="none" strike="noStrike">
+                          <a:solidFill>
+                            <a:srgbClr val="000000"/>
+                          </a:solidFill>
+                          <a:effectLst/>
+                          <a:latin typeface="Calibri" panose="020F0502020204030204" pitchFamily="34" charset="0"/>
+                        </a:rPr>
+                        <a:t>93.27%</a:t>
+                      </a:r>
+                    </a:p>
+                  </a:txBody>
+                  <a:tcPr marL="7620" marR="7620" marT="7620" marB="0" anchor="b"/>
+                </a:tc>
+                <a:tc>
+                  <a:txBody>
+                    <a:bodyPr/>
+                    <a:lstStyle/>
+                    <a:p>
+                      <a:pPr algn="r" fontAlgn="b"/>
+                      <a:r>
+                        <a:rPr lang="en-US" sz="1100" b="0" i="0" u="none" strike="noStrike">
+                          <a:solidFill>
+                            <a:srgbClr val="000000"/>
+                          </a:solidFill>
+                          <a:effectLst/>
+                          <a:latin typeface="Calibri" panose="020F0502020204030204" pitchFamily="34" charset="0"/>
+                        </a:rPr>
+                        <a:t>97.31%</a:t>
+                      </a:r>
+                    </a:p>
+                  </a:txBody>
+                  <a:tcPr marL="7620" marR="7620" marT="7620" marB="0" anchor="b"/>
+                </a:tc>
+                <a:tc>
+                  <a:txBody>
+                    <a:bodyPr/>
+                    <a:lstStyle/>
+                    <a:p>
+                      <a:pPr algn="r" fontAlgn="b"/>
+                      <a:r>
+                        <a:rPr lang="en-US" sz="1100" b="0" i="0" u="none" strike="noStrike">
+                          <a:solidFill>
+                            <a:srgbClr val="000000"/>
+                          </a:solidFill>
+                          <a:effectLst/>
+                          <a:latin typeface="Calibri" panose="020F0502020204030204" pitchFamily="34" charset="0"/>
+                        </a:rPr>
+                        <a:t>90.95%</a:t>
+                      </a:r>
+                    </a:p>
+                  </a:txBody>
+                  <a:tcPr marL="7620" marR="7620" marT="7620" marB="0" anchor="b"/>
+                </a:tc>
+                <a:extLst>
+                  <a:ext uri="{0D108BD9-81ED-4DB2-BD59-A6C34878D82A}">
+                    <a16:rowId xmlns:a16="http://schemas.microsoft.com/office/drawing/2014/main" val="1458996881"/>
+                  </a:ext>
+                </a:extLst>
+              </a:tr>
+              <a:tr h="370840">
+                <a:tc>
+                  <a:txBody>
+                    <a:bodyPr/>
+                    <a:lstStyle/>
+                    <a:p>
+                      <a:pPr algn="l" fontAlgn="b"/>
+                      <a:r>
+                        <a:rPr lang="en-US" sz="1100" b="0" i="0" u="none" strike="noStrike">
+                          <a:solidFill>
+                            <a:srgbClr val="000000"/>
+                          </a:solidFill>
+                          <a:effectLst/>
+                          <a:latin typeface="Calibri" panose="020F0502020204030204" pitchFamily="34" charset="0"/>
+                        </a:rPr>
+                        <a:t>Griffin High School</a:t>
+                      </a:r>
+                    </a:p>
+                  </a:txBody>
+                  <a:tcPr marL="7620" marR="7620" marT="7620" marB="0" anchor="b"/>
+                </a:tc>
+                <a:tc>
+                  <a:txBody>
+                    <a:bodyPr/>
+                    <a:lstStyle/>
+                    <a:p>
+                      <a:pPr algn="r" fontAlgn="b"/>
+                      <a:r>
+                        <a:rPr lang="en-US" sz="1100" b="0" i="0" u="none" strike="noStrike">
+                          <a:solidFill>
+                            <a:srgbClr val="000000"/>
+                          </a:solidFill>
+                          <a:effectLst/>
+                          <a:latin typeface="Calibri" panose="020F0502020204030204" pitchFamily="34" charset="0"/>
+                        </a:rPr>
+                        <a:t>1,468</a:t>
+                      </a:r>
+                    </a:p>
+                  </a:txBody>
+                  <a:tcPr marL="7620" marR="7620" marT="7620" marB="0" anchor="b"/>
+                </a:tc>
+                <a:tc>
+                  <a:txBody>
+                    <a:bodyPr/>
+                    <a:lstStyle/>
+                    <a:p>
+                      <a:pPr algn="r" fontAlgn="b"/>
+                      <a:r>
+                        <a:rPr lang="en-US" sz="1100" b="0" i="0" u="none" strike="noStrike">
+                          <a:solidFill>
+                            <a:srgbClr val="000000"/>
+                          </a:solidFill>
+                          <a:effectLst/>
+                          <a:latin typeface="Calibri" panose="020F0502020204030204" pitchFamily="34" charset="0"/>
+                        </a:rPr>
+                        <a:t>$917,500.00 </a:t>
+                      </a:r>
+                    </a:p>
+                  </a:txBody>
+                  <a:tcPr marL="7620" marR="7620" marT="7620" marB="0" anchor="b"/>
+                </a:tc>
+                <a:tc>
+                  <a:txBody>
+                    <a:bodyPr/>
+                    <a:lstStyle/>
+                    <a:p>
+                      <a:pPr algn="r" fontAlgn="b"/>
+                      <a:r>
+                        <a:rPr lang="en-US" sz="1100" b="0" i="0" u="none" strike="noStrike">
+                          <a:solidFill>
+                            <a:srgbClr val="000000"/>
+                          </a:solidFill>
+                          <a:effectLst/>
+                          <a:latin typeface="Calibri" panose="020F0502020204030204" pitchFamily="34" charset="0"/>
+                        </a:rPr>
+                        <a:t>$625.00 </a:t>
+                      </a:r>
+                    </a:p>
+                  </a:txBody>
+                  <a:tcPr marL="7620" marR="7620" marT="7620" marB="0" anchor="b"/>
+                </a:tc>
+                <a:tc>
+                  <a:txBody>
+                    <a:bodyPr/>
+                    <a:lstStyle/>
+                    <a:p>
+                      <a:pPr algn="r" fontAlgn="b"/>
+                      <a:r>
+                        <a:rPr lang="en-US" sz="1100" b="0" i="0" u="none" strike="noStrike">
+                          <a:solidFill>
+                            <a:srgbClr val="000000"/>
+                          </a:solidFill>
+                          <a:effectLst/>
+                          <a:latin typeface="Calibri" panose="020F0502020204030204" pitchFamily="34" charset="0"/>
+                        </a:rPr>
+                        <a:t>83.35</a:t>
+                      </a:r>
+                    </a:p>
+                  </a:txBody>
+                  <a:tcPr marL="7620" marR="7620" marT="7620" marB="0" anchor="b"/>
+                </a:tc>
+                <a:tc>
+                  <a:txBody>
+                    <a:bodyPr/>
+                    <a:lstStyle/>
+                    <a:p>
+                      <a:pPr algn="r" fontAlgn="b"/>
+                      <a:r>
+                        <a:rPr lang="en-US" sz="1100" b="0" i="0" u="none" strike="noStrike">
+                          <a:solidFill>
+                            <a:srgbClr val="000000"/>
+                          </a:solidFill>
+                          <a:effectLst/>
+                          <a:latin typeface="Calibri" panose="020F0502020204030204" pitchFamily="34" charset="0"/>
+                        </a:rPr>
+                        <a:t>83.82</a:t>
+                      </a:r>
+                    </a:p>
+                  </a:txBody>
+                  <a:tcPr marL="7620" marR="7620" marT="7620" marB="0" anchor="b"/>
+                </a:tc>
+                <a:tc>
+                  <a:txBody>
+                    <a:bodyPr/>
+                    <a:lstStyle/>
+                    <a:p>
+                      <a:pPr algn="r" fontAlgn="b"/>
+                      <a:r>
+                        <a:rPr lang="en-US" sz="1100" b="0" i="0" u="none" strike="noStrike">
+                          <a:solidFill>
+                            <a:srgbClr val="000000"/>
+                          </a:solidFill>
+                          <a:effectLst/>
+                          <a:latin typeface="Calibri" panose="020F0502020204030204" pitchFamily="34" charset="0"/>
+                        </a:rPr>
+                        <a:t>93.39%</a:t>
+                      </a:r>
+                    </a:p>
+                  </a:txBody>
+                  <a:tcPr marL="7620" marR="7620" marT="7620" marB="0" anchor="b"/>
+                </a:tc>
+                <a:tc>
+                  <a:txBody>
+                    <a:bodyPr/>
+                    <a:lstStyle/>
+                    <a:p>
+                      <a:pPr algn="r" fontAlgn="b"/>
+                      <a:r>
+                        <a:rPr lang="en-US" sz="1100" b="0" i="0" u="none" strike="noStrike">
+                          <a:solidFill>
+                            <a:srgbClr val="000000"/>
+                          </a:solidFill>
+                          <a:effectLst/>
+                          <a:latin typeface="Calibri" panose="020F0502020204030204" pitchFamily="34" charset="0"/>
+                        </a:rPr>
+                        <a:t>97.14%</a:t>
+                      </a:r>
+                    </a:p>
+                  </a:txBody>
+                  <a:tcPr marL="7620" marR="7620" marT="7620" marB="0" anchor="b"/>
+                </a:tc>
+                <a:tc>
+                  <a:txBody>
+                    <a:bodyPr/>
+                    <a:lstStyle/>
+                    <a:p>
+                      <a:pPr algn="r" fontAlgn="b"/>
+                      <a:r>
+                        <a:rPr lang="en-US" sz="1100" b="0" i="0" u="none" strike="noStrike">
+                          <a:solidFill>
+                            <a:srgbClr val="000000"/>
+                          </a:solidFill>
+                          <a:effectLst/>
+                          <a:latin typeface="Calibri" panose="020F0502020204030204" pitchFamily="34" charset="0"/>
+                        </a:rPr>
+                        <a:t>90.60%</a:t>
+                      </a:r>
+                    </a:p>
+                  </a:txBody>
+                  <a:tcPr marL="7620" marR="7620" marT="7620" marB="0" anchor="b"/>
+                </a:tc>
+                <a:extLst>
+                  <a:ext uri="{0D108BD9-81ED-4DB2-BD59-A6C34878D82A}">
+                    <a16:rowId xmlns:a16="http://schemas.microsoft.com/office/drawing/2014/main" val="1572567522"/>
+                  </a:ext>
+                </a:extLst>
+              </a:tr>
+              <a:tr h="370840">
+                <a:tc>
+                  <a:txBody>
+                    <a:bodyPr/>
+                    <a:lstStyle/>
+                    <a:p>
+                      <a:pPr algn="l" fontAlgn="b"/>
+                      <a:r>
+                        <a:rPr lang="en-US" sz="1100" b="0" i="0" u="none" strike="noStrike">
+                          <a:solidFill>
+                            <a:srgbClr val="000000"/>
+                          </a:solidFill>
+                          <a:effectLst/>
+                          <a:latin typeface="Calibri" panose="020F0502020204030204" pitchFamily="34" charset="0"/>
+                        </a:rPr>
+                        <a:t>Wilson High School</a:t>
+                      </a:r>
+                    </a:p>
+                  </a:txBody>
+                  <a:tcPr marL="7620" marR="7620" marT="7620" marB="0" anchor="b"/>
+                </a:tc>
+                <a:tc>
+                  <a:txBody>
+                    <a:bodyPr/>
+                    <a:lstStyle/>
+                    <a:p>
+                      <a:pPr algn="r" fontAlgn="b"/>
+                      <a:r>
+                        <a:rPr lang="en-US" sz="1100" b="0" i="0" u="none" strike="noStrike">
+                          <a:solidFill>
+                            <a:srgbClr val="000000"/>
+                          </a:solidFill>
+                          <a:effectLst/>
+                          <a:latin typeface="Calibri" panose="020F0502020204030204" pitchFamily="34" charset="0"/>
+                        </a:rPr>
+                        <a:t>2,283</a:t>
+                      </a:r>
+                    </a:p>
+                  </a:txBody>
+                  <a:tcPr marL="7620" marR="7620" marT="7620" marB="0" anchor="b"/>
+                </a:tc>
+                <a:tc>
+                  <a:txBody>
+                    <a:bodyPr/>
+                    <a:lstStyle/>
+                    <a:p>
+                      <a:pPr algn="r" fontAlgn="b"/>
+                      <a:r>
+                        <a:rPr lang="en-US" sz="1100" b="0" i="0" u="none" strike="noStrike" dirty="0">
+                          <a:solidFill>
+                            <a:srgbClr val="000000"/>
+                          </a:solidFill>
+                          <a:effectLst/>
+                          <a:latin typeface="Calibri" panose="020F0502020204030204" pitchFamily="34" charset="0"/>
+                        </a:rPr>
+                        <a:t>$1,319,574.00 </a:t>
+                      </a:r>
+                    </a:p>
+                  </a:txBody>
+                  <a:tcPr marL="7620" marR="7620" marT="7620" marB="0" anchor="b"/>
+                </a:tc>
+                <a:tc>
+                  <a:txBody>
+                    <a:bodyPr/>
+                    <a:lstStyle/>
+                    <a:p>
+                      <a:pPr algn="r" fontAlgn="b"/>
+                      <a:r>
+                        <a:rPr lang="en-US" sz="1100" b="0" i="0" u="none" strike="noStrike">
+                          <a:solidFill>
+                            <a:srgbClr val="000000"/>
+                          </a:solidFill>
+                          <a:effectLst/>
+                          <a:latin typeface="Calibri" panose="020F0502020204030204" pitchFamily="34" charset="0"/>
+                        </a:rPr>
+                        <a:t>$578.00 </a:t>
+                      </a:r>
+                    </a:p>
+                  </a:txBody>
+                  <a:tcPr marL="7620" marR="7620" marT="7620" marB="0" anchor="b"/>
+                </a:tc>
+                <a:tc>
+                  <a:txBody>
+                    <a:bodyPr/>
+                    <a:lstStyle/>
+                    <a:p>
+                      <a:pPr algn="r" fontAlgn="b"/>
+                      <a:r>
+                        <a:rPr lang="en-US" sz="1100" b="0" i="0" u="none" strike="noStrike">
+                          <a:solidFill>
+                            <a:srgbClr val="000000"/>
+                          </a:solidFill>
+                          <a:effectLst/>
+                          <a:latin typeface="Calibri" panose="020F0502020204030204" pitchFamily="34" charset="0"/>
+                        </a:rPr>
+                        <a:t>83.27</a:t>
+                      </a:r>
+                    </a:p>
+                  </a:txBody>
+                  <a:tcPr marL="7620" marR="7620" marT="7620" marB="0" anchor="b"/>
+                </a:tc>
+                <a:tc>
+                  <a:txBody>
+                    <a:bodyPr/>
+                    <a:lstStyle/>
+                    <a:p>
+                      <a:pPr algn="r" fontAlgn="b"/>
+                      <a:r>
+                        <a:rPr lang="en-US" sz="1100" b="0" i="0" u="none" strike="noStrike">
+                          <a:solidFill>
+                            <a:srgbClr val="000000"/>
+                          </a:solidFill>
+                          <a:effectLst/>
+                          <a:latin typeface="Calibri" panose="020F0502020204030204" pitchFamily="34" charset="0"/>
+                        </a:rPr>
+                        <a:t>83.99</a:t>
+                      </a:r>
+                    </a:p>
+                  </a:txBody>
+                  <a:tcPr marL="7620" marR="7620" marT="7620" marB="0" anchor="b"/>
+                </a:tc>
+                <a:tc>
+                  <a:txBody>
+                    <a:bodyPr/>
+                    <a:lstStyle/>
+                    <a:p>
+                      <a:pPr algn="r" fontAlgn="b"/>
+                      <a:r>
+                        <a:rPr lang="en-US" sz="1100" b="0" i="0" u="none" strike="noStrike">
+                          <a:solidFill>
+                            <a:srgbClr val="000000"/>
+                          </a:solidFill>
+                          <a:effectLst/>
+                          <a:latin typeface="Calibri" panose="020F0502020204030204" pitchFamily="34" charset="0"/>
+                        </a:rPr>
+                        <a:t>93.87%</a:t>
+                      </a:r>
+                    </a:p>
+                  </a:txBody>
+                  <a:tcPr marL="7620" marR="7620" marT="7620" marB="0" anchor="b"/>
+                </a:tc>
+                <a:tc>
+                  <a:txBody>
+                    <a:bodyPr/>
+                    <a:lstStyle/>
+                    <a:p>
+                      <a:pPr algn="r" fontAlgn="b"/>
+                      <a:r>
+                        <a:rPr lang="en-US" sz="1100" b="0" i="0" u="none" strike="noStrike">
+                          <a:solidFill>
+                            <a:srgbClr val="000000"/>
+                          </a:solidFill>
+                          <a:effectLst/>
+                          <a:latin typeface="Calibri" panose="020F0502020204030204" pitchFamily="34" charset="0"/>
+                        </a:rPr>
+                        <a:t>96.54%</a:t>
+                      </a:r>
+                    </a:p>
+                  </a:txBody>
+                  <a:tcPr marL="7620" marR="7620" marT="7620" marB="0" anchor="b"/>
+                </a:tc>
+                <a:tc>
+                  <a:txBody>
+                    <a:bodyPr/>
+                    <a:lstStyle/>
+                    <a:p>
+                      <a:pPr algn="r" fontAlgn="b"/>
+                      <a:r>
+                        <a:rPr lang="en-US" sz="1100" b="0" i="0" u="none" strike="noStrike">
+                          <a:solidFill>
+                            <a:srgbClr val="000000"/>
+                          </a:solidFill>
+                          <a:effectLst/>
+                          <a:latin typeface="Calibri" panose="020F0502020204030204" pitchFamily="34" charset="0"/>
+                        </a:rPr>
+                        <a:t>90.58%</a:t>
+                      </a:r>
+                    </a:p>
+                  </a:txBody>
+                  <a:tcPr marL="7620" marR="7620" marT="7620" marB="0" anchor="b"/>
+                </a:tc>
+                <a:extLst>
+                  <a:ext uri="{0D108BD9-81ED-4DB2-BD59-A6C34878D82A}">
+                    <a16:rowId xmlns:a16="http://schemas.microsoft.com/office/drawing/2014/main" val="740665142"/>
+                  </a:ext>
+                </a:extLst>
+              </a:tr>
+              <a:tr h="370840">
+                <a:tc>
+                  <a:txBody>
+                    <a:bodyPr/>
+                    <a:lstStyle/>
+                    <a:p>
+                      <a:pPr algn="l" fontAlgn="b"/>
+                      <a:r>
+                        <a:rPr lang="en-US" sz="1100" b="0" i="0" u="none" strike="noStrike">
+                          <a:solidFill>
+                            <a:srgbClr val="000000"/>
+                          </a:solidFill>
+                          <a:effectLst/>
+                          <a:latin typeface="Calibri" panose="020F0502020204030204" pitchFamily="34" charset="0"/>
+                        </a:rPr>
+                        <a:t>Pena High School</a:t>
+                      </a:r>
+                    </a:p>
+                  </a:txBody>
+                  <a:tcPr marL="7620" marR="7620" marT="7620" marB="0" anchor="b"/>
+                </a:tc>
+                <a:tc>
+                  <a:txBody>
+                    <a:bodyPr/>
+                    <a:lstStyle/>
+                    <a:p>
+                      <a:pPr algn="r" fontAlgn="b"/>
+                      <a:r>
+                        <a:rPr lang="en-US" sz="1100" b="0" i="0" u="none" strike="noStrike">
+                          <a:solidFill>
+                            <a:srgbClr val="000000"/>
+                          </a:solidFill>
+                          <a:effectLst/>
+                          <a:latin typeface="Calibri" panose="020F0502020204030204" pitchFamily="34" charset="0"/>
+                        </a:rPr>
+                        <a:t>962</a:t>
+                      </a:r>
+                    </a:p>
+                  </a:txBody>
+                  <a:tcPr marL="7620" marR="7620" marT="7620" marB="0" anchor="b"/>
+                </a:tc>
+                <a:tc>
+                  <a:txBody>
+                    <a:bodyPr/>
+                    <a:lstStyle/>
+                    <a:p>
+                      <a:pPr algn="r" fontAlgn="b"/>
+                      <a:r>
+                        <a:rPr lang="en-US" sz="1100" b="0" i="0" u="none" strike="noStrike">
+                          <a:solidFill>
+                            <a:srgbClr val="000000"/>
+                          </a:solidFill>
+                          <a:effectLst/>
+                          <a:latin typeface="Calibri" panose="020F0502020204030204" pitchFamily="34" charset="0"/>
+                        </a:rPr>
+                        <a:t>$585,858.00 </a:t>
+                      </a:r>
+                    </a:p>
+                  </a:txBody>
+                  <a:tcPr marL="7620" marR="7620" marT="7620" marB="0" anchor="b"/>
+                </a:tc>
+                <a:tc>
+                  <a:txBody>
+                    <a:bodyPr/>
+                    <a:lstStyle/>
+                    <a:p>
+                      <a:pPr algn="r" fontAlgn="b"/>
+                      <a:r>
+                        <a:rPr lang="en-US" sz="1100" b="0" i="0" u="none" strike="noStrike">
+                          <a:solidFill>
+                            <a:srgbClr val="000000"/>
+                          </a:solidFill>
+                          <a:effectLst/>
+                          <a:latin typeface="Calibri" panose="020F0502020204030204" pitchFamily="34" charset="0"/>
+                        </a:rPr>
+                        <a:t>$609.00 </a:t>
+                      </a:r>
+                    </a:p>
+                  </a:txBody>
+                  <a:tcPr marL="7620" marR="7620" marT="7620" marB="0" anchor="b"/>
+                </a:tc>
+                <a:tc>
+                  <a:txBody>
+                    <a:bodyPr/>
+                    <a:lstStyle/>
+                    <a:p>
+                      <a:pPr algn="r" fontAlgn="b"/>
+                      <a:r>
+                        <a:rPr lang="en-US" sz="1100" b="0" i="0" u="none" strike="noStrike">
+                          <a:solidFill>
+                            <a:srgbClr val="000000"/>
+                          </a:solidFill>
+                          <a:effectLst/>
+                          <a:latin typeface="Calibri" panose="020F0502020204030204" pitchFamily="34" charset="0"/>
+                        </a:rPr>
+                        <a:t>83.84</a:t>
+                      </a:r>
+                    </a:p>
+                  </a:txBody>
+                  <a:tcPr marL="7620" marR="7620" marT="7620" marB="0" anchor="b"/>
+                </a:tc>
+                <a:tc>
+                  <a:txBody>
+                    <a:bodyPr/>
+                    <a:lstStyle/>
+                    <a:p>
+                      <a:pPr algn="r" fontAlgn="b"/>
+                      <a:r>
+                        <a:rPr lang="en-US" sz="1100" b="0" i="0" u="none" strike="noStrike">
+                          <a:solidFill>
+                            <a:srgbClr val="000000"/>
+                          </a:solidFill>
+                          <a:effectLst/>
+                          <a:latin typeface="Calibri" panose="020F0502020204030204" pitchFamily="34" charset="0"/>
+                        </a:rPr>
+                        <a:t>84.04</a:t>
+                      </a:r>
+                    </a:p>
+                  </a:txBody>
+                  <a:tcPr marL="7620" marR="7620" marT="7620" marB="0" anchor="b"/>
+                </a:tc>
+                <a:tc>
+                  <a:txBody>
+                    <a:bodyPr/>
+                    <a:lstStyle/>
+                    <a:p>
+                      <a:pPr algn="r" fontAlgn="b"/>
+                      <a:r>
+                        <a:rPr lang="en-US" sz="1100" b="0" i="0" u="none" strike="noStrike">
+                          <a:solidFill>
+                            <a:srgbClr val="000000"/>
+                          </a:solidFill>
+                          <a:effectLst/>
+                          <a:latin typeface="Calibri" panose="020F0502020204030204" pitchFamily="34" charset="0"/>
+                        </a:rPr>
+                        <a:t>94.59%</a:t>
+                      </a:r>
+                    </a:p>
+                  </a:txBody>
+                  <a:tcPr marL="7620" marR="7620" marT="7620" marB="0" anchor="b"/>
+                </a:tc>
+                <a:tc>
+                  <a:txBody>
+                    <a:bodyPr/>
+                    <a:lstStyle/>
+                    <a:p>
+                      <a:pPr algn="r" fontAlgn="b"/>
+                      <a:r>
+                        <a:rPr lang="en-US" sz="1100" b="0" i="0" u="none" strike="noStrike">
+                          <a:solidFill>
+                            <a:srgbClr val="000000"/>
+                          </a:solidFill>
+                          <a:effectLst/>
+                          <a:latin typeface="Calibri" panose="020F0502020204030204" pitchFamily="34" charset="0"/>
+                        </a:rPr>
+                        <a:t>95.95%</a:t>
+                      </a:r>
+                    </a:p>
+                  </a:txBody>
+                  <a:tcPr marL="7620" marR="7620" marT="7620" marB="0" anchor="b"/>
+                </a:tc>
+                <a:tc>
+                  <a:txBody>
+                    <a:bodyPr/>
+                    <a:lstStyle/>
+                    <a:p>
+                      <a:pPr algn="r" fontAlgn="b"/>
+                      <a:r>
+                        <a:rPr lang="en-US" sz="1100" b="0" i="0" u="none" strike="noStrike" dirty="0">
+                          <a:solidFill>
+                            <a:srgbClr val="000000"/>
+                          </a:solidFill>
+                          <a:effectLst/>
+                          <a:latin typeface="Calibri" panose="020F0502020204030204" pitchFamily="34" charset="0"/>
+                        </a:rPr>
+                        <a:t>90.54%</a:t>
+                      </a:r>
+                    </a:p>
+                  </a:txBody>
+                  <a:tcPr marL="7620" marR="7620" marT="7620" marB="0" anchor="b"/>
+                </a:tc>
+                <a:extLst>
+                  <a:ext uri="{0D108BD9-81ED-4DB2-BD59-A6C34878D82A}">
+                    <a16:rowId xmlns:a16="http://schemas.microsoft.com/office/drawing/2014/main" val="699315323"/>
+                  </a:ext>
+                </a:extLst>
+              </a:tr>
+            </a:tbl>
+          </a:graphicData>
+        </a:graphic>
+      </p:graphicFrame>
       <p:sp>
         <p:nvSpPr>
           <p:cNvPr id="5" name="Text Placeholder 4">
@@ -4585,32 +9766,1272 @@
           <a:bodyPr/>
           <a:lstStyle/>
           <a:p>
-            <a:endParaRPr lang="en-US"/>
+            <a:r>
+              <a:rPr lang="en-US" dirty="0"/>
+              <a:t>Worst performing</a:t>
+            </a:r>
           </a:p>
         </p:txBody>
       </p:sp>
-      <p:sp>
-        <p:nvSpPr>
-          <p:cNvPr id="6" name="Content Placeholder 5">
+      <p:graphicFrame>
+        <p:nvGraphicFramePr>
+          <p:cNvPr id="9" name="Table 9">
             <a:extLst>
               <a:ext uri="{FF2B5EF4-FFF2-40B4-BE49-F238E27FC236}">
-                <a16:creationId xmlns:a16="http://schemas.microsoft.com/office/drawing/2014/main" id="{5E45F97A-886C-4953-B79F-EB6A5E72AF95}"/>
+                <a16:creationId xmlns:a16="http://schemas.microsoft.com/office/drawing/2014/main" id="{C58EBE60-A183-4397-8AEA-A3F733D1F8C7}"/>
               </a:ext>
             </a:extLst>
           </p:cNvPr>
-          <p:cNvSpPr>
-            <a:spLocks noGrp="1"/>
-          </p:cNvSpPr>
+          <p:cNvGraphicFramePr>
+            <a:graphicFrameLocks noGrp="1"/>
+          </p:cNvGraphicFramePr>
           <p:nvPr>
             <p:ph sz="quarter" idx="4"/>
+            <p:extLst>
+              <p:ext uri="{D42A27DB-BD31-4B8C-83A1-F6EECF244321}">
+                <p14:modId xmlns:p14="http://schemas.microsoft.com/office/powerpoint/2010/main" val="3661046488"/>
+              </p:ext>
+            </p:extLst>
           </p:nvPr>
+        </p:nvGraphicFramePr>
+        <p:xfrm>
+          <a:off x="6096000" y="2700061"/>
+          <a:ext cx="5598852" cy="3063240"/>
+        </p:xfrm>
+        <a:graphic>
+          <a:graphicData uri="http://schemas.openxmlformats.org/drawingml/2006/table">
+            <a:tbl>
+              <a:tblPr firstRow="1" bandRow="1">
+                <a:tableStyleId>{5C22544A-7EE6-4342-B048-85BDC9FD1C3A}</a:tableStyleId>
+              </a:tblPr>
+              <a:tblGrid>
+                <a:gridCol w="597763">
+                  <a:extLst>
+                    <a:ext uri="{9D8B030D-6E8A-4147-A177-3AD203B41FA5}">
+                      <a16:colId xmlns:a16="http://schemas.microsoft.com/office/drawing/2014/main" val="1977256584"/>
+                    </a:ext>
+                  </a:extLst>
+                </a:gridCol>
+                <a:gridCol w="514905">
+                  <a:extLst>
+                    <a:ext uri="{9D8B030D-6E8A-4147-A177-3AD203B41FA5}">
+                      <a16:colId xmlns:a16="http://schemas.microsoft.com/office/drawing/2014/main" val="988571785"/>
+                    </a:ext>
+                  </a:extLst>
+                </a:gridCol>
+                <a:gridCol w="851624">
+                  <a:extLst>
+                    <a:ext uri="{9D8B030D-6E8A-4147-A177-3AD203B41FA5}">
+                      <a16:colId xmlns:a16="http://schemas.microsoft.com/office/drawing/2014/main" val="2808821958"/>
+                    </a:ext>
+                  </a:extLst>
+                </a:gridCol>
+                <a:gridCol w="605760">
+                  <a:extLst>
+                    <a:ext uri="{9D8B030D-6E8A-4147-A177-3AD203B41FA5}">
+                      <a16:colId xmlns:a16="http://schemas.microsoft.com/office/drawing/2014/main" val="2590713917"/>
+                    </a:ext>
+                  </a:extLst>
+                </a:gridCol>
+                <a:gridCol w="605760">
+                  <a:extLst>
+                    <a:ext uri="{9D8B030D-6E8A-4147-A177-3AD203B41FA5}">
+                      <a16:colId xmlns:a16="http://schemas.microsoft.com/office/drawing/2014/main" val="2091460081"/>
+                    </a:ext>
+                  </a:extLst>
+                </a:gridCol>
+                <a:gridCol w="605760">
+                  <a:extLst>
+                    <a:ext uri="{9D8B030D-6E8A-4147-A177-3AD203B41FA5}">
+                      <a16:colId xmlns:a16="http://schemas.microsoft.com/office/drawing/2014/main" val="1976312709"/>
+                    </a:ext>
+                  </a:extLst>
+                </a:gridCol>
+                <a:gridCol w="605760">
+                  <a:extLst>
+                    <a:ext uri="{9D8B030D-6E8A-4147-A177-3AD203B41FA5}">
+                      <a16:colId xmlns:a16="http://schemas.microsoft.com/office/drawing/2014/main" val="658042443"/>
+                    </a:ext>
+                  </a:extLst>
+                </a:gridCol>
+                <a:gridCol w="605760">
+                  <a:extLst>
+                    <a:ext uri="{9D8B030D-6E8A-4147-A177-3AD203B41FA5}">
+                      <a16:colId xmlns:a16="http://schemas.microsoft.com/office/drawing/2014/main" val="2597692806"/>
+                    </a:ext>
+                  </a:extLst>
+                </a:gridCol>
+                <a:gridCol w="605760">
+                  <a:extLst>
+                    <a:ext uri="{9D8B030D-6E8A-4147-A177-3AD203B41FA5}">
+                      <a16:colId xmlns:a16="http://schemas.microsoft.com/office/drawing/2014/main" val="2045465744"/>
+                    </a:ext>
+                  </a:extLst>
+                </a:gridCol>
+              </a:tblGrid>
+              <a:tr h="370840">
+                <a:tc>
+                  <a:txBody>
+                    <a:bodyPr/>
+                    <a:lstStyle/>
+                    <a:p>
+                      <a:pPr algn="l" fontAlgn="b"/>
+                      <a:r>
+                        <a:rPr lang="en-US" sz="1100" b="0" i="0" u="none" strike="noStrike" dirty="0">
+                          <a:solidFill>
+                            <a:srgbClr val="000000"/>
+                          </a:solidFill>
+                          <a:effectLst/>
+                          <a:latin typeface="Calibri" panose="020F0502020204030204" pitchFamily="34" charset="0"/>
+                        </a:rPr>
+                        <a:t>School Name</a:t>
+                      </a:r>
+                    </a:p>
+                  </a:txBody>
+                  <a:tcPr marL="7620" marR="7620" marT="7620" marB="0" anchor="b"/>
+                </a:tc>
+                <a:tc>
+                  <a:txBody>
+                    <a:bodyPr/>
+                    <a:lstStyle/>
+                    <a:p>
+                      <a:pPr algn="l" fontAlgn="b"/>
+                      <a:r>
+                        <a:rPr lang="en-US" sz="1100" b="0" i="0" u="none" strike="noStrike">
+                          <a:solidFill>
+                            <a:srgbClr val="000000"/>
+                          </a:solidFill>
+                          <a:effectLst/>
+                          <a:latin typeface="Calibri" panose="020F0502020204030204" pitchFamily="34" charset="0"/>
+                        </a:rPr>
+                        <a:t>Total Students</a:t>
+                      </a:r>
+                    </a:p>
+                  </a:txBody>
+                  <a:tcPr marL="7620" marR="7620" marT="7620" marB="0" anchor="b"/>
+                </a:tc>
+                <a:tc>
+                  <a:txBody>
+                    <a:bodyPr/>
+                    <a:lstStyle/>
+                    <a:p>
+                      <a:pPr algn="l" fontAlgn="b"/>
+                      <a:r>
+                        <a:rPr lang="en-US" sz="1100" b="0" i="0" u="none" strike="noStrike">
+                          <a:solidFill>
+                            <a:srgbClr val="000000"/>
+                          </a:solidFill>
+                          <a:effectLst/>
+                          <a:latin typeface="Calibri" panose="020F0502020204030204" pitchFamily="34" charset="0"/>
+                        </a:rPr>
+                        <a:t>Total School Budget</a:t>
+                      </a:r>
+                    </a:p>
+                  </a:txBody>
+                  <a:tcPr marL="7620" marR="7620" marT="7620" marB="0" anchor="b"/>
+                </a:tc>
+                <a:tc>
+                  <a:txBody>
+                    <a:bodyPr/>
+                    <a:lstStyle/>
+                    <a:p>
+                      <a:pPr algn="l" fontAlgn="b"/>
+                      <a:r>
+                        <a:rPr lang="en-US" sz="1100" b="0" i="0" u="none" strike="noStrike">
+                          <a:solidFill>
+                            <a:srgbClr val="000000"/>
+                          </a:solidFill>
+                          <a:effectLst/>
+                          <a:latin typeface="Calibri" panose="020F0502020204030204" pitchFamily="34" charset="0"/>
+                        </a:rPr>
+                        <a:t>Per Student Budget</a:t>
+                      </a:r>
+                    </a:p>
+                  </a:txBody>
+                  <a:tcPr marL="7620" marR="7620" marT="7620" marB="0" anchor="b"/>
+                </a:tc>
+                <a:tc>
+                  <a:txBody>
+                    <a:bodyPr/>
+                    <a:lstStyle/>
+                    <a:p>
+                      <a:pPr algn="l" fontAlgn="b"/>
+                      <a:r>
+                        <a:rPr lang="en-US" sz="1100" b="0" i="0" u="none" strike="noStrike">
+                          <a:solidFill>
+                            <a:srgbClr val="000000"/>
+                          </a:solidFill>
+                          <a:effectLst/>
+                          <a:latin typeface="Calibri" panose="020F0502020204030204" pitchFamily="34" charset="0"/>
+                        </a:rPr>
+                        <a:t>Average Math Score</a:t>
+                      </a:r>
+                    </a:p>
+                  </a:txBody>
+                  <a:tcPr marL="7620" marR="7620" marT="7620" marB="0" anchor="b"/>
+                </a:tc>
+                <a:tc>
+                  <a:txBody>
+                    <a:bodyPr/>
+                    <a:lstStyle/>
+                    <a:p>
+                      <a:pPr algn="l" fontAlgn="b"/>
+                      <a:r>
+                        <a:rPr lang="en-US" sz="1100" b="0" i="0" u="none" strike="noStrike">
+                          <a:solidFill>
+                            <a:srgbClr val="000000"/>
+                          </a:solidFill>
+                          <a:effectLst/>
+                          <a:latin typeface="Calibri" panose="020F0502020204030204" pitchFamily="34" charset="0"/>
+                        </a:rPr>
+                        <a:t>Average Reading Score</a:t>
+                      </a:r>
+                    </a:p>
+                  </a:txBody>
+                  <a:tcPr marL="7620" marR="7620" marT="7620" marB="0" anchor="b"/>
+                </a:tc>
+                <a:tc>
+                  <a:txBody>
+                    <a:bodyPr/>
+                    <a:lstStyle/>
+                    <a:p>
+                      <a:pPr algn="l" fontAlgn="b"/>
+                      <a:r>
+                        <a:rPr lang="en-US" sz="1100" b="0" i="0" u="none" strike="noStrike">
+                          <a:solidFill>
+                            <a:srgbClr val="000000"/>
+                          </a:solidFill>
+                          <a:effectLst/>
+                          <a:latin typeface="Calibri" panose="020F0502020204030204" pitchFamily="34" charset="0"/>
+                        </a:rPr>
+                        <a:t>% Passing Math</a:t>
+                      </a:r>
+                    </a:p>
+                  </a:txBody>
+                  <a:tcPr marL="7620" marR="7620" marT="7620" marB="0" anchor="b"/>
+                </a:tc>
+                <a:tc>
+                  <a:txBody>
+                    <a:bodyPr/>
+                    <a:lstStyle/>
+                    <a:p>
+                      <a:pPr algn="l" fontAlgn="b"/>
+                      <a:r>
+                        <a:rPr lang="en-US" sz="1100" b="0" i="0" u="none" strike="noStrike">
+                          <a:solidFill>
+                            <a:srgbClr val="000000"/>
+                          </a:solidFill>
+                          <a:effectLst/>
+                          <a:latin typeface="Calibri" panose="020F0502020204030204" pitchFamily="34" charset="0"/>
+                        </a:rPr>
+                        <a:t>% Passing Reading</a:t>
+                      </a:r>
+                    </a:p>
+                  </a:txBody>
+                  <a:tcPr marL="7620" marR="7620" marT="7620" marB="0" anchor="b"/>
+                </a:tc>
+                <a:tc>
+                  <a:txBody>
+                    <a:bodyPr/>
+                    <a:lstStyle/>
+                    <a:p>
+                      <a:pPr algn="l" fontAlgn="b"/>
+                      <a:r>
+                        <a:rPr lang="en-US" sz="1100" b="0" i="0" u="none" strike="noStrike">
+                          <a:solidFill>
+                            <a:srgbClr val="000000"/>
+                          </a:solidFill>
+                          <a:effectLst/>
+                          <a:latin typeface="Calibri" panose="020F0502020204030204" pitchFamily="34" charset="0"/>
+                        </a:rPr>
+                        <a:t>% Overall Passing</a:t>
+                      </a:r>
+                    </a:p>
+                  </a:txBody>
+                  <a:tcPr marL="7620" marR="7620" marT="7620" marB="0" anchor="b"/>
+                </a:tc>
+                <a:extLst>
+                  <a:ext uri="{0D108BD9-81ED-4DB2-BD59-A6C34878D82A}">
+                    <a16:rowId xmlns:a16="http://schemas.microsoft.com/office/drawing/2014/main" val="4269004597"/>
+                  </a:ext>
+                </a:extLst>
+              </a:tr>
+              <a:tr h="370840">
+                <a:tc>
+                  <a:txBody>
+                    <a:bodyPr/>
+                    <a:lstStyle/>
+                    <a:p>
+                      <a:pPr algn="l" fontAlgn="b"/>
+                      <a:r>
+                        <a:rPr lang="en-US" sz="1100" b="0" i="0" u="none" strike="noStrike">
+                          <a:solidFill>
+                            <a:srgbClr val="000000"/>
+                          </a:solidFill>
+                          <a:effectLst/>
+                          <a:latin typeface="Calibri" panose="020F0502020204030204" pitchFamily="34" charset="0"/>
+                        </a:rPr>
+                        <a:t>Rodriguez High School</a:t>
+                      </a:r>
+                    </a:p>
+                  </a:txBody>
+                  <a:tcPr marL="7620" marR="7620" marT="7620" marB="0" anchor="b"/>
+                </a:tc>
+                <a:tc>
+                  <a:txBody>
+                    <a:bodyPr/>
+                    <a:lstStyle/>
+                    <a:p>
+                      <a:pPr algn="r" fontAlgn="b"/>
+                      <a:r>
+                        <a:rPr lang="en-US" sz="1100" b="0" i="0" u="none" strike="noStrike">
+                          <a:solidFill>
+                            <a:srgbClr val="000000"/>
+                          </a:solidFill>
+                          <a:effectLst/>
+                          <a:latin typeface="Calibri" panose="020F0502020204030204" pitchFamily="34" charset="0"/>
+                        </a:rPr>
+                        <a:t>3,999</a:t>
+                      </a:r>
+                    </a:p>
+                  </a:txBody>
+                  <a:tcPr marL="7620" marR="7620" marT="7620" marB="0" anchor="b"/>
+                </a:tc>
+                <a:tc>
+                  <a:txBody>
+                    <a:bodyPr/>
+                    <a:lstStyle/>
+                    <a:p>
+                      <a:pPr algn="r" fontAlgn="b"/>
+                      <a:r>
+                        <a:rPr lang="en-US" sz="1100" b="0" i="0" u="none" strike="noStrike" dirty="0">
+                          <a:solidFill>
+                            <a:srgbClr val="000000"/>
+                          </a:solidFill>
+                          <a:effectLst/>
+                          <a:latin typeface="Calibri" panose="020F0502020204030204" pitchFamily="34" charset="0"/>
+                        </a:rPr>
+                        <a:t>$2,547,363.00 </a:t>
+                      </a:r>
+                    </a:p>
+                  </a:txBody>
+                  <a:tcPr marL="7620" marR="7620" marT="7620" marB="0" anchor="b"/>
+                </a:tc>
+                <a:tc>
+                  <a:txBody>
+                    <a:bodyPr/>
+                    <a:lstStyle/>
+                    <a:p>
+                      <a:pPr algn="r" fontAlgn="b"/>
+                      <a:r>
+                        <a:rPr lang="en-US" sz="1100" b="0" i="0" u="none" strike="noStrike" dirty="0">
+                          <a:solidFill>
+                            <a:srgbClr val="000000"/>
+                          </a:solidFill>
+                          <a:effectLst/>
+                          <a:latin typeface="Calibri" panose="020F0502020204030204" pitchFamily="34" charset="0"/>
+                        </a:rPr>
+                        <a:t>$637.00 </a:t>
+                      </a:r>
+                    </a:p>
+                  </a:txBody>
+                  <a:tcPr marL="7620" marR="7620" marT="7620" marB="0" anchor="b"/>
+                </a:tc>
+                <a:tc>
+                  <a:txBody>
+                    <a:bodyPr/>
+                    <a:lstStyle/>
+                    <a:p>
+                      <a:pPr algn="r" fontAlgn="b"/>
+                      <a:r>
+                        <a:rPr lang="en-US" sz="1100" b="0" i="0" u="none" strike="noStrike">
+                          <a:solidFill>
+                            <a:srgbClr val="000000"/>
+                          </a:solidFill>
+                          <a:effectLst/>
+                          <a:latin typeface="Calibri" panose="020F0502020204030204" pitchFamily="34" charset="0"/>
+                        </a:rPr>
+                        <a:t>76.84</a:t>
+                      </a:r>
+                    </a:p>
+                  </a:txBody>
+                  <a:tcPr marL="7620" marR="7620" marT="7620" marB="0" anchor="b"/>
+                </a:tc>
+                <a:tc>
+                  <a:txBody>
+                    <a:bodyPr/>
+                    <a:lstStyle/>
+                    <a:p>
+                      <a:pPr algn="r" fontAlgn="b"/>
+                      <a:r>
+                        <a:rPr lang="en-US" sz="1100" b="0" i="0" u="none" strike="noStrike">
+                          <a:solidFill>
+                            <a:srgbClr val="000000"/>
+                          </a:solidFill>
+                          <a:effectLst/>
+                          <a:latin typeface="Calibri" panose="020F0502020204030204" pitchFamily="34" charset="0"/>
+                        </a:rPr>
+                        <a:t>80.74</a:t>
+                      </a:r>
+                    </a:p>
+                  </a:txBody>
+                  <a:tcPr marL="7620" marR="7620" marT="7620" marB="0" anchor="b"/>
+                </a:tc>
+                <a:tc>
+                  <a:txBody>
+                    <a:bodyPr/>
+                    <a:lstStyle/>
+                    <a:p>
+                      <a:pPr algn="r" fontAlgn="b"/>
+                      <a:r>
+                        <a:rPr lang="en-US" sz="1100" b="0" i="0" u="none" strike="noStrike">
+                          <a:solidFill>
+                            <a:srgbClr val="000000"/>
+                          </a:solidFill>
+                          <a:effectLst/>
+                          <a:latin typeface="Calibri" panose="020F0502020204030204" pitchFamily="34" charset="0"/>
+                        </a:rPr>
+                        <a:t>66.37%</a:t>
+                      </a:r>
+                    </a:p>
+                  </a:txBody>
+                  <a:tcPr marL="7620" marR="7620" marT="7620" marB="0" anchor="b"/>
+                </a:tc>
+                <a:tc>
+                  <a:txBody>
+                    <a:bodyPr/>
+                    <a:lstStyle/>
+                    <a:p>
+                      <a:pPr algn="r" fontAlgn="b"/>
+                      <a:r>
+                        <a:rPr lang="en-US" sz="1100" b="0" i="0" u="none" strike="noStrike">
+                          <a:solidFill>
+                            <a:srgbClr val="000000"/>
+                          </a:solidFill>
+                          <a:effectLst/>
+                          <a:latin typeface="Calibri" panose="020F0502020204030204" pitchFamily="34" charset="0"/>
+                        </a:rPr>
+                        <a:t>80.22%</a:t>
+                      </a:r>
+                    </a:p>
+                  </a:txBody>
+                  <a:tcPr marL="7620" marR="7620" marT="7620" marB="0" anchor="b"/>
+                </a:tc>
+                <a:tc>
+                  <a:txBody>
+                    <a:bodyPr/>
+                    <a:lstStyle/>
+                    <a:p>
+                      <a:pPr algn="r" fontAlgn="b"/>
+                      <a:r>
+                        <a:rPr lang="en-US" sz="1100" b="0" i="0" u="none" strike="noStrike">
+                          <a:solidFill>
+                            <a:srgbClr val="000000"/>
+                          </a:solidFill>
+                          <a:effectLst/>
+                          <a:latin typeface="Calibri" panose="020F0502020204030204" pitchFamily="34" charset="0"/>
+                        </a:rPr>
+                        <a:t>52.99%</a:t>
+                      </a:r>
+                    </a:p>
+                  </a:txBody>
+                  <a:tcPr marL="7620" marR="7620" marT="7620" marB="0" anchor="b"/>
+                </a:tc>
+                <a:extLst>
+                  <a:ext uri="{0D108BD9-81ED-4DB2-BD59-A6C34878D82A}">
+                    <a16:rowId xmlns:a16="http://schemas.microsoft.com/office/drawing/2014/main" val="462349200"/>
+                  </a:ext>
+                </a:extLst>
+              </a:tr>
+              <a:tr h="370840">
+                <a:tc>
+                  <a:txBody>
+                    <a:bodyPr/>
+                    <a:lstStyle/>
+                    <a:p>
+                      <a:pPr algn="l" fontAlgn="b"/>
+                      <a:r>
+                        <a:rPr lang="en-US" sz="1100" b="0" i="0" u="none" strike="noStrike">
+                          <a:solidFill>
+                            <a:srgbClr val="000000"/>
+                          </a:solidFill>
+                          <a:effectLst/>
+                          <a:latin typeface="Calibri" panose="020F0502020204030204" pitchFamily="34" charset="0"/>
+                        </a:rPr>
+                        <a:t>Figueroa High School</a:t>
+                      </a:r>
+                    </a:p>
+                  </a:txBody>
+                  <a:tcPr marL="7620" marR="7620" marT="7620" marB="0" anchor="b"/>
+                </a:tc>
+                <a:tc>
+                  <a:txBody>
+                    <a:bodyPr/>
+                    <a:lstStyle/>
+                    <a:p>
+                      <a:pPr algn="r" fontAlgn="b"/>
+                      <a:r>
+                        <a:rPr lang="en-US" sz="1100" b="0" i="0" u="none" strike="noStrike" dirty="0">
+                          <a:solidFill>
+                            <a:srgbClr val="000000"/>
+                          </a:solidFill>
+                          <a:effectLst/>
+                          <a:latin typeface="Calibri" panose="020F0502020204030204" pitchFamily="34" charset="0"/>
+                        </a:rPr>
+                        <a:t>2,949</a:t>
+                      </a:r>
+                    </a:p>
+                  </a:txBody>
+                  <a:tcPr marL="7620" marR="7620" marT="7620" marB="0" anchor="b"/>
+                </a:tc>
+                <a:tc>
+                  <a:txBody>
+                    <a:bodyPr/>
+                    <a:lstStyle/>
+                    <a:p>
+                      <a:pPr algn="r" fontAlgn="b"/>
+                      <a:r>
+                        <a:rPr lang="en-US" sz="1100" b="0" i="0" u="none" strike="noStrike">
+                          <a:solidFill>
+                            <a:srgbClr val="000000"/>
+                          </a:solidFill>
+                          <a:effectLst/>
+                          <a:latin typeface="Calibri" panose="020F0502020204030204" pitchFamily="34" charset="0"/>
+                        </a:rPr>
+                        <a:t>$1,884,411.00 </a:t>
+                      </a:r>
+                    </a:p>
+                  </a:txBody>
+                  <a:tcPr marL="7620" marR="7620" marT="7620" marB="0" anchor="b"/>
+                </a:tc>
+                <a:tc>
+                  <a:txBody>
+                    <a:bodyPr/>
+                    <a:lstStyle/>
+                    <a:p>
+                      <a:pPr algn="r" fontAlgn="b"/>
+                      <a:r>
+                        <a:rPr lang="en-US" sz="1100" b="0" i="0" u="none" strike="noStrike">
+                          <a:solidFill>
+                            <a:srgbClr val="000000"/>
+                          </a:solidFill>
+                          <a:effectLst/>
+                          <a:latin typeface="Calibri" panose="020F0502020204030204" pitchFamily="34" charset="0"/>
+                        </a:rPr>
+                        <a:t>$639.00 </a:t>
+                      </a:r>
+                    </a:p>
+                  </a:txBody>
+                  <a:tcPr marL="7620" marR="7620" marT="7620" marB="0" anchor="b"/>
+                </a:tc>
+                <a:tc>
+                  <a:txBody>
+                    <a:bodyPr/>
+                    <a:lstStyle/>
+                    <a:p>
+                      <a:pPr algn="r" fontAlgn="b"/>
+                      <a:r>
+                        <a:rPr lang="en-US" sz="1100" b="0" i="0" u="none" strike="noStrike">
+                          <a:solidFill>
+                            <a:srgbClr val="000000"/>
+                          </a:solidFill>
+                          <a:effectLst/>
+                          <a:latin typeface="Calibri" panose="020F0502020204030204" pitchFamily="34" charset="0"/>
+                        </a:rPr>
+                        <a:t>76.71</a:t>
+                      </a:r>
+                    </a:p>
+                  </a:txBody>
+                  <a:tcPr marL="7620" marR="7620" marT="7620" marB="0" anchor="b"/>
+                </a:tc>
+                <a:tc>
+                  <a:txBody>
+                    <a:bodyPr/>
+                    <a:lstStyle/>
+                    <a:p>
+                      <a:pPr algn="r" fontAlgn="b"/>
+                      <a:r>
+                        <a:rPr lang="en-US" sz="1100" b="0" i="0" u="none" strike="noStrike">
+                          <a:solidFill>
+                            <a:srgbClr val="000000"/>
+                          </a:solidFill>
+                          <a:effectLst/>
+                          <a:latin typeface="Calibri" panose="020F0502020204030204" pitchFamily="34" charset="0"/>
+                        </a:rPr>
+                        <a:t>81.16</a:t>
+                      </a:r>
+                    </a:p>
+                  </a:txBody>
+                  <a:tcPr marL="7620" marR="7620" marT="7620" marB="0" anchor="b"/>
+                </a:tc>
+                <a:tc>
+                  <a:txBody>
+                    <a:bodyPr/>
+                    <a:lstStyle/>
+                    <a:p>
+                      <a:pPr algn="r" fontAlgn="b"/>
+                      <a:r>
+                        <a:rPr lang="en-US" sz="1100" b="0" i="0" u="none" strike="noStrike">
+                          <a:solidFill>
+                            <a:srgbClr val="000000"/>
+                          </a:solidFill>
+                          <a:effectLst/>
+                          <a:latin typeface="Calibri" panose="020F0502020204030204" pitchFamily="34" charset="0"/>
+                        </a:rPr>
+                        <a:t>65.99%</a:t>
+                      </a:r>
+                    </a:p>
+                  </a:txBody>
+                  <a:tcPr marL="7620" marR="7620" marT="7620" marB="0" anchor="b"/>
+                </a:tc>
+                <a:tc>
+                  <a:txBody>
+                    <a:bodyPr/>
+                    <a:lstStyle/>
+                    <a:p>
+                      <a:pPr algn="r" fontAlgn="b"/>
+                      <a:r>
+                        <a:rPr lang="en-US" sz="1100" b="0" i="0" u="none" strike="noStrike">
+                          <a:solidFill>
+                            <a:srgbClr val="000000"/>
+                          </a:solidFill>
+                          <a:effectLst/>
+                          <a:latin typeface="Calibri" panose="020F0502020204030204" pitchFamily="34" charset="0"/>
+                        </a:rPr>
+                        <a:t>80.74%</a:t>
+                      </a:r>
+                    </a:p>
+                  </a:txBody>
+                  <a:tcPr marL="7620" marR="7620" marT="7620" marB="0" anchor="b"/>
+                </a:tc>
+                <a:tc>
+                  <a:txBody>
+                    <a:bodyPr/>
+                    <a:lstStyle/>
+                    <a:p>
+                      <a:pPr algn="r" fontAlgn="b"/>
+                      <a:r>
+                        <a:rPr lang="en-US" sz="1100" b="0" i="0" u="none" strike="noStrike">
+                          <a:solidFill>
+                            <a:srgbClr val="000000"/>
+                          </a:solidFill>
+                          <a:effectLst/>
+                          <a:latin typeface="Calibri" panose="020F0502020204030204" pitchFamily="34" charset="0"/>
+                        </a:rPr>
+                        <a:t>53.20%</a:t>
+                      </a:r>
+                    </a:p>
+                  </a:txBody>
+                  <a:tcPr marL="7620" marR="7620" marT="7620" marB="0" anchor="b"/>
+                </a:tc>
+                <a:extLst>
+                  <a:ext uri="{0D108BD9-81ED-4DB2-BD59-A6C34878D82A}">
+                    <a16:rowId xmlns:a16="http://schemas.microsoft.com/office/drawing/2014/main" val="797605872"/>
+                  </a:ext>
+                </a:extLst>
+              </a:tr>
+              <a:tr h="370840">
+                <a:tc>
+                  <a:txBody>
+                    <a:bodyPr/>
+                    <a:lstStyle/>
+                    <a:p>
+                      <a:pPr algn="l" fontAlgn="b"/>
+                      <a:r>
+                        <a:rPr lang="en-US" sz="1100" b="0" i="0" u="none" strike="noStrike">
+                          <a:solidFill>
+                            <a:srgbClr val="000000"/>
+                          </a:solidFill>
+                          <a:effectLst/>
+                          <a:latin typeface="Calibri" panose="020F0502020204030204" pitchFamily="34" charset="0"/>
+                        </a:rPr>
+                        <a:t>Huang High School</a:t>
+                      </a:r>
+                    </a:p>
+                  </a:txBody>
+                  <a:tcPr marL="7620" marR="7620" marT="7620" marB="0" anchor="b"/>
+                </a:tc>
+                <a:tc>
+                  <a:txBody>
+                    <a:bodyPr/>
+                    <a:lstStyle/>
+                    <a:p>
+                      <a:pPr algn="r" fontAlgn="b"/>
+                      <a:r>
+                        <a:rPr lang="en-US" sz="1100" b="0" i="0" u="none" strike="noStrike">
+                          <a:solidFill>
+                            <a:srgbClr val="000000"/>
+                          </a:solidFill>
+                          <a:effectLst/>
+                          <a:latin typeface="Calibri" panose="020F0502020204030204" pitchFamily="34" charset="0"/>
+                        </a:rPr>
+                        <a:t>2,917</a:t>
+                      </a:r>
+                    </a:p>
+                  </a:txBody>
+                  <a:tcPr marL="7620" marR="7620" marT="7620" marB="0" anchor="b"/>
+                </a:tc>
+                <a:tc>
+                  <a:txBody>
+                    <a:bodyPr/>
+                    <a:lstStyle/>
+                    <a:p>
+                      <a:pPr algn="r" fontAlgn="b"/>
+                      <a:r>
+                        <a:rPr lang="en-US" sz="1100" b="0" i="0" u="none" strike="noStrike">
+                          <a:solidFill>
+                            <a:srgbClr val="000000"/>
+                          </a:solidFill>
+                          <a:effectLst/>
+                          <a:latin typeface="Calibri" panose="020F0502020204030204" pitchFamily="34" charset="0"/>
+                        </a:rPr>
+                        <a:t>$1,910,635.00 </a:t>
+                      </a:r>
+                    </a:p>
+                  </a:txBody>
+                  <a:tcPr marL="7620" marR="7620" marT="7620" marB="0" anchor="b"/>
+                </a:tc>
+                <a:tc>
+                  <a:txBody>
+                    <a:bodyPr/>
+                    <a:lstStyle/>
+                    <a:p>
+                      <a:pPr algn="r" fontAlgn="b"/>
+                      <a:r>
+                        <a:rPr lang="en-US" sz="1100" b="0" i="0" u="none" strike="noStrike">
+                          <a:solidFill>
+                            <a:srgbClr val="000000"/>
+                          </a:solidFill>
+                          <a:effectLst/>
+                          <a:latin typeface="Calibri" panose="020F0502020204030204" pitchFamily="34" charset="0"/>
+                        </a:rPr>
+                        <a:t>$655.00 </a:t>
+                      </a:r>
+                    </a:p>
+                  </a:txBody>
+                  <a:tcPr marL="7620" marR="7620" marT="7620" marB="0" anchor="b"/>
+                </a:tc>
+                <a:tc>
+                  <a:txBody>
+                    <a:bodyPr/>
+                    <a:lstStyle/>
+                    <a:p>
+                      <a:pPr algn="r" fontAlgn="b"/>
+                      <a:r>
+                        <a:rPr lang="en-US" sz="1100" b="0" i="0" u="none" strike="noStrike">
+                          <a:solidFill>
+                            <a:srgbClr val="000000"/>
+                          </a:solidFill>
+                          <a:effectLst/>
+                          <a:latin typeface="Calibri" panose="020F0502020204030204" pitchFamily="34" charset="0"/>
+                        </a:rPr>
+                        <a:t>76.63</a:t>
+                      </a:r>
+                    </a:p>
+                  </a:txBody>
+                  <a:tcPr marL="7620" marR="7620" marT="7620" marB="0" anchor="b"/>
+                </a:tc>
+                <a:tc>
+                  <a:txBody>
+                    <a:bodyPr/>
+                    <a:lstStyle/>
+                    <a:p>
+                      <a:pPr algn="r" fontAlgn="b"/>
+                      <a:r>
+                        <a:rPr lang="en-US" sz="1100" b="0" i="0" u="none" strike="noStrike">
+                          <a:solidFill>
+                            <a:srgbClr val="000000"/>
+                          </a:solidFill>
+                          <a:effectLst/>
+                          <a:latin typeface="Calibri" panose="020F0502020204030204" pitchFamily="34" charset="0"/>
+                        </a:rPr>
+                        <a:t>81.18</a:t>
+                      </a:r>
+                    </a:p>
+                  </a:txBody>
+                  <a:tcPr marL="7620" marR="7620" marT="7620" marB="0" anchor="b"/>
+                </a:tc>
+                <a:tc>
+                  <a:txBody>
+                    <a:bodyPr/>
+                    <a:lstStyle/>
+                    <a:p>
+                      <a:pPr algn="r" fontAlgn="b"/>
+                      <a:r>
+                        <a:rPr lang="en-US" sz="1100" b="0" i="0" u="none" strike="noStrike">
+                          <a:solidFill>
+                            <a:srgbClr val="000000"/>
+                          </a:solidFill>
+                          <a:effectLst/>
+                          <a:latin typeface="Calibri" panose="020F0502020204030204" pitchFamily="34" charset="0"/>
+                        </a:rPr>
+                        <a:t>65.68%</a:t>
+                      </a:r>
+                    </a:p>
+                  </a:txBody>
+                  <a:tcPr marL="7620" marR="7620" marT="7620" marB="0" anchor="b"/>
+                </a:tc>
+                <a:tc>
+                  <a:txBody>
+                    <a:bodyPr/>
+                    <a:lstStyle/>
+                    <a:p>
+                      <a:pPr algn="r" fontAlgn="b"/>
+                      <a:r>
+                        <a:rPr lang="en-US" sz="1100" b="0" i="0" u="none" strike="noStrike">
+                          <a:solidFill>
+                            <a:srgbClr val="000000"/>
+                          </a:solidFill>
+                          <a:effectLst/>
+                          <a:latin typeface="Calibri" panose="020F0502020204030204" pitchFamily="34" charset="0"/>
+                        </a:rPr>
+                        <a:t>81.32%</a:t>
+                      </a:r>
+                    </a:p>
+                  </a:txBody>
+                  <a:tcPr marL="7620" marR="7620" marT="7620" marB="0" anchor="b"/>
+                </a:tc>
+                <a:tc>
+                  <a:txBody>
+                    <a:bodyPr/>
+                    <a:lstStyle/>
+                    <a:p>
+                      <a:pPr algn="r" fontAlgn="b"/>
+                      <a:r>
+                        <a:rPr lang="en-US" sz="1100" b="0" i="0" u="none" strike="noStrike">
+                          <a:solidFill>
+                            <a:srgbClr val="000000"/>
+                          </a:solidFill>
+                          <a:effectLst/>
+                          <a:latin typeface="Calibri" panose="020F0502020204030204" pitchFamily="34" charset="0"/>
+                        </a:rPr>
+                        <a:t>53.51%</a:t>
+                      </a:r>
+                    </a:p>
+                  </a:txBody>
+                  <a:tcPr marL="7620" marR="7620" marT="7620" marB="0" anchor="b"/>
+                </a:tc>
+                <a:extLst>
+                  <a:ext uri="{0D108BD9-81ED-4DB2-BD59-A6C34878D82A}">
+                    <a16:rowId xmlns:a16="http://schemas.microsoft.com/office/drawing/2014/main" val="652631999"/>
+                  </a:ext>
+                </a:extLst>
+              </a:tr>
+              <a:tr h="370840">
+                <a:tc>
+                  <a:txBody>
+                    <a:bodyPr/>
+                    <a:lstStyle/>
+                    <a:p>
+                      <a:pPr algn="l" fontAlgn="b"/>
+                      <a:r>
+                        <a:rPr lang="en-US" sz="1100" b="0" i="0" u="none" strike="noStrike">
+                          <a:solidFill>
+                            <a:srgbClr val="000000"/>
+                          </a:solidFill>
+                          <a:effectLst/>
+                          <a:latin typeface="Calibri" panose="020F0502020204030204" pitchFamily="34" charset="0"/>
+                        </a:rPr>
+                        <a:t>Hernandez High School</a:t>
+                      </a:r>
+                    </a:p>
+                  </a:txBody>
+                  <a:tcPr marL="7620" marR="7620" marT="7620" marB="0" anchor="b"/>
+                </a:tc>
+                <a:tc>
+                  <a:txBody>
+                    <a:bodyPr/>
+                    <a:lstStyle/>
+                    <a:p>
+                      <a:pPr algn="r" fontAlgn="b"/>
+                      <a:r>
+                        <a:rPr lang="en-US" sz="1100" b="0" i="0" u="none" strike="noStrike">
+                          <a:solidFill>
+                            <a:srgbClr val="000000"/>
+                          </a:solidFill>
+                          <a:effectLst/>
+                          <a:latin typeface="Calibri" panose="020F0502020204030204" pitchFamily="34" charset="0"/>
+                        </a:rPr>
+                        <a:t>4,635</a:t>
+                      </a:r>
+                    </a:p>
+                  </a:txBody>
+                  <a:tcPr marL="7620" marR="7620" marT="7620" marB="0" anchor="b"/>
+                </a:tc>
+                <a:tc>
+                  <a:txBody>
+                    <a:bodyPr/>
+                    <a:lstStyle/>
+                    <a:p>
+                      <a:pPr algn="r" fontAlgn="b"/>
+                      <a:r>
+                        <a:rPr lang="en-US" sz="1100" b="0" i="0" u="none" strike="noStrike">
+                          <a:solidFill>
+                            <a:srgbClr val="000000"/>
+                          </a:solidFill>
+                          <a:effectLst/>
+                          <a:latin typeface="Calibri" panose="020F0502020204030204" pitchFamily="34" charset="0"/>
+                        </a:rPr>
+                        <a:t>$3,022,020.00 </a:t>
+                      </a:r>
+                    </a:p>
+                  </a:txBody>
+                  <a:tcPr marL="7620" marR="7620" marT="7620" marB="0" anchor="b"/>
+                </a:tc>
+                <a:tc>
+                  <a:txBody>
+                    <a:bodyPr/>
+                    <a:lstStyle/>
+                    <a:p>
+                      <a:pPr algn="r" fontAlgn="b"/>
+                      <a:r>
+                        <a:rPr lang="en-US" sz="1100" b="0" i="0" u="none" strike="noStrike">
+                          <a:solidFill>
+                            <a:srgbClr val="000000"/>
+                          </a:solidFill>
+                          <a:effectLst/>
+                          <a:latin typeface="Calibri" panose="020F0502020204030204" pitchFamily="34" charset="0"/>
+                        </a:rPr>
+                        <a:t>$652.00 </a:t>
+                      </a:r>
+                    </a:p>
+                  </a:txBody>
+                  <a:tcPr marL="7620" marR="7620" marT="7620" marB="0" anchor="b"/>
+                </a:tc>
+                <a:tc>
+                  <a:txBody>
+                    <a:bodyPr/>
+                    <a:lstStyle/>
+                    <a:p>
+                      <a:pPr algn="r" fontAlgn="b"/>
+                      <a:r>
+                        <a:rPr lang="en-US" sz="1100" b="0" i="0" u="none" strike="noStrike">
+                          <a:solidFill>
+                            <a:srgbClr val="000000"/>
+                          </a:solidFill>
+                          <a:effectLst/>
+                          <a:latin typeface="Calibri" panose="020F0502020204030204" pitchFamily="34" charset="0"/>
+                        </a:rPr>
+                        <a:t>77.29</a:t>
+                      </a:r>
+                    </a:p>
+                  </a:txBody>
+                  <a:tcPr marL="7620" marR="7620" marT="7620" marB="0" anchor="b"/>
+                </a:tc>
+                <a:tc>
+                  <a:txBody>
+                    <a:bodyPr/>
+                    <a:lstStyle/>
+                    <a:p>
+                      <a:pPr algn="r" fontAlgn="b"/>
+                      <a:r>
+                        <a:rPr lang="en-US" sz="1100" b="0" i="0" u="none" strike="noStrike">
+                          <a:solidFill>
+                            <a:srgbClr val="000000"/>
+                          </a:solidFill>
+                          <a:effectLst/>
+                          <a:latin typeface="Calibri" panose="020F0502020204030204" pitchFamily="34" charset="0"/>
+                        </a:rPr>
+                        <a:t>80.93</a:t>
+                      </a:r>
+                    </a:p>
+                  </a:txBody>
+                  <a:tcPr marL="7620" marR="7620" marT="7620" marB="0" anchor="b"/>
+                </a:tc>
+                <a:tc>
+                  <a:txBody>
+                    <a:bodyPr/>
+                    <a:lstStyle/>
+                    <a:p>
+                      <a:pPr algn="r" fontAlgn="b"/>
+                      <a:r>
+                        <a:rPr lang="en-US" sz="1100" b="0" i="0" u="none" strike="noStrike">
+                          <a:solidFill>
+                            <a:srgbClr val="000000"/>
+                          </a:solidFill>
+                          <a:effectLst/>
+                          <a:latin typeface="Calibri" panose="020F0502020204030204" pitchFamily="34" charset="0"/>
+                        </a:rPr>
+                        <a:t>66.75%</a:t>
+                      </a:r>
+                    </a:p>
+                  </a:txBody>
+                  <a:tcPr marL="7620" marR="7620" marT="7620" marB="0" anchor="b"/>
+                </a:tc>
+                <a:tc>
+                  <a:txBody>
+                    <a:bodyPr/>
+                    <a:lstStyle/>
+                    <a:p>
+                      <a:pPr algn="r" fontAlgn="b"/>
+                      <a:r>
+                        <a:rPr lang="en-US" sz="1100" b="0" i="0" u="none" strike="noStrike">
+                          <a:solidFill>
+                            <a:srgbClr val="000000"/>
+                          </a:solidFill>
+                          <a:effectLst/>
+                          <a:latin typeface="Calibri" panose="020F0502020204030204" pitchFamily="34" charset="0"/>
+                        </a:rPr>
+                        <a:t>80.86%</a:t>
+                      </a:r>
+                    </a:p>
+                  </a:txBody>
+                  <a:tcPr marL="7620" marR="7620" marT="7620" marB="0" anchor="b"/>
+                </a:tc>
+                <a:tc>
+                  <a:txBody>
+                    <a:bodyPr/>
+                    <a:lstStyle/>
+                    <a:p>
+                      <a:pPr algn="r" fontAlgn="b"/>
+                      <a:r>
+                        <a:rPr lang="en-US" sz="1100" b="0" i="0" u="none" strike="noStrike">
+                          <a:solidFill>
+                            <a:srgbClr val="000000"/>
+                          </a:solidFill>
+                          <a:effectLst/>
+                          <a:latin typeface="Calibri" panose="020F0502020204030204" pitchFamily="34" charset="0"/>
+                        </a:rPr>
+                        <a:t>53.53%</a:t>
+                      </a:r>
+                    </a:p>
+                  </a:txBody>
+                  <a:tcPr marL="7620" marR="7620" marT="7620" marB="0" anchor="b"/>
+                </a:tc>
+                <a:extLst>
+                  <a:ext uri="{0D108BD9-81ED-4DB2-BD59-A6C34878D82A}">
+                    <a16:rowId xmlns:a16="http://schemas.microsoft.com/office/drawing/2014/main" val="483514016"/>
+                  </a:ext>
+                </a:extLst>
+              </a:tr>
+              <a:tr h="370840">
+                <a:tc>
+                  <a:txBody>
+                    <a:bodyPr/>
+                    <a:lstStyle/>
+                    <a:p>
+                      <a:pPr algn="l" fontAlgn="b"/>
+                      <a:r>
+                        <a:rPr lang="en-US" sz="1100" b="0" i="0" u="none" strike="noStrike">
+                          <a:solidFill>
+                            <a:srgbClr val="000000"/>
+                          </a:solidFill>
+                          <a:effectLst/>
+                          <a:latin typeface="Calibri" panose="020F0502020204030204" pitchFamily="34" charset="0"/>
+                        </a:rPr>
+                        <a:t>Johnson High School</a:t>
+                      </a:r>
+                    </a:p>
+                  </a:txBody>
+                  <a:tcPr marL="7620" marR="7620" marT="7620" marB="0" anchor="b"/>
+                </a:tc>
+                <a:tc>
+                  <a:txBody>
+                    <a:bodyPr/>
+                    <a:lstStyle/>
+                    <a:p>
+                      <a:pPr algn="r" fontAlgn="b"/>
+                      <a:r>
+                        <a:rPr lang="en-US" sz="1100" b="0" i="0" u="none" strike="noStrike">
+                          <a:solidFill>
+                            <a:srgbClr val="000000"/>
+                          </a:solidFill>
+                          <a:effectLst/>
+                          <a:latin typeface="Calibri" panose="020F0502020204030204" pitchFamily="34" charset="0"/>
+                        </a:rPr>
+                        <a:t>4,761</a:t>
+                      </a:r>
+                    </a:p>
+                  </a:txBody>
+                  <a:tcPr marL="7620" marR="7620" marT="7620" marB="0" anchor="b"/>
+                </a:tc>
+                <a:tc>
+                  <a:txBody>
+                    <a:bodyPr/>
+                    <a:lstStyle/>
+                    <a:p>
+                      <a:pPr algn="r" fontAlgn="b"/>
+                      <a:r>
+                        <a:rPr lang="en-US" sz="1100" b="0" i="0" u="none" strike="noStrike">
+                          <a:solidFill>
+                            <a:srgbClr val="000000"/>
+                          </a:solidFill>
+                          <a:effectLst/>
+                          <a:latin typeface="Calibri" panose="020F0502020204030204" pitchFamily="34" charset="0"/>
+                        </a:rPr>
+                        <a:t>$3,094,650.00 </a:t>
+                      </a:r>
+                    </a:p>
+                  </a:txBody>
+                  <a:tcPr marL="7620" marR="7620" marT="7620" marB="0" anchor="b"/>
+                </a:tc>
+                <a:tc>
+                  <a:txBody>
+                    <a:bodyPr/>
+                    <a:lstStyle/>
+                    <a:p>
+                      <a:pPr algn="r" fontAlgn="b"/>
+                      <a:r>
+                        <a:rPr lang="en-US" sz="1100" b="0" i="0" u="none" strike="noStrike">
+                          <a:solidFill>
+                            <a:srgbClr val="000000"/>
+                          </a:solidFill>
+                          <a:effectLst/>
+                          <a:latin typeface="Calibri" panose="020F0502020204030204" pitchFamily="34" charset="0"/>
+                        </a:rPr>
+                        <a:t>$650.00 </a:t>
+                      </a:r>
+                    </a:p>
+                  </a:txBody>
+                  <a:tcPr marL="7620" marR="7620" marT="7620" marB="0" anchor="b"/>
+                </a:tc>
+                <a:tc>
+                  <a:txBody>
+                    <a:bodyPr/>
+                    <a:lstStyle/>
+                    <a:p>
+                      <a:pPr algn="r" fontAlgn="b"/>
+                      <a:r>
+                        <a:rPr lang="en-US" sz="1100" b="0" i="0" u="none" strike="noStrike">
+                          <a:solidFill>
+                            <a:srgbClr val="000000"/>
+                          </a:solidFill>
+                          <a:effectLst/>
+                          <a:latin typeface="Calibri" panose="020F0502020204030204" pitchFamily="34" charset="0"/>
+                        </a:rPr>
+                        <a:t>77.07</a:t>
+                      </a:r>
+                    </a:p>
+                  </a:txBody>
+                  <a:tcPr marL="7620" marR="7620" marT="7620" marB="0" anchor="b"/>
+                </a:tc>
+                <a:tc>
+                  <a:txBody>
+                    <a:bodyPr/>
+                    <a:lstStyle/>
+                    <a:p>
+                      <a:pPr algn="r" fontAlgn="b"/>
+                      <a:r>
+                        <a:rPr lang="en-US" sz="1100" b="0" i="0" u="none" strike="noStrike">
+                          <a:solidFill>
+                            <a:srgbClr val="000000"/>
+                          </a:solidFill>
+                          <a:effectLst/>
+                          <a:latin typeface="Calibri" panose="020F0502020204030204" pitchFamily="34" charset="0"/>
+                        </a:rPr>
+                        <a:t>80.97</a:t>
+                      </a:r>
+                    </a:p>
+                  </a:txBody>
+                  <a:tcPr marL="7620" marR="7620" marT="7620" marB="0" anchor="b"/>
+                </a:tc>
+                <a:tc>
+                  <a:txBody>
+                    <a:bodyPr/>
+                    <a:lstStyle/>
+                    <a:p>
+                      <a:pPr algn="r" fontAlgn="b"/>
+                      <a:r>
+                        <a:rPr lang="en-US" sz="1100" b="0" i="0" u="none" strike="noStrike">
+                          <a:solidFill>
+                            <a:srgbClr val="000000"/>
+                          </a:solidFill>
+                          <a:effectLst/>
+                          <a:latin typeface="Calibri" panose="020F0502020204030204" pitchFamily="34" charset="0"/>
+                        </a:rPr>
+                        <a:t>66.06%</a:t>
+                      </a:r>
+                    </a:p>
+                  </a:txBody>
+                  <a:tcPr marL="7620" marR="7620" marT="7620" marB="0" anchor="b"/>
+                </a:tc>
+                <a:tc>
+                  <a:txBody>
+                    <a:bodyPr/>
+                    <a:lstStyle/>
+                    <a:p>
+                      <a:pPr algn="r" fontAlgn="b"/>
+                      <a:r>
+                        <a:rPr lang="en-US" sz="1100" b="0" i="0" u="none" strike="noStrike">
+                          <a:solidFill>
+                            <a:srgbClr val="000000"/>
+                          </a:solidFill>
+                          <a:effectLst/>
+                          <a:latin typeface="Calibri" panose="020F0502020204030204" pitchFamily="34" charset="0"/>
+                        </a:rPr>
+                        <a:t>81.22%</a:t>
+                      </a:r>
+                    </a:p>
+                  </a:txBody>
+                  <a:tcPr marL="7620" marR="7620" marT="7620" marB="0" anchor="b"/>
+                </a:tc>
+                <a:tc>
+                  <a:txBody>
+                    <a:bodyPr/>
+                    <a:lstStyle/>
+                    <a:p>
+                      <a:pPr algn="r" fontAlgn="b"/>
+                      <a:r>
+                        <a:rPr lang="en-US" sz="1100" b="0" i="0" u="none" strike="noStrike" dirty="0">
+                          <a:solidFill>
+                            <a:srgbClr val="000000"/>
+                          </a:solidFill>
+                          <a:effectLst/>
+                          <a:latin typeface="Calibri" panose="020F0502020204030204" pitchFamily="34" charset="0"/>
+                        </a:rPr>
+                        <a:t>53.54%</a:t>
+                      </a:r>
+                    </a:p>
+                  </a:txBody>
+                  <a:tcPr marL="7620" marR="7620" marT="7620" marB="0" anchor="b"/>
+                </a:tc>
+                <a:extLst>
+                  <a:ext uri="{0D108BD9-81ED-4DB2-BD59-A6C34878D82A}">
+                    <a16:rowId xmlns:a16="http://schemas.microsoft.com/office/drawing/2014/main" val="3085484037"/>
+                  </a:ext>
+                </a:extLst>
+              </a:tr>
+            </a:tbl>
+          </a:graphicData>
+        </a:graphic>
+      </p:graphicFrame>
+      <p:sp>
+        <p:nvSpPr>
+          <p:cNvPr id="11" name="TextBox 10">
+            <a:extLst>
+              <a:ext uri="{FF2B5EF4-FFF2-40B4-BE49-F238E27FC236}">
+                <a16:creationId xmlns:a16="http://schemas.microsoft.com/office/drawing/2014/main" id="{ADAAF156-3A33-4B56-BF23-7BA759297C1C}"/>
+              </a:ext>
+            </a:extLst>
+          </p:cNvPr>
+          <p:cNvSpPr txBox="1"/>
+          <p:nvPr/>
         </p:nvSpPr>
-        <p:spPr/>
+        <p:spPr>
+          <a:xfrm>
+            <a:off x="3434142" y="5912529"/>
+            <a:ext cx="4605748" cy="369332"/>
+          </a:xfrm>
+          <a:prstGeom prst="rect">
+            <a:avLst/>
+          </a:prstGeom>
+          <a:noFill/>
+        </p:spPr>
         <p:txBody>
-          <a:bodyPr/>
+          <a:bodyPr wrap="none" rtlCol="0">
+            <a:spAutoFit/>
+          </a:bodyPr>
           <a:lstStyle/>
           <a:p>
-            <a:endParaRPr lang="en-US"/>
+            <a:pPr algn="ctr"/>
+            <a:r>
+              <a:rPr lang="en-US" dirty="0">
+                <a:highlight>
+                  <a:srgbClr val="FFFF00"/>
+                </a:highlight>
+              </a:rPr>
+              <a:t>Budget is not directly related with performing.</a:t>
+            </a:r>
           </a:p>
         </p:txBody>
       </p:sp>
@@ -4618,86 +11039,6 @@
     <p:extLst>
       <p:ext uri="{BB962C8B-B14F-4D97-AF65-F5344CB8AC3E}">
         <p14:creationId xmlns:p14="http://schemas.microsoft.com/office/powerpoint/2010/main" val="2515981147"/>
-      </p:ext>
-    </p:extLst>
-  </p:cSld>
-  <p:clrMapOvr>
-    <a:masterClrMapping/>
-  </p:clrMapOvr>
-</p:sld>
-</file>
-
-<file path=ppt/slides/slide6.xml><?xml version="1.0" encoding="utf-8"?>
-<p:sld xmlns:a="http://schemas.openxmlformats.org/drawingml/2006/main" xmlns:r="http://schemas.openxmlformats.org/officeDocument/2006/relationships" xmlns:p="http://schemas.openxmlformats.org/presentationml/2006/main">
-  <p:cSld>
-    <p:spTree>
-      <p:nvGrpSpPr>
-        <p:cNvPr id="1" name=""/>
-        <p:cNvGrpSpPr/>
-        <p:nvPr/>
-      </p:nvGrpSpPr>
-      <p:grpSpPr>
-        <a:xfrm>
-          <a:off x="0" y="0"/>
-          <a:ext cx="0" cy="0"/>
-          <a:chOff x="0" y="0"/>
-          <a:chExt cx="0" cy="0"/>
-        </a:xfrm>
-      </p:grpSpPr>
-      <p:sp>
-        <p:nvSpPr>
-          <p:cNvPr id="2" name="Title 1">
-            <a:extLst>
-              <a:ext uri="{FF2B5EF4-FFF2-40B4-BE49-F238E27FC236}">
-                <a16:creationId xmlns:a16="http://schemas.microsoft.com/office/drawing/2014/main" id="{F26CE066-83DC-4292-ADEF-00FB45715668}"/>
-              </a:ext>
-            </a:extLst>
-          </p:cNvPr>
-          <p:cNvSpPr>
-            <a:spLocks noGrp="1"/>
-          </p:cNvSpPr>
-          <p:nvPr>
-            <p:ph type="title"/>
-          </p:nvPr>
-        </p:nvSpPr>
-        <p:spPr/>
-        <p:txBody>
-          <a:bodyPr/>
-          <a:lstStyle/>
-          <a:p>
-            <a:endParaRPr lang="en-US"/>
-          </a:p>
-        </p:txBody>
-      </p:sp>
-      <p:sp>
-        <p:nvSpPr>
-          <p:cNvPr id="3" name="Content Placeholder 2">
-            <a:extLst>
-              <a:ext uri="{FF2B5EF4-FFF2-40B4-BE49-F238E27FC236}">
-                <a16:creationId xmlns:a16="http://schemas.microsoft.com/office/drawing/2014/main" id="{B57B2C10-284C-4A54-A274-6EBE61FC46FC}"/>
-              </a:ext>
-            </a:extLst>
-          </p:cNvPr>
-          <p:cNvSpPr>
-            <a:spLocks noGrp="1"/>
-          </p:cNvSpPr>
-          <p:nvPr>
-            <p:ph idx="1"/>
-          </p:nvPr>
-        </p:nvSpPr>
-        <p:spPr/>
-        <p:txBody>
-          <a:bodyPr/>
-          <a:lstStyle/>
-          <a:p>
-            <a:endParaRPr lang="en-US"/>
-          </a:p>
-        </p:txBody>
-      </p:sp>
-    </p:spTree>
-    <p:extLst>
-      <p:ext uri="{BB962C8B-B14F-4D97-AF65-F5344CB8AC3E}">
-        <p14:creationId xmlns:p14="http://schemas.microsoft.com/office/powerpoint/2010/main" val="2300566865"/>
       </p:ext>
     </p:extLst>
   </p:cSld>
